--- a/Sales_More_ppt2.2.pptx
+++ b/Sales_More_ppt2.2.pptx
@@ -11,13 +11,13 @@
   <p:notesSz cx="6858000" cy="9144000"/>
   <p:embeddedFontLst>
     <p:embeddedFont>
-      <p:font typeface="Wingdings 3" panose="05040102010807070707" pitchFamily="18" charset="2"/>
+      <p:font typeface="맑은 고딕" panose="020B0503020000020004" pitchFamily="50" charset="-127"/>
       <p:regular r:id="rId3"/>
+      <p:bold r:id="rId4"/>
     </p:embeddedFont>
     <p:embeddedFont>
-      <p:font typeface="맑은 고딕" panose="020B0503020000020004" pitchFamily="50" charset="-127"/>
-      <p:regular r:id="rId4"/>
-      <p:bold r:id="rId5"/>
+      <p:font typeface="Wingdings 3" panose="05040102010807070707" pitchFamily="18" charset="2"/>
+      <p:regular r:id="rId5"/>
     </p:embeddedFont>
   </p:embeddedFontLst>
   <p:defaultTextStyle>
@@ -230,7 +230,7 @@
           <a:p>
             <a:fld id="{A2C46B5B-C7B4-4093-A670-142433023433}" type="datetimeFigureOut">
               <a:rPr lang="ko-KR" altLang="en-US" smtClean="0"/>
-              <a:t>2021-07-29</a:t>
+              <a:t>2021-08-02</a:t>
             </a:fld>
             <a:endParaRPr lang="ko-KR" altLang="en-US"/>
           </a:p>
@@ -997,7 +997,7 @@
           <p:cNvPr id="14" name="텍스트 개체 틀 2">
             <a:extLst>
               <a:ext uri="{FF2B5EF4-FFF2-40B4-BE49-F238E27FC236}">
-                <a16:creationId xmlns="" xmlns:a16="http://schemas.microsoft.com/office/drawing/2014/main" id="{D9F618CC-D8E6-4C54-B0ED-AEC47F586215}"/>
+                <a16:creationId xmlns:a16="http://schemas.microsoft.com/office/drawing/2014/main" xmlns="" id="{D9F618CC-D8E6-4C54-B0ED-AEC47F586215}"/>
               </a:ext>
             </a:extLst>
           </p:cNvPr>
@@ -1398,14 +1398,14 @@
                 <a:gridCol w="1997689">
                   <a:extLst>
                     <a:ext uri="{9D8B030D-6E8A-4147-A177-3AD203B41FA5}">
-                      <a16:colId xmlns="" xmlns:a16="http://schemas.microsoft.com/office/drawing/2014/main" val="20000"/>
+                      <a16:colId xmlns:a16="http://schemas.microsoft.com/office/drawing/2014/main" xmlns="" val="20000"/>
                     </a:ext>
                   </a:extLst>
                 </a:gridCol>
                 <a:gridCol w="1997689">
                   <a:extLst>
                     <a:ext uri="{9D8B030D-6E8A-4147-A177-3AD203B41FA5}">
-                      <a16:colId xmlns="" xmlns:a16="http://schemas.microsoft.com/office/drawing/2014/main" val="20001"/>
+                      <a16:colId xmlns:a16="http://schemas.microsoft.com/office/drawing/2014/main" xmlns="" val="20001"/>
                     </a:ext>
                   </a:extLst>
                 </a:gridCol>
@@ -1671,7 +1671,7 @@
                 </a:tc>
                 <a:extLst>
                   <a:ext uri="{0D108BD9-81ED-4DB2-BD59-A6C34878D82A}">
-                    <a16:rowId xmlns="" xmlns:a16="http://schemas.microsoft.com/office/drawing/2014/main" val="10000"/>
+                    <a16:rowId xmlns:a16="http://schemas.microsoft.com/office/drawing/2014/main" xmlns="" val="10000"/>
                   </a:ext>
                 </a:extLst>
               </a:tr>
@@ -1879,7 +1879,7 @@
                 </a:tc>
                 <a:extLst>
                   <a:ext uri="{0D108BD9-81ED-4DB2-BD59-A6C34878D82A}">
-                    <a16:rowId xmlns="" xmlns:a16="http://schemas.microsoft.com/office/drawing/2014/main" val="10001"/>
+                    <a16:rowId xmlns:a16="http://schemas.microsoft.com/office/drawing/2014/main" xmlns="" val="10001"/>
                   </a:ext>
                 </a:extLst>
               </a:tr>
@@ -2556,14 +2556,14 @@
                 <a:gridCol w="1013745">
                   <a:extLst>
                     <a:ext uri="{9D8B030D-6E8A-4147-A177-3AD203B41FA5}">
-                      <a16:colId xmlns="" xmlns:a16="http://schemas.microsoft.com/office/drawing/2014/main" val="20000"/>
+                      <a16:colId xmlns:a16="http://schemas.microsoft.com/office/drawing/2014/main" xmlns="" val="20000"/>
                     </a:ext>
                   </a:extLst>
                 </a:gridCol>
                 <a:gridCol w="8486992">
                   <a:extLst>
                     <a:ext uri="{9D8B030D-6E8A-4147-A177-3AD203B41FA5}">
-                      <a16:colId xmlns="" xmlns:a16="http://schemas.microsoft.com/office/drawing/2014/main" val="20001"/>
+                      <a16:colId xmlns:a16="http://schemas.microsoft.com/office/drawing/2014/main" xmlns="" val="20001"/>
                     </a:ext>
                   </a:extLst>
                 </a:gridCol>
@@ -2689,7 +2689,7 @@
                 </a:tc>
                 <a:extLst>
                   <a:ext uri="{0D108BD9-81ED-4DB2-BD59-A6C34878D82A}">
-                    <a16:rowId xmlns="" xmlns:a16="http://schemas.microsoft.com/office/drawing/2014/main" val="10000"/>
+                    <a16:rowId xmlns:a16="http://schemas.microsoft.com/office/drawing/2014/main" xmlns="" val="10000"/>
                   </a:ext>
                 </a:extLst>
               </a:tr>
@@ -3799,14 +3799,14 @@
                 <a:gridCol w="1061721">
                   <a:extLst>
                     <a:ext uri="{9D8B030D-6E8A-4147-A177-3AD203B41FA5}">
-                      <a16:colId xmlns="" xmlns:a16="http://schemas.microsoft.com/office/drawing/2014/main" val="20000"/>
+                      <a16:colId xmlns:a16="http://schemas.microsoft.com/office/drawing/2014/main" xmlns="" val="20000"/>
                     </a:ext>
                   </a:extLst>
                 </a:gridCol>
                 <a:gridCol w="1061721">
                   <a:extLst>
                     <a:ext uri="{9D8B030D-6E8A-4147-A177-3AD203B41FA5}">
-                      <a16:colId xmlns="" xmlns:a16="http://schemas.microsoft.com/office/drawing/2014/main" val="20001"/>
+                      <a16:colId xmlns:a16="http://schemas.microsoft.com/office/drawing/2014/main" xmlns="" val="20001"/>
                     </a:ext>
                   </a:extLst>
                 </a:gridCol>
@@ -4072,7 +4072,7 @@
                 </a:tc>
                 <a:extLst>
                   <a:ext uri="{0D108BD9-81ED-4DB2-BD59-A6C34878D82A}">
-                    <a16:rowId xmlns="" xmlns:a16="http://schemas.microsoft.com/office/drawing/2014/main" val="10000"/>
+                    <a16:rowId xmlns:a16="http://schemas.microsoft.com/office/drawing/2014/main" xmlns="" val="10000"/>
                   </a:ext>
                 </a:extLst>
               </a:tr>
@@ -4280,7 +4280,7 @@
                 </a:tc>
                 <a:extLst>
                   <a:ext uri="{0D108BD9-81ED-4DB2-BD59-A6C34878D82A}">
-                    <a16:rowId xmlns="" xmlns:a16="http://schemas.microsoft.com/office/drawing/2014/main" val="10001"/>
+                    <a16:rowId xmlns:a16="http://schemas.microsoft.com/office/drawing/2014/main" xmlns="" val="10001"/>
                   </a:ext>
                 </a:extLst>
               </a:tr>
@@ -4456,7 +4456,7 @@
           <p:cNvPr id="6" name="표 6">
             <a:extLst>
               <a:ext uri="{FF2B5EF4-FFF2-40B4-BE49-F238E27FC236}">
-                <a16:creationId xmlns="" xmlns:a16="http://schemas.microsoft.com/office/drawing/2014/main" id="{FABD37FA-5048-4585-BC20-8611CCD03331}"/>
+                <a16:creationId xmlns:a16="http://schemas.microsoft.com/office/drawing/2014/main" xmlns="" id="{FABD37FA-5048-4585-BC20-8611CCD03331}"/>
               </a:ext>
             </a:extLst>
           </p:cNvPr>
@@ -4485,14 +4485,14 @@
                 <a:gridCol w="1059088">
                   <a:extLst>
                     <a:ext uri="{9D8B030D-6E8A-4147-A177-3AD203B41FA5}">
-                      <a16:colId xmlns="" xmlns:a16="http://schemas.microsoft.com/office/drawing/2014/main" val="3453536458"/>
+                      <a16:colId xmlns:a16="http://schemas.microsoft.com/office/drawing/2014/main" xmlns="" val="3453536458"/>
                     </a:ext>
                   </a:extLst>
                 </a:gridCol>
                 <a:gridCol w="1059088">
                   <a:extLst>
                     <a:ext uri="{9D8B030D-6E8A-4147-A177-3AD203B41FA5}">
-                      <a16:colId xmlns="" xmlns:a16="http://schemas.microsoft.com/office/drawing/2014/main" val="3795268207"/>
+                      <a16:colId xmlns:a16="http://schemas.microsoft.com/office/drawing/2014/main" xmlns="" val="3795268207"/>
                     </a:ext>
                   </a:extLst>
                 </a:gridCol>
@@ -4590,7 +4590,7 @@
                 </a:tc>
                 <a:extLst>
                   <a:ext uri="{0D108BD9-81ED-4DB2-BD59-A6C34878D82A}">
-                    <a16:rowId xmlns="" xmlns:a16="http://schemas.microsoft.com/office/drawing/2014/main" val="3283157434"/>
+                    <a16:rowId xmlns:a16="http://schemas.microsoft.com/office/drawing/2014/main" xmlns="" val="3283157434"/>
                   </a:ext>
                 </a:extLst>
               </a:tr>
@@ -4687,7 +4687,7 @@
                 </a:tc>
                 <a:extLst>
                   <a:ext uri="{0D108BD9-81ED-4DB2-BD59-A6C34878D82A}">
-                    <a16:rowId xmlns="" xmlns:a16="http://schemas.microsoft.com/office/drawing/2014/main" val="2011600100"/>
+                    <a16:rowId xmlns:a16="http://schemas.microsoft.com/office/drawing/2014/main" xmlns="" val="2011600100"/>
                   </a:ext>
                 </a:extLst>
               </a:tr>
@@ -4784,7 +4784,7 @@
                 </a:tc>
                 <a:extLst>
                   <a:ext uri="{0D108BD9-81ED-4DB2-BD59-A6C34878D82A}">
-                    <a16:rowId xmlns="" xmlns:a16="http://schemas.microsoft.com/office/drawing/2014/main" val="4144869136"/>
+                    <a16:rowId xmlns:a16="http://schemas.microsoft.com/office/drawing/2014/main" xmlns="" val="4144869136"/>
                   </a:ext>
                 </a:extLst>
               </a:tr>
@@ -4881,7 +4881,7 @@
                 </a:tc>
                 <a:extLst>
                   <a:ext uri="{0D108BD9-81ED-4DB2-BD59-A6C34878D82A}">
-                    <a16:rowId xmlns="" xmlns:a16="http://schemas.microsoft.com/office/drawing/2014/main" val="2368941102"/>
+                    <a16:rowId xmlns:a16="http://schemas.microsoft.com/office/drawing/2014/main" xmlns="" val="2368941102"/>
                   </a:ext>
                 </a:extLst>
               </a:tr>
@@ -5853,7 +5853,7 @@
           <p:nvPr userDrawn="1">
             <p:extLst>
               <p:ext uri="{D42A27DB-BD31-4B8C-83A1-F6EECF244321}">
-                <p14:modId xmlns:p14="http://schemas.microsoft.com/office/powerpoint/2010/main" val="1952873860"/>
+                <p14:modId xmlns:p14="http://schemas.microsoft.com/office/powerpoint/2010/main" val="1268468250"/>
               </p:ext>
             </p:extLst>
           </p:nvPr>
@@ -5872,35 +5872,35 @@
                 <a:gridCol w="880644">
                   <a:extLst>
                     <a:ext uri="{9D8B030D-6E8A-4147-A177-3AD203B41FA5}">
-                      <a16:colId xmlns="" xmlns:a16="http://schemas.microsoft.com/office/drawing/2014/main" val="20000"/>
+                      <a16:colId xmlns:a16="http://schemas.microsoft.com/office/drawing/2014/main" xmlns="" val="20000"/>
                     </a:ext>
                   </a:extLst>
                 </a:gridCol>
                 <a:gridCol w="880644">
                   <a:extLst>
                     <a:ext uri="{9D8B030D-6E8A-4147-A177-3AD203B41FA5}">
-                      <a16:colId xmlns="" xmlns:a16="http://schemas.microsoft.com/office/drawing/2014/main" val="2960935981"/>
+                      <a16:colId xmlns:a16="http://schemas.microsoft.com/office/drawing/2014/main" xmlns="" val="2960935981"/>
                     </a:ext>
                   </a:extLst>
                 </a:gridCol>
                 <a:gridCol w="880644">
                   <a:extLst>
                     <a:ext uri="{9D8B030D-6E8A-4147-A177-3AD203B41FA5}">
-                      <a16:colId xmlns="" xmlns:a16="http://schemas.microsoft.com/office/drawing/2014/main" val="20001"/>
+                      <a16:colId xmlns:a16="http://schemas.microsoft.com/office/drawing/2014/main" xmlns="" val="20001"/>
                     </a:ext>
                   </a:extLst>
                 </a:gridCol>
                 <a:gridCol w="880644">
                   <a:extLst>
                     <a:ext uri="{9D8B030D-6E8A-4147-A177-3AD203B41FA5}">
-                      <a16:colId xmlns="" xmlns:a16="http://schemas.microsoft.com/office/drawing/2014/main" val="20002"/>
+                      <a16:colId xmlns:a16="http://schemas.microsoft.com/office/drawing/2014/main" xmlns="" val="20002"/>
                     </a:ext>
                   </a:extLst>
                 </a:gridCol>
                 <a:gridCol w="880644">
                   <a:extLst>
                     <a:ext uri="{9D8B030D-6E8A-4147-A177-3AD203B41FA5}">
-                      <a16:colId xmlns="" xmlns:a16="http://schemas.microsoft.com/office/drawing/2014/main" val="20003"/>
+                      <a16:colId xmlns:a16="http://schemas.microsoft.com/office/drawing/2014/main" xmlns="" val="20003"/>
                     </a:ext>
                   </a:extLst>
                 </a:gridCol>
@@ -6251,7 +6251,7 @@
                 </a:tc>
                 <a:extLst>
                   <a:ext uri="{0D108BD9-81ED-4DB2-BD59-A6C34878D82A}">
-                    <a16:rowId xmlns="" xmlns:a16="http://schemas.microsoft.com/office/drawing/2014/main" val="10000"/>
+                    <a16:rowId xmlns:a16="http://schemas.microsoft.com/office/drawing/2014/main" xmlns="" val="10000"/>
                   </a:ext>
                 </a:extLst>
               </a:tr>
@@ -6282,10 +6282,8 @@
                     </a:p>
                   </a:txBody>
                   <a:tcPr marL="36000" marR="36000" marT="36000" marB="36000" anchor="ctr">
-                    <a:lnL w="3175" cap="flat" cmpd="sng" algn="ctr">
-                      <a:solidFill>
-                        <a:schemeClr val="tx1"/>
-                      </a:solidFill>
+                    <a:lnL w="12700" cap="flat" cmpd="sng" algn="ctr">
+                      <a:noFill/>
                       <a:prstDash val="solid"/>
                       <a:round/>
                       <a:headEnd type="none" w="med" len="med"/>
@@ -6511,10 +6509,8 @@
                       <a:headEnd type="none" w="med" len="med"/>
                       <a:tailEnd type="none" w="med" len="med"/>
                     </a:lnL>
-                    <a:lnR w="3175" cap="flat" cmpd="sng" algn="ctr">
-                      <a:solidFill>
-                        <a:schemeClr val="tx1"/>
-                      </a:solidFill>
+                    <a:lnR w="12700" cap="flat" cmpd="sng" algn="ctr">
+                      <a:noFill/>
                       <a:prstDash val="solid"/>
                       <a:round/>
                       <a:headEnd type="none" w="med" len="med"/>
@@ -6543,7 +6539,7 @@
                 </a:tc>
                 <a:extLst>
                   <a:ext uri="{0D108BD9-81ED-4DB2-BD59-A6C34878D82A}">
-                    <a16:rowId xmlns="" xmlns:a16="http://schemas.microsoft.com/office/drawing/2014/main" val="10001"/>
+                    <a16:rowId xmlns:a16="http://schemas.microsoft.com/office/drawing/2014/main" xmlns="" val="10001"/>
                   </a:ext>
                 </a:extLst>
               </a:tr>
@@ -7097,7 +7093,7 @@
             <p:cNvPr id="103" name="그룹 102">
               <a:extLst>
                 <a:ext uri="{FF2B5EF4-FFF2-40B4-BE49-F238E27FC236}">
-                  <a16:creationId xmlns="" xmlns:a16="http://schemas.microsoft.com/office/drawing/2014/main" id="{F764A971-7E15-4AC0-B56B-D0AEB9381FCD}"/>
+                  <a16:creationId xmlns:a16="http://schemas.microsoft.com/office/drawing/2014/main" xmlns="" id="{F764A971-7E15-4AC0-B56B-D0AEB9381FCD}"/>
                 </a:ext>
               </a:extLst>
             </p:cNvPr>
@@ -7122,7 +7118,7 @@
               <p:cNvPr id="109" name="Freeform 39">
                 <a:extLst>
                   <a:ext uri="{FF2B5EF4-FFF2-40B4-BE49-F238E27FC236}">
-                    <a16:creationId xmlns="" xmlns:a16="http://schemas.microsoft.com/office/drawing/2014/main" id="{C642C60A-EDCD-4418-AF22-CE9228EC1300}"/>
+                    <a16:creationId xmlns:a16="http://schemas.microsoft.com/office/drawing/2014/main" xmlns="" id="{C642C60A-EDCD-4418-AF22-CE9228EC1300}"/>
                   </a:ext>
                 </a:extLst>
               </p:cNvPr>
@@ -8852,7 +8848,7 @@
               <p:cNvPr id="110" name="Freeform 40">
                 <a:extLst>
                   <a:ext uri="{FF2B5EF4-FFF2-40B4-BE49-F238E27FC236}">
-                    <a16:creationId xmlns="" xmlns:a16="http://schemas.microsoft.com/office/drawing/2014/main" id="{31D280BA-97C0-4816-A2C9-713BBD103CC6}"/>
+                    <a16:creationId xmlns:a16="http://schemas.microsoft.com/office/drawing/2014/main" xmlns="" id="{31D280BA-97C0-4816-A2C9-713BBD103CC6}"/>
                   </a:ext>
                 </a:extLst>
               </p:cNvPr>
@@ -9449,7 +9445,7 @@
             <p:cNvPr id="104" name="Freeform 41">
               <a:extLst>
                 <a:ext uri="{FF2B5EF4-FFF2-40B4-BE49-F238E27FC236}">
-                  <a16:creationId xmlns="" xmlns:a16="http://schemas.microsoft.com/office/drawing/2014/main" id="{C24B5697-9EAC-429F-9AE3-9ED30FC4F770}"/>
+                  <a16:creationId xmlns:a16="http://schemas.microsoft.com/office/drawing/2014/main" xmlns="" id="{C24B5697-9EAC-429F-9AE3-9ED30FC4F770}"/>
                 </a:ext>
               </a:extLst>
             </p:cNvPr>
@@ -11378,7 +11374,7 @@
             <p:cNvPr id="106" name="TextBox 105">
               <a:extLst>
                 <a:ext uri="{FF2B5EF4-FFF2-40B4-BE49-F238E27FC236}">
-                  <a16:creationId xmlns="" xmlns:a16="http://schemas.microsoft.com/office/drawing/2014/main" id="{749C370C-59ED-482F-95CC-01B9A670EECB}"/>
+                  <a16:creationId xmlns:a16="http://schemas.microsoft.com/office/drawing/2014/main" xmlns="" id="{749C370C-59ED-482F-95CC-01B9A670EECB}"/>
                 </a:ext>
               </a:extLst>
             </p:cNvPr>
@@ -11421,7 +11417,7 @@
             <p:cNvPr id="107" name="TextBox 106">
               <a:extLst>
                 <a:ext uri="{FF2B5EF4-FFF2-40B4-BE49-F238E27FC236}">
-                  <a16:creationId xmlns="" xmlns:a16="http://schemas.microsoft.com/office/drawing/2014/main" id="{749C370C-59ED-482F-95CC-01B9A670EECB}"/>
+                  <a16:creationId xmlns:a16="http://schemas.microsoft.com/office/drawing/2014/main" xmlns="" id="{749C370C-59ED-482F-95CC-01B9A670EECB}"/>
                 </a:ext>
               </a:extLst>
             </p:cNvPr>
@@ -12033,13 +12029,13 @@
           <p:nvPr userDrawn="1">
             <p:extLst>
               <p:ext uri="{D42A27DB-BD31-4B8C-83A1-F6EECF244321}">
-                <p14:modId xmlns:p14="http://schemas.microsoft.com/office/powerpoint/2010/main" val="2931538383"/>
+                <p14:modId xmlns:p14="http://schemas.microsoft.com/office/powerpoint/2010/main" val="2158933124"/>
               </p:ext>
             </p:extLst>
           </p:nvPr>
         </p:nvGraphicFramePr>
         <p:xfrm>
-          <a:off x="450361" y="1960740"/>
+          <a:off x="450361" y="1950580"/>
           <a:ext cx="1998983" cy="302233"/>
         </p:xfrm>
         <a:graphic>
@@ -12052,7 +12048,7 @@
                 <a:gridCol w="1998983">
                   <a:extLst>
                     <a:ext uri="{9D8B030D-6E8A-4147-A177-3AD203B41FA5}">
-                      <a16:colId xmlns="" xmlns:a16="http://schemas.microsoft.com/office/drawing/2014/main" val="20000"/>
+                      <a16:colId xmlns:a16="http://schemas.microsoft.com/office/drawing/2014/main" xmlns="" val="20000"/>
                     </a:ext>
                   </a:extLst>
                 </a:gridCol>
@@ -12127,7 +12123,7 @@
                 </a:tc>
                 <a:extLst>
                   <a:ext uri="{0D108BD9-81ED-4DB2-BD59-A6C34878D82A}">
-                    <a16:rowId xmlns="" xmlns:a16="http://schemas.microsoft.com/office/drawing/2014/main" val="10000"/>
+                    <a16:rowId xmlns:a16="http://schemas.microsoft.com/office/drawing/2014/main" xmlns="" val="10000"/>
                   </a:ext>
                 </a:extLst>
               </a:tr>
@@ -12163,14 +12159,14 @@
                 <a:gridCol w="807555">
                   <a:extLst>
                     <a:ext uri="{9D8B030D-6E8A-4147-A177-3AD203B41FA5}">
-                      <a16:colId xmlns="" xmlns:a16="http://schemas.microsoft.com/office/drawing/2014/main" val="20000"/>
+                      <a16:colId xmlns:a16="http://schemas.microsoft.com/office/drawing/2014/main" xmlns="" val="20000"/>
                     </a:ext>
                   </a:extLst>
                 </a:gridCol>
                 <a:gridCol w="1192044">
                   <a:extLst>
                     <a:ext uri="{9D8B030D-6E8A-4147-A177-3AD203B41FA5}">
-                      <a16:colId xmlns="" xmlns:a16="http://schemas.microsoft.com/office/drawing/2014/main" val="20001"/>
+                      <a16:colId xmlns:a16="http://schemas.microsoft.com/office/drawing/2014/main" xmlns="" val="20001"/>
                     </a:ext>
                   </a:extLst>
                 </a:gridCol>
@@ -12318,7 +12314,7 @@
                 </a:tc>
                 <a:extLst>
                   <a:ext uri="{0D108BD9-81ED-4DB2-BD59-A6C34878D82A}">
-                    <a16:rowId xmlns="" xmlns:a16="http://schemas.microsoft.com/office/drawing/2014/main" val="10001"/>
+                    <a16:rowId xmlns:a16="http://schemas.microsoft.com/office/drawing/2014/main" xmlns="" val="10001"/>
                   </a:ext>
                 </a:extLst>
               </a:tr>
@@ -12338,8 +12334,8 @@
         </p:nvSpPr>
         <p:spPr>
           <a:xfrm>
-            <a:off x="455172" y="1974446"/>
-            <a:ext cx="2003091" cy="267040"/>
+            <a:off x="445012" y="1932971"/>
+            <a:ext cx="1998000" cy="302400"/>
           </a:xfrm>
         </p:spPr>
         <p:txBody>
@@ -12734,7 +12730,7 @@
                 <a:gridCol w="1999598">
                   <a:extLst>
                     <a:ext uri="{9D8B030D-6E8A-4147-A177-3AD203B41FA5}">
-                      <a16:colId xmlns="" xmlns:a16="http://schemas.microsoft.com/office/drawing/2014/main" val="20000"/>
+                      <a16:colId xmlns:a16="http://schemas.microsoft.com/office/drawing/2014/main" xmlns="" val="20000"/>
                     </a:ext>
                   </a:extLst>
                 </a:gridCol>
@@ -12809,7 +12805,7 @@
                 </a:tc>
                 <a:extLst>
                   <a:ext uri="{0D108BD9-81ED-4DB2-BD59-A6C34878D82A}">
-                    <a16:rowId xmlns="" xmlns:a16="http://schemas.microsoft.com/office/drawing/2014/main" val="10000"/>
+                    <a16:rowId xmlns:a16="http://schemas.microsoft.com/office/drawing/2014/main" xmlns="" val="10000"/>
                   </a:ext>
                 </a:extLst>
               </a:tr>
@@ -12829,8 +12825,8 @@
         </p:nvSpPr>
         <p:spPr>
           <a:xfrm>
-            <a:off x="464437" y="3399143"/>
-            <a:ext cx="1999598" cy="285831"/>
+            <a:off x="454277" y="3388982"/>
+            <a:ext cx="1999598" cy="302400"/>
           </a:xfrm>
         </p:spPr>
         <p:txBody>
@@ -12907,49 +12903,49 @@
                 <a:gridCol w="292263">
                   <a:extLst>
                     <a:ext uri="{9D8B030D-6E8A-4147-A177-3AD203B41FA5}">
-                      <a16:colId xmlns="" xmlns:a16="http://schemas.microsoft.com/office/drawing/2014/main" val="20000"/>
+                      <a16:colId xmlns:a16="http://schemas.microsoft.com/office/drawing/2014/main" xmlns="" val="20000"/>
                     </a:ext>
                   </a:extLst>
                 </a:gridCol>
                 <a:gridCol w="292263">
                   <a:extLst>
                     <a:ext uri="{9D8B030D-6E8A-4147-A177-3AD203B41FA5}">
-                      <a16:colId xmlns="" xmlns:a16="http://schemas.microsoft.com/office/drawing/2014/main" val="20001"/>
+                      <a16:colId xmlns:a16="http://schemas.microsoft.com/office/drawing/2014/main" xmlns="" val="20001"/>
                     </a:ext>
                   </a:extLst>
                 </a:gridCol>
                 <a:gridCol w="292263">
                   <a:extLst>
                     <a:ext uri="{9D8B030D-6E8A-4147-A177-3AD203B41FA5}">
-                      <a16:colId xmlns="" xmlns:a16="http://schemas.microsoft.com/office/drawing/2014/main" val="20002"/>
+                      <a16:colId xmlns:a16="http://schemas.microsoft.com/office/drawing/2014/main" xmlns="" val="20002"/>
                     </a:ext>
                   </a:extLst>
                 </a:gridCol>
                 <a:gridCol w="292263">
                   <a:extLst>
                     <a:ext uri="{9D8B030D-6E8A-4147-A177-3AD203B41FA5}">
-                      <a16:colId xmlns="" xmlns:a16="http://schemas.microsoft.com/office/drawing/2014/main" val="20003"/>
+                      <a16:colId xmlns:a16="http://schemas.microsoft.com/office/drawing/2014/main" xmlns="" val="20003"/>
                     </a:ext>
                   </a:extLst>
                 </a:gridCol>
                 <a:gridCol w="292263">
                   <a:extLst>
                     <a:ext uri="{9D8B030D-6E8A-4147-A177-3AD203B41FA5}">
-                      <a16:colId xmlns="" xmlns:a16="http://schemas.microsoft.com/office/drawing/2014/main" val="20004"/>
+                      <a16:colId xmlns:a16="http://schemas.microsoft.com/office/drawing/2014/main" xmlns="" val="20004"/>
                     </a:ext>
                   </a:extLst>
                 </a:gridCol>
                 <a:gridCol w="292263">
                   <a:extLst>
                     <a:ext uri="{9D8B030D-6E8A-4147-A177-3AD203B41FA5}">
-                      <a16:colId xmlns="" xmlns:a16="http://schemas.microsoft.com/office/drawing/2014/main" val="20005"/>
+                      <a16:colId xmlns:a16="http://schemas.microsoft.com/office/drawing/2014/main" xmlns="" val="20005"/>
                     </a:ext>
                   </a:extLst>
                 </a:gridCol>
                 <a:gridCol w="292263">
                   <a:extLst>
                     <a:ext uri="{9D8B030D-6E8A-4147-A177-3AD203B41FA5}">
-                      <a16:colId xmlns="" xmlns:a16="http://schemas.microsoft.com/office/drawing/2014/main" val="3064443110"/>
+                      <a16:colId xmlns:a16="http://schemas.microsoft.com/office/drawing/2014/main" xmlns="" val="3064443110"/>
                     </a:ext>
                   </a:extLst>
                 </a:gridCol>
@@ -13447,7 +13443,7 @@
                 </a:tc>
                 <a:extLst>
                   <a:ext uri="{0D108BD9-81ED-4DB2-BD59-A6C34878D82A}">
-                    <a16:rowId xmlns="" xmlns:a16="http://schemas.microsoft.com/office/drawing/2014/main" val="10000"/>
+                    <a16:rowId xmlns:a16="http://schemas.microsoft.com/office/drawing/2014/main" xmlns="" val="10000"/>
                   </a:ext>
                 </a:extLst>
               </a:tr>
@@ -13839,7 +13835,7 @@
                 </a:tc>
                 <a:extLst>
                   <a:ext uri="{0D108BD9-81ED-4DB2-BD59-A6C34878D82A}">
-                    <a16:rowId xmlns="" xmlns:a16="http://schemas.microsoft.com/office/drawing/2014/main" val="10001"/>
+                    <a16:rowId xmlns:a16="http://schemas.microsoft.com/office/drawing/2014/main" xmlns="" val="10001"/>
                   </a:ext>
                 </a:extLst>
               </a:tr>
@@ -14285,7 +14281,7 @@
           </a:xfrm>
         </p:spPr>
         <p:txBody>
-          <a:bodyPr>
+          <a:bodyPr anchor="ctr">
             <a:noAutofit/>
           </a:bodyPr>
           <a:lstStyle>
@@ -14347,7 +14343,7 @@
           </a:xfrm>
         </p:spPr>
         <p:txBody>
-          <a:bodyPr>
+          <a:bodyPr anchor="ctr">
             <a:noAutofit/>
           </a:bodyPr>
           <a:lstStyle>
@@ -14404,7 +14400,7 @@
         </p:nvSpPr>
         <p:spPr>
           <a:xfrm>
-            <a:off x="6084388" y="1964286"/>
+            <a:off x="6084388" y="1954126"/>
             <a:ext cx="843462" cy="267040"/>
           </a:xfrm>
         </p:spPr>
@@ -14466,7 +14462,7 @@
         </p:nvSpPr>
         <p:spPr>
           <a:xfrm>
-            <a:off x="6954033" y="1964286"/>
+            <a:off x="6954033" y="1954126"/>
             <a:ext cx="872806" cy="267040"/>
           </a:xfrm>
         </p:spPr>
@@ -14528,7 +14524,7 @@
         </p:nvSpPr>
         <p:spPr>
           <a:xfrm>
-            <a:off x="7828932" y="1964286"/>
+            <a:off x="7828932" y="1954126"/>
             <a:ext cx="872806" cy="267040"/>
           </a:xfrm>
         </p:spPr>
@@ -14729,7 +14725,7 @@
           <p:cNvPr id="116" name="텍스트 개체 틀 2">
             <a:extLst>
               <a:ext uri="{FF2B5EF4-FFF2-40B4-BE49-F238E27FC236}">
-                <a16:creationId xmlns="" xmlns:a16="http://schemas.microsoft.com/office/drawing/2014/main" id="{39356596-B182-4A91-A651-701193D59ADC}"/>
+                <a16:creationId xmlns:a16="http://schemas.microsoft.com/office/drawing/2014/main" xmlns="" id="{39356596-B182-4A91-A651-701193D59ADC}"/>
               </a:ext>
             </a:extLst>
           </p:cNvPr>
@@ -14797,7 +14793,7 @@
           <p:cNvPr id="117" name="표 116">
             <a:extLst>
               <a:ext uri="{FF2B5EF4-FFF2-40B4-BE49-F238E27FC236}">
-                <a16:creationId xmlns="" xmlns:a16="http://schemas.microsoft.com/office/drawing/2014/main" id="{2528AC38-D433-446B-9ECE-D440DD6DD60A}"/>
+                <a16:creationId xmlns:a16="http://schemas.microsoft.com/office/drawing/2014/main" xmlns="" id="{2528AC38-D433-446B-9ECE-D440DD6DD60A}"/>
               </a:ext>
             </a:extLst>
           </p:cNvPr>
@@ -14807,14 +14803,14 @@
           <p:nvPr userDrawn="1">
             <p:extLst>
               <p:ext uri="{D42A27DB-BD31-4B8C-83A1-F6EECF244321}">
-                <p14:modId xmlns:p14="http://schemas.microsoft.com/office/powerpoint/2010/main" val="363617983"/>
+                <p14:modId xmlns:p14="http://schemas.microsoft.com/office/powerpoint/2010/main" val="1931679519"/>
               </p:ext>
             </p:extLst>
           </p:nvPr>
         </p:nvGraphicFramePr>
         <p:xfrm>
-          <a:off x="5185398" y="2845322"/>
-          <a:ext cx="4403220" cy="543310"/>
+          <a:off x="5185398" y="2691580"/>
+          <a:ext cx="4389144" cy="1031040"/>
         </p:xfrm>
         <a:graphic>
           <a:graphicData uri="http://schemas.openxmlformats.org/drawingml/2006/table">
@@ -14823,43 +14819,36 @@
                 <a:tableStyleId>{5C22544A-7EE6-4342-B048-85BDC9FD1C3A}</a:tableStyleId>
               </a:tblPr>
               <a:tblGrid>
-                <a:gridCol w="880644">
+                <a:gridCol w="1097286">
                   <a:extLst>
                     <a:ext uri="{9D8B030D-6E8A-4147-A177-3AD203B41FA5}">
-                      <a16:colId xmlns="" xmlns:a16="http://schemas.microsoft.com/office/drawing/2014/main" val="20000"/>
+                      <a16:colId xmlns:a16="http://schemas.microsoft.com/office/drawing/2014/main" xmlns="" val="20000"/>
                     </a:ext>
                   </a:extLst>
                 </a:gridCol>
-                <a:gridCol w="880644">
+                <a:gridCol w="1097286">
                   <a:extLst>
                     <a:ext uri="{9D8B030D-6E8A-4147-A177-3AD203B41FA5}">
-                      <a16:colId xmlns="" xmlns:a16="http://schemas.microsoft.com/office/drawing/2014/main" val="2960935981"/>
+                      <a16:colId xmlns:a16="http://schemas.microsoft.com/office/drawing/2014/main" xmlns="" val="2960935981"/>
                     </a:ext>
                   </a:extLst>
                 </a:gridCol>
-                <a:gridCol w="880644">
+                <a:gridCol w="1097286">
                   <a:extLst>
                     <a:ext uri="{9D8B030D-6E8A-4147-A177-3AD203B41FA5}">
-                      <a16:colId xmlns="" xmlns:a16="http://schemas.microsoft.com/office/drawing/2014/main" val="20001"/>
+                      <a16:colId xmlns:a16="http://schemas.microsoft.com/office/drawing/2014/main" xmlns="" val="20001"/>
                     </a:ext>
                   </a:extLst>
                 </a:gridCol>
-                <a:gridCol w="880644">
+                <a:gridCol w="1097286">
                   <a:extLst>
                     <a:ext uri="{9D8B030D-6E8A-4147-A177-3AD203B41FA5}">
-                      <a16:colId xmlns="" xmlns:a16="http://schemas.microsoft.com/office/drawing/2014/main" val="20002"/>
-                    </a:ext>
-                  </a:extLst>
-                </a:gridCol>
-                <a:gridCol w="880644">
-                  <a:extLst>
-                    <a:ext uri="{9D8B030D-6E8A-4147-A177-3AD203B41FA5}">
-                      <a16:colId xmlns="" xmlns:a16="http://schemas.microsoft.com/office/drawing/2014/main" val="20003"/>
+                      <a16:colId xmlns:a16="http://schemas.microsoft.com/office/drawing/2014/main" xmlns="" val="20002"/>
                     </a:ext>
                   </a:extLst>
                 </a:gridCol>
               </a:tblGrid>
-              <a:tr h="271655">
+              <a:tr h="266400">
                 <a:tc>
                   <a:txBody>
                     <a:bodyPr/>
@@ -14867,15 +14856,22 @@
                     <a:p>
                       <a:pPr algn="ctr" latinLnBrk="1"/>
                       <a:r>
-                        <a:rPr lang="ko-KR" altLang="en-US" sz="1200" b="0" dirty="0">
+                        <a:rPr lang="ko-KR" altLang="en-US" sz="1200" b="0" dirty="0" smtClean="0">
                           <a:solidFill>
                             <a:schemeClr val="bg1"/>
                           </a:solidFill>
                           <a:latin typeface="+mn-ea"/>
                           <a:ea typeface="+mn-ea"/>
                         </a:rPr>
-                        <a:t>고장시간</a:t>
+                        <a:t>발생일</a:t>
                       </a:r>
+                      <a:endParaRPr lang="ko-KR" altLang="en-US" sz="1200" b="0" dirty="0">
+                        <a:solidFill>
+                          <a:schemeClr val="bg1"/>
+                        </a:solidFill>
+                        <a:latin typeface="+mn-ea"/>
+                        <a:ea typeface="+mn-ea"/>
+                      </a:endParaRPr>
                     </a:p>
                   </a:txBody>
                   <a:tcPr marL="36000" marR="36000" marT="36000" marB="36000" anchor="ctr">
@@ -14930,25 +14926,22 @@
                     <a:p>
                       <a:pPr algn="ctr" latinLnBrk="1"/>
                       <a:r>
-                        <a:rPr lang="en-US" altLang="ko-KR" sz="1200" b="0" dirty="0">
+                        <a:rPr lang="ko-KR" altLang="en-US" sz="1200" b="0" dirty="0" smtClean="0">
                           <a:solidFill>
                             <a:schemeClr val="bg1"/>
                           </a:solidFill>
                           <a:latin typeface="+mn-ea"/>
                           <a:ea typeface="+mn-ea"/>
                         </a:rPr>
-                        <a:t>1</a:t>
+                        <a:t>시작시간</a:t>
                       </a:r>
-                      <a:r>
-                        <a:rPr lang="ko-KR" altLang="en-US" sz="1200" b="0" dirty="0">
-                          <a:solidFill>
-                            <a:schemeClr val="bg1"/>
-                          </a:solidFill>
-                          <a:latin typeface="+mn-ea"/>
-                          <a:ea typeface="+mn-ea"/>
-                        </a:rPr>
-                        <a:t>시간 이상</a:t>
-                      </a:r>
+                      <a:endParaRPr lang="ko-KR" altLang="en-US" sz="1200" b="0" dirty="0">
+                        <a:solidFill>
+                          <a:schemeClr val="bg1"/>
+                        </a:solidFill>
+                        <a:latin typeface="+mn-ea"/>
+                        <a:ea typeface="+mn-ea"/>
+                      </a:endParaRPr>
                     </a:p>
                   </a:txBody>
                   <a:tcPr marL="36000" marR="36000" marT="36000" marB="36000" anchor="ctr">
@@ -15003,25 +14996,22 @@
                     <a:p>
                       <a:pPr algn="ctr" latinLnBrk="1"/>
                       <a:r>
-                        <a:rPr lang="en-US" altLang="ko-KR" sz="1200" b="0" dirty="0">
+                        <a:rPr lang="ko-KR" altLang="en-US" sz="1200" b="0" dirty="0" smtClean="0">
                           <a:solidFill>
                             <a:schemeClr val="bg1"/>
                           </a:solidFill>
                           <a:latin typeface="+mn-ea"/>
                           <a:ea typeface="+mn-ea"/>
                         </a:rPr>
-                        <a:t>30</a:t>
+                        <a:t>회복시간</a:t>
                       </a:r>
-                      <a:r>
-                        <a:rPr lang="ko-KR" altLang="en-US" sz="1200" b="0" dirty="0">
-                          <a:solidFill>
-                            <a:schemeClr val="bg1"/>
-                          </a:solidFill>
-                          <a:latin typeface="+mn-ea"/>
-                          <a:ea typeface="+mn-ea"/>
-                        </a:rPr>
-                        <a:t>분 이상</a:t>
-                      </a:r>
+                      <a:endParaRPr lang="ko-KR" altLang="en-US" sz="1200" b="0" dirty="0">
+                        <a:solidFill>
+                          <a:schemeClr val="bg1"/>
+                        </a:solidFill>
+                        <a:latin typeface="+mn-ea"/>
+                        <a:ea typeface="+mn-ea"/>
+                      </a:endParaRPr>
                     </a:p>
                   </a:txBody>
                   <a:tcPr marL="36000" marR="36000" marT="36000" marB="36000" anchor="ctr">
@@ -15076,88 +15066,22 @@
                     <a:p>
                       <a:pPr algn="ctr" latinLnBrk="1"/>
                       <a:r>
-                        <a:rPr lang="en-US" altLang="ko-KR" sz="1200" b="0" dirty="0">
+                        <a:rPr lang="ko-KR" altLang="en-US" sz="1200" b="0" dirty="0" smtClean="0">
                           <a:solidFill>
                             <a:schemeClr val="bg1"/>
                           </a:solidFill>
                           <a:latin typeface="+mn-ea"/>
                           <a:ea typeface="+mn-ea"/>
                         </a:rPr>
-                        <a:t>30</a:t>
+                        <a:t>지속시간</a:t>
                       </a:r>
-                      <a:r>
-                        <a:rPr lang="ko-KR" altLang="en-US" sz="1200" b="0" dirty="0">
-                          <a:solidFill>
-                            <a:schemeClr val="bg1"/>
-                          </a:solidFill>
-                          <a:latin typeface="+mn-ea"/>
-                          <a:ea typeface="+mn-ea"/>
-                        </a:rPr>
-                        <a:t>분 미만</a:t>
-                      </a:r>
-                    </a:p>
-                  </a:txBody>
-                  <a:tcPr marL="36000" marR="36000" marT="36000" marB="36000" anchor="ctr">
-                    <a:lnL w="3175" cap="flat" cmpd="sng" algn="ctr">
-                      <a:solidFill>
-                        <a:schemeClr val="tx1"/>
-                      </a:solidFill>
-                      <a:prstDash val="solid"/>
-                      <a:round/>
-                      <a:headEnd type="none" w="med" len="med"/>
-                      <a:tailEnd type="none" w="med" len="med"/>
-                    </a:lnL>
-                    <a:lnR w="3175" cap="flat" cmpd="sng" algn="ctr">
-                      <a:solidFill>
-                        <a:schemeClr val="tx1"/>
-                      </a:solidFill>
-                      <a:prstDash val="solid"/>
-                      <a:round/>
-                      <a:headEnd type="none" w="med" len="med"/>
-                      <a:tailEnd type="none" w="med" len="med"/>
-                    </a:lnR>
-                    <a:lnT w="3175" cap="flat" cmpd="sng" algn="ctr">
-                      <a:solidFill>
-                        <a:schemeClr val="tx1"/>
-                      </a:solidFill>
-                      <a:prstDash val="solid"/>
-                      <a:round/>
-                      <a:headEnd type="none" w="med" len="med"/>
-                      <a:tailEnd type="none" w="med" len="med"/>
-                    </a:lnT>
-                    <a:lnB w="3175" cap="flat" cmpd="sng" algn="ctr">
-                      <a:solidFill>
-                        <a:schemeClr val="tx1"/>
-                      </a:solidFill>
-                      <a:prstDash val="solid"/>
-                      <a:round/>
-                      <a:headEnd type="none" w="med" len="med"/>
-                      <a:tailEnd type="none" w="med" len="med"/>
-                    </a:lnB>
-                    <a:solidFill>
-                      <a:schemeClr val="tx1">
-                        <a:lumMod val="50000"/>
-                        <a:lumOff val="50000"/>
-                      </a:schemeClr>
-                    </a:solidFill>
-                  </a:tcPr>
-                </a:tc>
-                <a:tc>
-                  <a:txBody>
-                    <a:bodyPr/>
-                    <a:lstStyle/>
-                    <a:p>
-                      <a:pPr algn="ctr" latinLnBrk="1"/>
-                      <a:r>
-                        <a:rPr lang="ko-KR" altLang="en-US" sz="1200" b="0" dirty="0">
-                          <a:solidFill>
-                            <a:schemeClr val="bg1"/>
-                          </a:solidFill>
-                          <a:latin typeface="+mn-ea"/>
-                          <a:ea typeface="+mn-ea"/>
-                        </a:rPr>
-                        <a:t>계</a:t>
-                      </a:r>
+                      <a:endParaRPr lang="ko-KR" altLang="en-US" sz="1200" b="0" dirty="0">
+                        <a:solidFill>
+                          <a:schemeClr val="bg1"/>
+                        </a:solidFill>
+                        <a:latin typeface="+mn-ea"/>
+                        <a:ea typeface="+mn-ea"/>
+                      </a:endParaRPr>
                     </a:p>
                   </a:txBody>
                   <a:tcPr marL="36000" marR="36000" marT="36000" marB="36000" anchor="ctr">
@@ -15207,34 +15131,29 @@
                 </a:tc>
                 <a:extLst>
                   <a:ext uri="{0D108BD9-81ED-4DB2-BD59-A6C34878D82A}">
-                    <a16:rowId xmlns="" xmlns:a16="http://schemas.microsoft.com/office/drawing/2014/main" val="10000"/>
+                    <a16:rowId xmlns:a16="http://schemas.microsoft.com/office/drawing/2014/main" xmlns="" val="10000"/>
                   </a:ext>
                 </a:extLst>
               </a:tr>
-              <a:tr h="271655">
+              <a:tr h="252000">
                 <a:tc>
                   <a:txBody>
                     <a:bodyPr/>
                     <a:lstStyle/>
                     <a:p>
                       <a:pPr algn="ctr" latinLnBrk="1"/>
-                      <a:r>
-                        <a:rPr lang="ko-KR" altLang="en-US" sz="1200" b="0" dirty="0">
-                          <a:solidFill>
-                            <a:schemeClr val="tx1"/>
-                          </a:solidFill>
-                          <a:latin typeface="+mn-ea"/>
-                          <a:ea typeface="+mn-ea"/>
-                        </a:rPr>
-                        <a:t>고장건수</a:t>
-                      </a:r>
+                      <a:endParaRPr lang="ko-KR" altLang="en-US" sz="1200" b="0" dirty="0">
+                        <a:solidFill>
+                          <a:schemeClr val="tx1"/>
+                        </a:solidFill>
+                        <a:latin typeface="+mn-ea"/>
+                        <a:ea typeface="+mn-ea"/>
+                      </a:endParaRPr>
                     </a:p>
                   </a:txBody>
                   <a:tcPr marL="36000" marR="36000" marT="36000" marB="36000" anchor="ctr">
                     <a:lnL w="3175" cap="flat" cmpd="sng" algn="ctr">
-                      <a:solidFill>
-                        <a:schemeClr val="tx1"/>
-                      </a:solidFill>
+                      <a:noFill/>
                       <a:prstDash val="solid"/>
                       <a:round/>
                       <a:headEnd type="none" w="med" len="med"/>
@@ -15435,6 +15354,13 @@
                     <a:noFill/>
                   </a:tcPr>
                 </a:tc>
+                <a:extLst>
+                  <a:ext uri="{0D108BD9-81ED-4DB2-BD59-A6C34878D82A}">
+                    <a16:rowId xmlns:a16="http://schemas.microsoft.com/office/drawing/2014/main" xmlns="" val="10001"/>
+                  </a:ext>
+                </a:extLst>
+              </a:tr>
+              <a:tr h="252000">
                 <a:tc>
                   <a:txBody>
                     <a:bodyPr/>
@@ -15452,9 +15378,7 @@
                   </a:txBody>
                   <a:tcPr marL="36000" marR="36000" marT="36000" marB="36000" anchor="ctr">
                     <a:lnL w="3175" cap="flat" cmpd="sng" algn="ctr">
-                      <a:solidFill>
-                        <a:schemeClr val="tx1"/>
-                      </a:solidFill>
+                      <a:noFill/>
                       <a:prstDash val="solid"/>
                       <a:round/>
                       <a:headEnd type="none" w="med" len="med"/>
@@ -15490,11 +15414,391 @@
                     <a:noFill/>
                   </a:tcPr>
                 </a:tc>
-                <a:extLst>
-                  <a:ext uri="{0D108BD9-81ED-4DB2-BD59-A6C34878D82A}">
-                    <a16:rowId xmlns="" xmlns:a16="http://schemas.microsoft.com/office/drawing/2014/main" val="10001"/>
-                  </a:ext>
-                </a:extLst>
+                <a:tc>
+                  <a:txBody>
+                    <a:bodyPr/>
+                    <a:lstStyle/>
+                    <a:p>
+                      <a:pPr algn="ctr" latinLnBrk="1"/>
+                      <a:endParaRPr lang="ko-KR" altLang="en-US" sz="1200" b="0" dirty="0">
+                        <a:solidFill>
+                          <a:schemeClr val="tx1"/>
+                        </a:solidFill>
+                        <a:latin typeface="+mn-ea"/>
+                        <a:ea typeface="+mn-ea"/>
+                      </a:endParaRPr>
+                    </a:p>
+                  </a:txBody>
+                  <a:tcPr marL="36000" marR="36000" marT="36000" marB="36000" anchor="ctr">
+                    <a:lnL w="3175" cap="flat" cmpd="sng" algn="ctr">
+                      <a:solidFill>
+                        <a:schemeClr val="tx1"/>
+                      </a:solidFill>
+                      <a:prstDash val="solid"/>
+                      <a:round/>
+                      <a:headEnd type="none" w="med" len="med"/>
+                      <a:tailEnd type="none" w="med" len="med"/>
+                    </a:lnL>
+                    <a:lnR w="3175" cap="flat" cmpd="sng" algn="ctr">
+                      <a:solidFill>
+                        <a:schemeClr val="tx1"/>
+                      </a:solidFill>
+                      <a:prstDash val="solid"/>
+                      <a:round/>
+                      <a:headEnd type="none" w="med" len="med"/>
+                      <a:tailEnd type="none" w="med" len="med"/>
+                    </a:lnR>
+                    <a:lnT w="3175" cap="flat" cmpd="sng" algn="ctr">
+                      <a:solidFill>
+                        <a:schemeClr val="tx1"/>
+                      </a:solidFill>
+                      <a:prstDash val="solid"/>
+                      <a:round/>
+                      <a:headEnd type="none" w="med" len="med"/>
+                      <a:tailEnd type="none" w="med" len="med"/>
+                    </a:lnT>
+                    <a:lnB w="3175" cap="flat" cmpd="sng" algn="ctr">
+                      <a:solidFill>
+                        <a:schemeClr val="tx1"/>
+                      </a:solidFill>
+                      <a:prstDash val="solid"/>
+                      <a:round/>
+                      <a:headEnd type="none" w="med" len="med"/>
+                      <a:tailEnd type="none" w="med" len="med"/>
+                    </a:lnB>
+                    <a:noFill/>
+                  </a:tcPr>
+                </a:tc>
+                <a:tc>
+                  <a:txBody>
+                    <a:bodyPr/>
+                    <a:lstStyle/>
+                    <a:p>
+                      <a:pPr algn="ctr" latinLnBrk="1"/>
+                      <a:endParaRPr lang="ko-KR" altLang="en-US" sz="1200" b="0" dirty="0">
+                        <a:solidFill>
+                          <a:schemeClr val="tx1"/>
+                        </a:solidFill>
+                        <a:latin typeface="+mn-ea"/>
+                        <a:ea typeface="+mn-ea"/>
+                      </a:endParaRPr>
+                    </a:p>
+                  </a:txBody>
+                  <a:tcPr marL="36000" marR="36000" marT="36000" marB="36000" anchor="ctr">
+                    <a:lnL w="3175" cap="flat" cmpd="sng" algn="ctr">
+                      <a:solidFill>
+                        <a:schemeClr val="tx1"/>
+                      </a:solidFill>
+                      <a:prstDash val="solid"/>
+                      <a:round/>
+                      <a:headEnd type="none" w="med" len="med"/>
+                      <a:tailEnd type="none" w="med" len="med"/>
+                    </a:lnL>
+                    <a:lnR w="3175" cap="flat" cmpd="sng" algn="ctr">
+                      <a:solidFill>
+                        <a:schemeClr val="tx1"/>
+                      </a:solidFill>
+                      <a:prstDash val="solid"/>
+                      <a:round/>
+                      <a:headEnd type="none" w="med" len="med"/>
+                      <a:tailEnd type="none" w="med" len="med"/>
+                    </a:lnR>
+                    <a:lnT w="3175" cap="flat" cmpd="sng" algn="ctr">
+                      <a:solidFill>
+                        <a:schemeClr val="tx1"/>
+                      </a:solidFill>
+                      <a:prstDash val="solid"/>
+                      <a:round/>
+                      <a:headEnd type="none" w="med" len="med"/>
+                      <a:tailEnd type="none" w="med" len="med"/>
+                    </a:lnT>
+                    <a:lnB w="3175" cap="flat" cmpd="sng" algn="ctr">
+                      <a:solidFill>
+                        <a:schemeClr val="tx1"/>
+                      </a:solidFill>
+                      <a:prstDash val="solid"/>
+                      <a:round/>
+                      <a:headEnd type="none" w="med" len="med"/>
+                      <a:tailEnd type="none" w="med" len="med"/>
+                    </a:lnB>
+                    <a:noFill/>
+                  </a:tcPr>
+                </a:tc>
+                <a:tc>
+                  <a:txBody>
+                    <a:bodyPr/>
+                    <a:lstStyle/>
+                    <a:p>
+                      <a:pPr algn="ctr" latinLnBrk="1"/>
+                      <a:endParaRPr lang="ko-KR" altLang="en-US" sz="1200" b="0" dirty="0">
+                        <a:solidFill>
+                          <a:schemeClr val="tx1"/>
+                        </a:solidFill>
+                        <a:latin typeface="+mn-ea"/>
+                        <a:ea typeface="+mn-ea"/>
+                      </a:endParaRPr>
+                    </a:p>
+                  </a:txBody>
+                  <a:tcPr marL="36000" marR="36000" marT="36000" marB="36000" anchor="ctr">
+                    <a:lnL w="3175" cap="flat" cmpd="sng" algn="ctr">
+                      <a:solidFill>
+                        <a:schemeClr val="tx1"/>
+                      </a:solidFill>
+                      <a:prstDash val="solid"/>
+                      <a:round/>
+                      <a:headEnd type="none" w="med" len="med"/>
+                      <a:tailEnd type="none" w="med" len="med"/>
+                    </a:lnL>
+                    <a:lnR w="3175" cap="flat" cmpd="sng" algn="ctr">
+                      <a:solidFill>
+                        <a:schemeClr val="tx1"/>
+                      </a:solidFill>
+                      <a:prstDash val="solid"/>
+                      <a:round/>
+                      <a:headEnd type="none" w="med" len="med"/>
+                      <a:tailEnd type="none" w="med" len="med"/>
+                    </a:lnR>
+                    <a:lnT w="3175" cap="flat" cmpd="sng" algn="ctr">
+                      <a:solidFill>
+                        <a:schemeClr val="tx1"/>
+                      </a:solidFill>
+                      <a:prstDash val="solid"/>
+                      <a:round/>
+                      <a:headEnd type="none" w="med" len="med"/>
+                      <a:tailEnd type="none" w="med" len="med"/>
+                    </a:lnT>
+                    <a:lnB w="3175" cap="flat" cmpd="sng" algn="ctr">
+                      <a:solidFill>
+                        <a:schemeClr val="tx1"/>
+                      </a:solidFill>
+                      <a:prstDash val="solid"/>
+                      <a:round/>
+                      <a:headEnd type="none" w="med" len="med"/>
+                      <a:tailEnd type="none" w="med" len="med"/>
+                    </a:lnB>
+                    <a:noFill/>
+                  </a:tcPr>
+                </a:tc>
+              </a:tr>
+              <a:tr h="252000">
+                <a:tc>
+                  <a:txBody>
+                    <a:bodyPr/>
+                    <a:lstStyle/>
+                    <a:p>
+                      <a:pPr algn="ctr" latinLnBrk="1"/>
+                      <a:endParaRPr lang="ko-KR" altLang="en-US" sz="1200" b="0" dirty="0">
+                        <a:solidFill>
+                          <a:schemeClr val="tx1"/>
+                        </a:solidFill>
+                        <a:latin typeface="+mn-ea"/>
+                        <a:ea typeface="+mn-ea"/>
+                      </a:endParaRPr>
+                    </a:p>
+                  </a:txBody>
+                  <a:tcPr marL="36000" marR="36000" marT="36000" marB="36000" anchor="ctr">
+                    <a:lnL w="3175" cap="flat" cmpd="sng" algn="ctr">
+                      <a:noFill/>
+                      <a:prstDash val="solid"/>
+                      <a:round/>
+                      <a:headEnd type="none" w="med" len="med"/>
+                      <a:tailEnd type="none" w="med" len="med"/>
+                    </a:lnL>
+                    <a:lnR w="3175" cap="flat" cmpd="sng" algn="ctr">
+                      <a:solidFill>
+                        <a:schemeClr val="tx1"/>
+                      </a:solidFill>
+                      <a:prstDash val="solid"/>
+                      <a:round/>
+                      <a:headEnd type="none" w="med" len="med"/>
+                      <a:tailEnd type="none" w="med" len="med"/>
+                    </a:lnR>
+                    <a:lnT w="3175" cap="flat" cmpd="sng" algn="ctr">
+                      <a:solidFill>
+                        <a:schemeClr val="tx1"/>
+                      </a:solidFill>
+                      <a:prstDash val="solid"/>
+                      <a:round/>
+                      <a:headEnd type="none" w="med" len="med"/>
+                      <a:tailEnd type="none" w="med" len="med"/>
+                    </a:lnT>
+                    <a:lnB w="3175" cap="flat" cmpd="sng" algn="ctr">
+                      <a:solidFill>
+                        <a:schemeClr val="tx1"/>
+                      </a:solidFill>
+                      <a:prstDash val="solid"/>
+                      <a:round/>
+                      <a:headEnd type="none" w="med" len="med"/>
+                      <a:tailEnd type="none" w="med" len="med"/>
+                    </a:lnB>
+                    <a:noFill/>
+                  </a:tcPr>
+                </a:tc>
+                <a:tc>
+                  <a:txBody>
+                    <a:bodyPr/>
+                    <a:lstStyle/>
+                    <a:p>
+                      <a:pPr algn="ctr" latinLnBrk="1"/>
+                      <a:endParaRPr lang="ko-KR" altLang="en-US" sz="1200" b="0" dirty="0">
+                        <a:solidFill>
+                          <a:schemeClr val="tx1"/>
+                        </a:solidFill>
+                        <a:latin typeface="+mn-ea"/>
+                        <a:ea typeface="+mn-ea"/>
+                      </a:endParaRPr>
+                    </a:p>
+                  </a:txBody>
+                  <a:tcPr marL="36000" marR="36000" marT="36000" marB="36000" anchor="ctr">
+                    <a:lnL w="3175" cap="flat" cmpd="sng" algn="ctr">
+                      <a:solidFill>
+                        <a:schemeClr val="tx1"/>
+                      </a:solidFill>
+                      <a:prstDash val="solid"/>
+                      <a:round/>
+                      <a:headEnd type="none" w="med" len="med"/>
+                      <a:tailEnd type="none" w="med" len="med"/>
+                    </a:lnL>
+                    <a:lnR w="3175" cap="flat" cmpd="sng" algn="ctr">
+                      <a:solidFill>
+                        <a:schemeClr val="tx1"/>
+                      </a:solidFill>
+                      <a:prstDash val="solid"/>
+                      <a:round/>
+                      <a:headEnd type="none" w="med" len="med"/>
+                      <a:tailEnd type="none" w="med" len="med"/>
+                    </a:lnR>
+                    <a:lnT w="3175" cap="flat" cmpd="sng" algn="ctr">
+                      <a:solidFill>
+                        <a:schemeClr val="tx1"/>
+                      </a:solidFill>
+                      <a:prstDash val="solid"/>
+                      <a:round/>
+                      <a:headEnd type="none" w="med" len="med"/>
+                      <a:tailEnd type="none" w="med" len="med"/>
+                    </a:lnT>
+                    <a:lnB w="3175" cap="flat" cmpd="sng" algn="ctr">
+                      <a:solidFill>
+                        <a:schemeClr val="tx1"/>
+                      </a:solidFill>
+                      <a:prstDash val="solid"/>
+                      <a:round/>
+                      <a:headEnd type="none" w="med" len="med"/>
+                      <a:tailEnd type="none" w="med" len="med"/>
+                    </a:lnB>
+                    <a:noFill/>
+                  </a:tcPr>
+                </a:tc>
+                <a:tc>
+                  <a:txBody>
+                    <a:bodyPr/>
+                    <a:lstStyle/>
+                    <a:p>
+                      <a:pPr algn="ctr" latinLnBrk="1"/>
+                      <a:endParaRPr lang="ko-KR" altLang="en-US" sz="1200" b="0" dirty="0">
+                        <a:solidFill>
+                          <a:schemeClr val="tx1"/>
+                        </a:solidFill>
+                        <a:latin typeface="+mn-ea"/>
+                        <a:ea typeface="+mn-ea"/>
+                      </a:endParaRPr>
+                    </a:p>
+                  </a:txBody>
+                  <a:tcPr marL="36000" marR="36000" marT="36000" marB="36000" anchor="ctr">
+                    <a:lnL w="3175" cap="flat" cmpd="sng" algn="ctr">
+                      <a:solidFill>
+                        <a:schemeClr val="tx1"/>
+                      </a:solidFill>
+                      <a:prstDash val="solid"/>
+                      <a:round/>
+                      <a:headEnd type="none" w="med" len="med"/>
+                      <a:tailEnd type="none" w="med" len="med"/>
+                    </a:lnL>
+                    <a:lnR w="3175" cap="flat" cmpd="sng" algn="ctr">
+                      <a:solidFill>
+                        <a:schemeClr val="tx1"/>
+                      </a:solidFill>
+                      <a:prstDash val="solid"/>
+                      <a:round/>
+                      <a:headEnd type="none" w="med" len="med"/>
+                      <a:tailEnd type="none" w="med" len="med"/>
+                    </a:lnR>
+                    <a:lnT w="3175" cap="flat" cmpd="sng" algn="ctr">
+                      <a:solidFill>
+                        <a:schemeClr val="tx1"/>
+                      </a:solidFill>
+                      <a:prstDash val="solid"/>
+                      <a:round/>
+                      <a:headEnd type="none" w="med" len="med"/>
+                      <a:tailEnd type="none" w="med" len="med"/>
+                    </a:lnT>
+                    <a:lnB w="3175" cap="flat" cmpd="sng" algn="ctr">
+                      <a:solidFill>
+                        <a:schemeClr val="tx1"/>
+                      </a:solidFill>
+                      <a:prstDash val="solid"/>
+                      <a:round/>
+                      <a:headEnd type="none" w="med" len="med"/>
+                      <a:tailEnd type="none" w="med" len="med"/>
+                    </a:lnB>
+                    <a:noFill/>
+                  </a:tcPr>
+                </a:tc>
+                <a:tc>
+                  <a:txBody>
+                    <a:bodyPr/>
+                    <a:lstStyle/>
+                    <a:p>
+                      <a:pPr algn="ctr" latinLnBrk="1"/>
+                      <a:endParaRPr lang="ko-KR" altLang="en-US" sz="1200" b="0" dirty="0">
+                        <a:solidFill>
+                          <a:schemeClr val="tx1"/>
+                        </a:solidFill>
+                        <a:latin typeface="+mn-ea"/>
+                        <a:ea typeface="+mn-ea"/>
+                      </a:endParaRPr>
+                    </a:p>
+                  </a:txBody>
+                  <a:tcPr marL="36000" marR="36000" marT="36000" marB="36000" anchor="ctr">
+                    <a:lnL w="3175" cap="flat" cmpd="sng" algn="ctr">
+                      <a:solidFill>
+                        <a:schemeClr val="tx1"/>
+                      </a:solidFill>
+                      <a:prstDash val="solid"/>
+                      <a:round/>
+                      <a:headEnd type="none" w="med" len="med"/>
+                      <a:tailEnd type="none" w="med" len="med"/>
+                    </a:lnL>
+                    <a:lnR w="3175" cap="flat" cmpd="sng" algn="ctr">
+                      <a:solidFill>
+                        <a:schemeClr val="tx1"/>
+                      </a:solidFill>
+                      <a:prstDash val="solid"/>
+                      <a:round/>
+                      <a:headEnd type="none" w="med" len="med"/>
+                      <a:tailEnd type="none" w="med" len="med"/>
+                    </a:lnR>
+                    <a:lnT w="3175" cap="flat" cmpd="sng" algn="ctr">
+                      <a:solidFill>
+                        <a:schemeClr val="tx1"/>
+                      </a:solidFill>
+                      <a:prstDash val="solid"/>
+                      <a:round/>
+                      <a:headEnd type="none" w="med" len="med"/>
+                      <a:tailEnd type="none" w="med" len="med"/>
+                    </a:lnT>
+                    <a:lnB w="3175" cap="flat" cmpd="sng" algn="ctr">
+                      <a:solidFill>
+                        <a:schemeClr val="tx1"/>
+                      </a:solidFill>
+                      <a:prstDash val="solid"/>
+                      <a:round/>
+                      <a:headEnd type="none" w="med" len="med"/>
+                      <a:tailEnd type="none" w="med" len="med"/>
+                    </a:lnB>
+                    <a:noFill/>
+                  </a:tcPr>
+                </a:tc>
               </a:tr>
             </a:tbl>
           </a:graphicData>
@@ -15505,7 +15809,7 @@
           <p:cNvPr id="118" name="텍스트 개체 틀 2">
             <a:extLst>
               <a:ext uri="{FF2B5EF4-FFF2-40B4-BE49-F238E27FC236}">
-                <a16:creationId xmlns="" xmlns:a16="http://schemas.microsoft.com/office/drawing/2014/main" id="{BEE0A621-CF2E-4DFD-AF9C-331BFBF31C37}"/>
+                <a16:creationId xmlns:a16="http://schemas.microsoft.com/office/drawing/2014/main" xmlns="" id="{BEE0A621-CF2E-4DFD-AF9C-331BFBF31C37}"/>
               </a:ext>
             </a:extLst>
           </p:cNvPr>
@@ -15518,8 +15822,8 @@
         </p:nvSpPr>
         <p:spPr>
           <a:xfrm>
-            <a:off x="6084387" y="3123465"/>
-            <a:ext cx="843462" cy="267040"/>
+            <a:off x="5171857" y="2952957"/>
+            <a:ext cx="1098000" cy="252000"/>
           </a:xfrm>
         </p:spPr>
         <p:txBody>
@@ -15573,7 +15877,7 @@
           <p:cNvPr id="119" name="텍스트 개체 틀 2">
             <a:extLst>
               <a:ext uri="{FF2B5EF4-FFF2-40B4-BE49-F238E27FC236}">
-                <a16:creationId xmlns="" xmlns:a16="http://schemas.microsoft.com/office/drawing/2014/main" id="{CCF3F163-C6DD-4D14-81EA-84C4A229296B}"/>
+                <a16:creationId xmlns:a16="http://schemas.microsoft.com/office/drawing/2014/main" xmlns="" id="{CCF3F163-C6DD-4D14-81EA-84C4A229296B}"/>
               </a:ext>
             </a:extLst>
           </p:cNvPr>
@@ -15586,8 +15890,8 @@
         </p:nvSpPr>
         <p:spPr>
           <a:xfrm>
-            <a:off x="6954032" y="3123465"/>
-            <a:ext cx="872806" cy="267040"/>
+            <a:off x="6275419" y="2950814"/>
+            <a:ext cx="1098000" cy="252000"/>
           </a:xfrm>
         </p:spPr>
         <p:txBody>
@@ -15641,7 +15945,7 @@
           <p:cNvPr id="120" name="텍스트 개체 틀 2">
             <a:extLst>
               <a:ext uri="{FF2B5EF4-FFF2-40B4-BE49-F238E27FC236}">
-                <a16:creationId xmlns="" xmlns:a16="http://schemas.microsoft.com/office/drawing/2014/main" id="{63137AD7-36A2-4F43-B02C-18BB555AA6C6}"/>
+                <a16:creationId xmlns:a16="http://schemas.microsoft.com/office/drawing/2014/main" xmlns="" id="{63137AD7-36A2-4F43-B02C-18BB555AA6C6}"/>
               </a:ext>
             </a:extLst>
           </p:cNvPr>
@@ -15654,8 +15958,8 @@
         </p:nvSpPr>
         <p:spPr>
           <a:xfrm>
-            <a:off x="7828931" y="3123465"/>
-            <a:ext cx="872806" cy="267040"/>
+            <a:off x="7370038" y="2950814"/>
+            <a:ext cx="1098000" cy="252000"/>
           </a:xfrm>
         </p:spPr>
         <p:txBody>
@@ -15709,7 +16013,7 @@
           <p:cNvPr id="121" name="텍스트 개체 틀 2">
             <a:extLst>
               <a:ext uri="{FF2B5EF4-FFF2-40B4-BE49-F238E27FC236}">
-                <a16:creationId xmlns="" xmlns:a16="http://schemas.microsoft.com/office/drawing/2014/main" id="{BF6739D5-8903-46CE-9F68-36C4FB798FCE}"/>
+                <a16:creationId xmlns:a16="http://schemas.microsoft.com/office/drawing/2014/main" xmlns="" id="{BF6739D5-8903-46CE-9F68-36C4FB798FCE}"/>
               </a:ext>
             </a:extLst>
           </p:cNvPr>
@@ -15722,8 +16026,8 @@
         </p:nvSpPr>
         <p:spPr>
           <a:xfrm>
-            <a:off x="8701737" y="3116977"/>
-            <a:ext cx="872806" cy="267040"/>
+            <a:off x="8471419" y="2954839"/>
+            <a:ext cx="1098000" cy="252000"/>
           </a:xfrm>
         </p:spPr>
         <p:txBody>
@@ -15777,7 +16081,7 @@
           <p:cNvPr id="122" name="텍스트 개체 틀 2">
             <a:extLst>
               <a:ext uri="{FF2B5EF4-FFF2-40B4-BE49-F238E27FC236}">
-                <a16:creationId xmlns="" xmlns:a16="http://schemas.microsoft.com/office/drawing/2014/main" id="{F82419C1-B86B-454F-9660-9AFB504B7C49}"/>
+                <a16:creationId xmlns:a16="http://schemas.microsoft.com/office/drawing/2014/main" xmlns="" id="{F82419C1-B86B-454F-9660-9AFB504B7C49}"/>
               </a:ext>
             </a:extLst>
           </p:cNvPr>
@@ -15845,7 +16149,7 @@
           <p:cNvPr id="123" name="텍스트 개체 틀 2">
             <a:extLst>
               <a:ext uri="{FF2B5EF4-FFF2-40B4-BE49-F238E27FC236}">
-                <a16:creationId xmlns="" xmlns:a16="http://schemas.microsoft.com/office/drawing/2014/main" id="{40B4DE51-D337-491E-9F95-2948613711D2}"/>
+                <a16:creationId xmlns:a16="http://schemas.microsoft.com/office/drawing/2014/main" xmlns="" id="{40B4DE51-D337-491E-9F95-2948613711D2}"/>
               </a:ext>
             </a:extLst>
           </p:cNvPr>
@@ -15913,7 +16217,7 @@
           <p:cNvPr id="124" name="텍스트 개체 틀 2">
             <a:extLst>
               <a:ext uri="{FF2B5EF4-FFF2-40B4-BE49-F238E27FC236}">
-                <a16:creationId xmlns="" xmlns:a16="http://schemas.microsoft.com/office/drawing/2014/main" id="{41C28B4A-70A1-496D-ABEA-73803A110D10}"/>
+                <a16:creationId xmlns:a16="http://schemas.microsoft.com/office/drawing/2014/main" xmlns="" id="{41C28B4A-70A1-496D-ABEA-73803A110D10}"/>
               </a:ext>
             </a:extLst>
           </p:cNvPr>
@@ -15981,7 +16285,7 @@
           <p:cNvPr id="125" name="텍스트 개체 틀 2">
             <a:extLst>
               <a:ext uri="{FF2B5EF4-FFF2-40B4-BE49-F238E27FC236}">
-                <a16:creationId xmlns="" xmlns:a16="http://schemas.microsoft.com/office/drawing/2014/main" id="{6AD8BD0A-5D58-460E-8BF5-50E93FDC18E4}"/>
+                <a16:creationId xmlns:a16="http://schemas.microsoft.com/office/drawing/2014/main" xmlns="" id="{6AD8BD0A-5D58-460E-8BF5-50E93FDC18E4}"/>
               </a:ext>
             </a:extLst>
           </p:cNvPr>
@@ -16049,7 +16353,7 @@
           <p:cNvPr id="134" name="텍스트 개체 틀 2">
             <a:extLst>
               <a:ext uri="{FF2B5EF4-FFF2-40B4-BE49-F238E27FC236}">
-                <a16:creationId xmlns="" xmlns:a16="http://schemas.microsoft.com/office/drawing/2014/main" id="{38527D15-F4A4-463D-8D4E-D09F906CCE0A}"/>
+                <a16:creationId xmlns:a16="http://schemas.microsoft.com/office/drawing/2014/main" xmlns="" id="{38527D15-F4A4-463D-8D4E-D09F906CCE0A}"/>
               </a:ext>
             </a:extLst>
           </p:cNvPr>
@@ -16117,7 +16421,7 @@
           <p:cNvPr id="140" name="텍스트 개체 틀 2">
             <a:extLst>
               <a:ext uri="{FF2B5EF4-FFF2-40B4-BE49-F238E27FC236}">
-                <a16:creationId xmlns="" xmlns:a16="http://schemas.microsoft.com/office/drawing/2014/main" id="{5C7B6C29-E283-436D-AFEA-80C207DB615F}"/>
+                <a16:creationId xmlns:a16="http://schemas.microsoft.com/office/drawing/2014/main" xmlns="" id="{5C7B6C29-E283-436D-AFEA-80C207DB615F}"/>
               </a:ext>
             </a:extLst>
           </p:cNvPr>
@@ -16185,7 +16489,7 @@
           <p:cNvPr id="206" name="TextBox 205">
             <a:extLst>
               <a:ext uri="{FF2B5EF4-FFF2-40B4-BE49-F238E27FC236}">
-                <a16:creationId xmlns="" xmlns:a16="http://schemas.microsoft.com/office/drawing/2014/main" id="{A6A5BCC0-E4CB-4597-96C3-C861C547865C}"/>
+                <a16:creationId xmlns:a16="http://schemas.microsoft.com/office/drawing/2014/main" xmlns="" id="{A6A5BCC0-E4CB-4597-96C3-C861C547865C}"/>
               </a:ext>
             </a:extLst>
           </p:cNvPr>
@@ -16227,7 +16531,7 @@
           <p:cNvPr id="208" name="TextBox 207">
             <a:extLst>
               <a:ext uri="{FF2B5EF4-FFF2-40B4-BE49-F238E27FC236}">
-                <a16:creationId xmlns="" xmlns:a16="http://schemas.microsoft.com/office/drawing/2014/main" id="{D8FA3B77-5413-4183-89C1-C9B92C4210ED}"/>
+                <a16:creationId xmlns:a16="http://schemas.microsoft.com/office/drawing/2014/main" xmlns="" id="{D8FA3B77-5413-4183-89C1-C9B92C4210ED}"/>
               </a:ext>
             </a:extLst>
           </p:cNvPr>
@@ -16269,7 +16573,7 @@
           <p:cNvPr id="210" name="TextBox 209">
             <a:extLst>
               <a:ext uri="{FF2B5EF4-FFF2-40B4-BE49-F238E27FC236}">
-                <a16:creationId xmlns="" xmlns:a16="http://schemas.microsoft.com/office/drawing/2014/main" id="{56ABD502-0C36-4EFF-A923-8A6AA5565C47}"/>
+                <a16:creationId xmlns:a16="http://schemas.microsoft.com/office/drawing/2014/main" xmlns="" id="{56ABD502-0C36-4EFF-A923-8A6AA5565C47}"/>
               </a:ext>
             </a:extLst>
           </p:cNvPr>
@@ -16311,7 +16615,7 @@
           <p:cNvPr id="212" name="TextBox 211">
             <a:extLst>
               <a:ext uri="{FF2B5EF4-FFF2-40B4-BE49-F238E27FC236}">
-                <a16:creationId xmlns="" xmlns:a16="http://schemas.microsoft.com/office/drawing/2014/main" id="{FD3C6A2B-C055-431F-9A46-8C321EF4FD56}"/>
+                <a16:creationId xmlns:a16="http://schemas.microsoft.com/office/drawing/2014/main" xmlns="" id="{FD3C6A2B-C055-431F-9A46-8C321EF4FD56}"/>
               </a:ext>
             </a:extLst>
           </p:cNvPr>
@@ -16356,7 +16660,7 @@
           <p:cNvPr id="9" name="직사각형 8">
             <a:extLst>
               <a:ext uri="{FF2B5EF4-FFF2-40B4-BE49-F238E27FC236}">
-                <a16:creationId xmlns="" xmlns:a16="http://schemas.microsoft.com/office/drawing/2014/main" id="{A200AC85-3E95-4C11-8B9D-285B78F0FDB2}"/>
+                <a16:creationId xmlns:a16="http://schemas.microsoft.com/office/drawing/2014/main" xmlns="" id="{A200AC85-3E95-4C11-8B9D-285B78F0FDB2}"/>
               </a:ext>
             </a:extLst>
           </p:cNvPr>
@@ -16410,7 +16714,7 @@
           <p:cNvPr id="221" name="직사각형 220">
             <a:extLst>
               <a:ext uri="{FF2B5EF4-FFF2-40B4-BE49-F238E27FC236}">
-                <a16:creationId xmlns="" xmlns:a16="http://schemas.microsoft.com/office/drawing/2014/main" id="{CD8FD382-C129-4EBE-8704-70A6A42909A9}"/>
+                <a16:creationId xmlns:a16="http://schemas.microsoft.com/office/drawing/2014/main" xmlns="" id="{CD8FD382-C129-4EBE-8704-70A6A42909A9}"/>
               </a:ext>
             </a:extLst>
           </p:cNvPr>
@@ -16464,7 +16768,7 @@
           <p:cNvPr id="222" name="직사각형 221">
             <a:extLst>
               <a:ext uri="{FF2B5EF4-FFF2-40B4-BE49-F238E27FC236}">
-                <a16:creationId xmlns="" xmlns:a16="http://schemas.microsoft.com/office/drawing/2014/main" id="{C274FD8D-FF01-4228-A9D4-8419ED2A6F23}"/>
+                <a16:creationId xmlns:a16="http://schemas.microsoft.com/office/drawing/2014/main" xmlns="" id="{C274FD8D-FF01-4228-A9D4-8419ED2A6F23}"/>
               </a:ext>
             </a:extLst>
           </p:cNvPr>
@@ -16518,7 +16822,7 @@
           <p:cNvPr id="223" name="직사각형 222">
             <a:extLst>
               <a:ext uri="{FF2B5EF4-FFF2-40B4-BE49-F238E27FC236}">
-                <a16:creationId xmlns="" xmlns:a16="http://schemas.microsoft.com/office/drawing/2014/main" id="{A2A4BE82-4EE5-49CF-8A3A-9CC94E056583}"/>
+                <a16:creationId xmlns:a16="http://schemas.microsoft.com/office/drawing/2014/main" xmlns="" id="{A2A4BE82-4EE5-49CF-8A3A-9CC94E056583}"/>
               </a:ext>
             </a:extLst>
           </p:cNvPr>
@@ -16572,7 +16876,7 @@
           <p:cNvPr id="244" name="직사각형 243">
             <a:extLst>
               <a:ext uri="{FF2B5EF4-FFF2-40B4-BE49-F238E27FC236}">
-                <a16:creationId xmlns="" xmlns:a16="http://schemas.microsoft.com/office/drawing/2014/main" id="{238D2C57-D184-4A22-93E7-21730AD56375}"/>
+                <a16:creationId xmlns:a16="http://schemas.microsoft.com/office/drawing/2014/main" xmlns="" id="{238D2C57-D184-4A22-93E7-21730AD56375}"/>
               </a:ext>
             </a:extLst>
           </p:cNvPr>
@@ -16581,7 +16885,7 @@
         </p:nvSpPr>
         <p:spPr>
           <a:xfrm>
-            <a:off x="5185398" y="2529015"/>
+            <a:off x="5185398" y="2377331"/>
             <a:ext cx="3280517" cy="314249"/>
           </a:xfrm>
           <a:prstGeom prst="rect">
@@ -16689,6 +16993,550 @@
               <a:latin typeface="+mn-ea"/>
               <a:ea typeface="+mn-ea"/>
             </a:endParaRPr>
+          </a:p>
+        </p:txBody>
+      </p:sp>
+      <p:sp>
+        <p:nvSpPr>
+          <p:cNvPr id="88" name="텍스트 개체 틀 2">
+            <a:extLst>
+              <a:ext uri="{FF2B5EF4-FFF2-40B4-BE49-F238E27FC236}">
+                <a16:creationId xmlns:a16="http://schemas.microsoft.com/office/drawing/2014/main" xmlns="" id="{BEE0A621-CF2E-4DFD-AF9C-331BFBF31C37}"/>
+              </a:ext>
+            </a:extLst>
+          </p:cNvPr>
+          <p:cNvSpPr>
+            <a:spLocks noGrp="1"/>
+          </p:cNvSpPr>
+          <p:nvPr>
+            <p:ph type="body" sz="quarter" idx="78" hasCustomPrompt="1"/>
+          </p:nvPr>
+        </p:nvSpPr>
+        <p:spPr>
+          <a:xfrm>
+            <a:off x="5166295" y="3207194"/>
+            <a:ext cx="1098000" cy="252000"/>
+          </a:xfrm>
+        </p:spPr>
+        <p:txBody>
+          <a:bodyPr>
+            <a:normAutofit/>
+          </a:bodyPr>
+          <a:lstStyle>
+            <a:lvl1pPr marL="0" indent="0" algn="ctr">
+              <a:lnSpc>
+                <a:spcPct val="100000"/>
+              </a:lnSpc>
+              <a:buNone/>
+              <a:defRPr sz="1300" baseline="0">
+                <a:solidFill>
+                  <a:schemeClr val="tx1">
+                    <a:lumMod val="85000"/>
+                    <a:lumOff val="15000"/>
+                  </a:schemeClr>
+                </a:solidFill>
+                <a:latin typeface="+mn-ea"/>
+                <a:ea typeface="+mn-ea"/>
+              </a:defRPr>
+            </a:lvl1pPr>
+            <a:lvl2pPr marL="685800" indent="-228600">
+              <a:lnSpc>
+                <a:spcPct val="100000"/>
+              </a:lnSpc>
+              <a:buFont typeface="맑은 고딕" panose="020B0503020000020004" pitchFamily="50" charset="-127"/>
+              <a:buChar char="­"/>
+              <a:defRPr sz="1100">
+                <a:solidFill>
+                  <a:schemeClr val="tx1">
+                    <a:lumMod val="85000"/>
+                    <a:lumOff val="15000"/>
+                  </a:schemeClr>
+                </a:solidFill>
+              </a:defRPr>
+            </a:lvl2pPr>
+          </a:lstStyle>
+          <a:p>
+            <a:pPr lvl="0"/>
+            <a:r>
+              <a:rPr lang="en-US" altLang="ko-KR" dirty="0"/>
+              <a:t>000</a:t>
+            </a:r>
+          </a:p>
+        </p:txBody>
+      </p:sp>
+      <p:sp>
+        <p:nvSpPr>
+          <p:cNvPr id="89" name="텍스트 개체 틀 2">
+            <a:extLst>
+              <a:ext uri="{FF2B5EF4-FFF2-40B4-BE49-F238E27FC236}">
+                <a16:creationId xmlns:a16="http://schemas.microsoft.com/office/drawing/2014/main" xmlns="" id="{BEE0A621-CF2E-4DFD-AF9C-331BFBF31C37}"/>
+              </a:ext>
+            </a:extLst>
+          </p:cNvPr>
+          <p:cNvSpPr>
+            <a:spLocks noGrp="1"/>
+          </p:cNvSpPr>
+          <p:nvPr>
+            <p:ph type="body" sz="quarter" idx="79" hasCustomPrompt="1"/>
+          </p:nvPr>
+        </p:nvSpPr>
+        <p:spPr>
+          <a:xfrm>
+            <a:off x="6275419" y="3207194"/>
+            <a:ext cx="1098000" cy="252000"/>
+          </a:xfrm>
+        </p:spPr>
+        <p:txBody>
+          <a:bodyPr>
+            <a:normAutofit/>
+          </a:bodyPr>
+          <a:lstStyle>
+            <a:lvl1pPr marL="0" indent="0" algn="ctr">
+              <a:lnSpc>
+                <a:spcPct val="100000"/>
+              </a:lnSpc>
+              <a:buNone/>
+              <a:defRPr sz="1300" baseline="0">
+                <a:solidFill>
+                  <a:schemeClr val="tx1">
+                    <a:lumMod val="85000"/>
+                    <a:lumOff val="15000"/>
+                  </a:schemeClr>
+                </a:solidFill>
+                <a:latin typeface="+mn-ea"/>
+                <a:ea typeface="+mn-ea"/>
+              </a:defRPr>
+            </a:lvl1pPr>
+            <a:lvl2pPr marL="685800" indent="-228600">
+              <a:lnSpc>
+                <a:spcPct val="100000"/>
+              </a:lnSpc>
+              <a:buFont typeface="맑은 고딕" panose="020B0503020000020004" pitchFamily="50" charset="-127"/>
+              <a:buChar char="­"/>
+              <a:defRPr sz="1100">
+                <a:solidFill>
+                  <a:schemeClr val="tx1">
+                    <a:lumMod val="85000"/>
+                    <a:lumOff val="15000"/>
+                  </a:schemeClr>
+                </a:solidFill>
+              </a:defRPr>
+            </a:lvl2pPr>
+          </a:lstStyle>
+          <a:p>
+            <a:pPr lvl="0"/>
+            <a:r>
+              <a:rPr lang="en-US" altLang="ko-KR" dirty="0"/>
+              <a:t>000</a:t>
+            </a:r>
+          </a:p>
+        </p:txBody>
+      </p:sp>
+      <p:sp>
+        <p:nvSpPr>
+          <p:cNvPr id="90" name="텍스트 개체 틀 2">
+            <a:extLst>
+              <a:ext uri="{FF2B5EF4-FFF2-40B4-BE49-F238E27FC236}">
+                <a16:creationId xmlns:a16="http://schemas.microsoft.com/office/drawing/2014/main" xmlns="" id="{BEE0A621-CF2E-4DFD-AF9C-331BFBF31C37}"/>
+              </a:ext>
+            </a:extLst>
+          </p:cNvPr>
+          <p:cNvSpPr>
+            <a:spLocks noGrp="1"/>
+          </p:cNvSpPr>
+          <p:nvPr>
+            <p:ph type="body" sz="quarter" idx="80" hasCustomPrompt="1"/>
+          </p:nvPr>
+        </p:nvSpPr>
+        <p:spPr>
+          <a:xfrm>
+            <a:off x="7374028" y="3207248"/>
+            <a:ext cx="1098000" cy="252000"/>
+          </a:xfrm>
+        </p:spPr>
+        <p:txBody>
+          <a:bodyPr>
+            <a:normAutofit/>
+          </a:bodyPr>
+          <a:lstStyle>
+            <a:lvl1pPr marL="0" indent="0" algn="ctr">
+              <a:lnSpc>
+                <a:spcPct val="100000"/>
+              </a:lnSpc>
+              <a:buNone/>
+              <a:defRPr sz="1300" baseline="0">
+                <a:solidFill>
+                  <a:schemeClr val="tx1">
+                    <a:lumMod val="85000"/>
+                    <a:lumOff val="15000"/>
+                  </a:schemeClr>
+                </a:solidFill>
+                <a:latin typeface="+mn-ea"/>
+                <a:ea typeface="+mn-ea"/>
+              </a:defRPr>
+            </a:lvl1pPr>
+            <a:lvl2pPr marL="685800" indent="-228600">
+              <a:lnSpc>
+                <a:spcPct val="100000"/>
+              </a:lnSpc>
+              <a:buFont typeface="맑은 고딕" panose="020B0503020000020004" pitchFamily="50" charset="-127"/>
+              <a:buChar char="­"/>
+              <a:defRPr sz="1100">
+                <a:solidFill>
+                  <a:schemeClr val="tx1">
+                    <a:lumMod val="85000"/>
+                    <a:lumOff val="15000"/>
+                  </a:schemeClr>
+                </a:solidFill>
+              </a:defRPr>
+            </a:lvl2pPr>
+          </a:lstStyle>
+          <a:p>
+            <a:pPr lvl="0"/>
+            <a:r>
+              <a:rPr lang="en-US" altLang="ko-KR" dirty="0"/>
+              <a:t>000</a:t>
+            </a:r>
+          </a:p>
+        </p:txBody>
+      </p:sp>
+      <p:sp>
+        <p:nvSpPr>
+          <p:cNvPr id="91" name="텍스트 개체 틀 2">
+            <a:extLst>
+              <a:ext uri="{FF2B5EF4-FFF2-40B4-BE49-F238E27FC236}">
+                <a16:creationId xmlns:a16="http://schemas.microsoft.com/office/drawing/2014/main" xmlns="" id="{BEE0A621-CF2E-4DFD-AF9C-331BFBF31C37}"/>
+              </a:ext>
+            </a:extLst>
+          </p:cNvPr>
+          <p:cNvSpPr>
+            <a:spLocks noGrp="1"/>
+          </p:cNvSpPr>
+          <p:nvPr>
+            <p:ph type="body" sz="quarter" idx="81" hasCustomPrompt="1"/>
+          </p:nvPr>
+        </p:nvSpPr>
+        <p:spPr>
+          <a:xfrm>
+            <a:off x="8471419" y="3207248"/>
+            <a:ext cx="1098000" cy="252000"/>
+          </a:xfrm>
+        </p:spPr>
+        <p:txBody>
+          <a:bodyPr>
+            <a:normAutofit/>
+          </a:bodyPr>
+          <a:lstStyle>
+            <a:lvl1pPr marL="0" indent="0" algn="ctr">
+              <a:lnSpc>
+                <a:spcPct val="100000"/>
+              </a:lnSpc>
+              <a:buNone/>
+              <a:defRPr sz="1300" baseline="0">
+                <a:solidFill>
+                  <a:schemeClr val="tx1">
+                    <a:lumMod val="85000"/>
+                    <a:lumOff val="15000"/>
+                  </a:schemeClr>
+                </a:solidFill>
+                <a:latin typeface="+mn-ea"/>
+                <a:ea typeface="+mn-ea"/>
+              </a:defRPr>
+            </a:lvl1pPr>
+            <a:lvl2pPr marL="685800" indent="-228600">
+              <a:lnSpc>
+                <a:spcPct val="100000"/>
+              </a:lnSpc>
+              <a:buFont typeface="맑은 고딕" panose="020B0503020000020004" pitchFamily="50" charset="-127"/>
+              <a:buChar char="­"/>
+              <a:defRPr sz="1100">
+                <a:solidFill>
+                  <a:schemeClr val="tx1">
+                    <a:lumMod val="85000"/>
+                    <a:lumOff val="15000"/>
+                  </a:schemeClr>
+                </a:solidFill>
+              </a:defRPr>
+            </a:lvl2pPr>
+          </a:lstStyle>
+          <a:p>
+            <a:pPr lvl="0"/>
+            <a:r>
+              <a:rPr lang="en-US" altLang="ko-KR" dirty="0"/>
+              <a:t>000</a:t>
+            </a:r>
+          </a:p>
+        </p:txBody>
+      </p:sp>
+      <p:sp>
+        <p:nvSpPr>
+          <p:cNvPr id="92" name="텍스트 개체 틀 2">
+            <a:extLst>
+              <a:ext uri="{FF2B5EF4-FFF2-40B4-BE49-F238E27FC236}">
+                <a16:creationId xmlns:a16="http://schemas.microsoft.com/office/drawing/2014/main" xmlns="" id="{BEE0A621-CF2E-4DFD-AF9C-331BFBF31C37}"/>
+              </a:ext>
+            </a:extLst>
+          </p:cNvPr>
+          <p:cNvSpPr>
+            <a:spLocks noGrp="1"/>
+          </p:cNvSpPr>
+          <p:nvPr>
+            <p:ph type="body" sz="quarter" idx="82" hasCustomPrompt="1"/>
+          </p:nvPr>
+        </p:nvSpPr>
+        <p:spPr>
+          <a:xfrm>
+            <a:off x="5166295" y="3461167"/>
+            <a:ext cx="1098000" cy="252000"/>
+          </a:xfrm>
+        </p:spPr>
+        <p:txBody>
+          <a:bodyPr>
+            <a:normAutofit/>
+          </a:bodyPr>
+          <a:lstStyle>
+            <a:lvl1pPr marL="0" indent="0" algn="ctr">
+              <a:lnSpc>
+                <a:spcPct val="100000"/>
+              </a:lnSpc>
+              <a:buNone/>
+              <a:defRPr sz="1300" baseline="0">
+                <a:solidFill>
+                  <a:schemeClr val="tx1">
+                    <a:lumMod val="85000"/>
+                    <a:lumOff val="15000"/>
+                  </a:schemeClr>
+                </a:solidFill>
+                <a:latin typeface="+mn-ea"/>
+                <a:ea typeface="+mn-ea"/>
+              </a:defRPr>
+            </a:lvl1pPr>
+            <a:lvl2pPr marL="685800" indent="-228600">
+              <a:lnSpc>
+                <a:spcPct val="100000"/>
+              </a:lnSpc>
+              <a:buFont typeface="맑은 고딕" panose="020B0503020000020004" pitchFamily="50" charset="-127"/>
+              <a:buChar char="­"/>
+              <a:defRPr sz="1100">
+                <a:solidFill>
+                  <a:schemeClr val="tx1">
+                    <a:lumMod val="85000"/>
+                    <a:lumOff val="15000"/>
+                  </a:schemeClr>
+                </a:solidFill>
+              </a:defRPr>
+            </a:lvl2pPr>
+          </a:lstStyle>
+          <a:p>
+            <a:pPr lvl="0"/>
+            <a:r>
+              <a:rPr lang="en-US" altLang="ko-KR" dirty="0"/>
+              <a:t>000</a:t>
+            </a:r>
+          </a:p>
+        </p:txBody>
+      </p:sp>
+      <p:sp>
+        <p:nvSpPr>
+          <p:cNvPr id="93" name="텍스트 개체 틀 2">
+            <a:extLst>
+              <a:ext uri="{FF2B5EF4-FFF2-40B4-BE49-F238E27FC236}">
+                <a16:creationId xmlns:a16="http://schemas.microsoft.com/office/drawing/2014/main" xmlns="" id="{BEE0A621-CF2E-4DFD-AF9C-331BFBF31C37}"/>
+              </a:ext>
+            </a:extLst>
+          </p:cNvPr>
+          <p:cNvSpPr>
+            <a:spLocks noGrp="1"/>
+          </p:cNvSpPr>
+          <p:nvPr>
+            <p:ph type="body" sz="quarter" idx="83" hasCustomPrompt="1"/>
+          </p:nvPr>
+        </p:nvSpPr>
+        <p:spPr>
+          <a:xfrm>
+            <a:off x="6264295" y="3461167"/>
+            <a:ext cx="1098000" cy="252000"/>
+          </a:xfrm>
+        </p:spPr>
+        <p:txBody>
+          <a:bodyPr>
+            <a:normAutofit/>
+          </a:bodyPr>
+          <a:lstStyle>
+            <a:lvl1pPr marL="0" indent="0" algn="ctr">
+              <a:lnSpc>
+                <a:spcPct val="100000"/>
+              </a:lnSpc>
+              <a:buNone/>
+              <a:defRPr sz="1300" baseline="0">
+                <a:solidFill>
+                  <a:schemeClr val="tx1">
+                    <a:lumMod val="85000"/>
+                    <a:lumOff val="15000"/>
+                  </a:schemeClr>
+                </a:solidFill>
+                <a:latin typeface="+mn-ea"/>
+                <a:ea typeface="+mn-ea"/>
+              </a:defRPr>
+            </a:lvl1pPr>
+            <a:lvl2pPr marL="685800" indent="-228600">
+              <a:lnSpc>
+                <a:spcPct val="100000"/>
+              </a:lnSpc>
+              <a:buFont typeface="맑은 고딕" panose="020B0503020000020004" pitchFamily="50" charset="-127"/>
+              <a:buChar char="­"/>
+              <a:defRPr sz="1100">
+                <a:solidFill>
+                  <a:schemeClr val="tx1">
+                    <a:lumMod val="85000"/>
+                    <a:lumOff val="15000"/>
+                  </a:schemeClr>
+                </a:solidFill>
+              </a:defRPr>
+            </a:lvl2pPr>
+          </a:lstStyle>
+          <a:p>
+            <a:pPr lvl="0"/>
+            <a:r>
+              <a:rPr lang="en-US" altLang="ko-KR" dirty="0"/>
+              <a:t>000</a:t>
+            </a:r>
+          </a:p>
+        </p:txBody>
+      </p:sp>
+      <p:sp>
+        <p:nvSpPr>
+          <p:cNvPr id="94" name="텍스트 개체 틀 2">
+            <a:extLst>
+              <a:ext uri="{FF2B5EF4-FFF2-40B4-BE49-F238E27FC236}">
+                <a16:creationId xmlns:a16="http://schemas.microsoft.com/office/drawing/2014/main" xmlns="" id="{BEE0A621-CF2E-4DFD-AF9C-331BFBF31C37}"/>
+              </a:ext>
+            </a:extLst>
+          </p:cNvPr>
+          <p:cNvSpPr>
+            <a:spLocks noGrp="1"/>
+          </p:cNvSpPr>
+          <p:nvPr>
+            <p:ph type="body" sz="quarter" idx="84" hasCustomPrompt="1"/>
+          </p:nvPr>
+        </p:nvSpPr>
+        <p:spPr>
+          <a:xfrm>
+            <a:off x="7362295" y="3461167"/>
+            <a:ext cx="1098000" cy="252000"/>
+          </a:xfrm>
+        </p:spPr>
+        <p:txBody>
+          <a:bodyPr>
+            <a:normAutofit/>
+          </a:bodyPr>
+          <a:lstStyle>
+            <a:lvl1pPr marL="0" indent="0" algn="ctr">
+              <a:lnSpc>
+                <a:spcPct val="100000"/>
+              </a:lnSpc>
+              <a:buNone/>
+              <a:defRPr sz="1300" baseline="0">
+                <a:solidFill>
+                  <a:schemeClr val="tx1">
+                    <a:lumMod val="85000"/>
+                    <a:lumOff val="15000"/>
+                  </a:schemeClr>
+                </a:solidFill>
+                <a:latin typeface="+mn-ea"/>
+                <a:ea typeface="+mn-ea"/>
+              </a:defRPr>
+            </a:lvl1pPr>
+            <a:lvl2pPr marL="685800" indent="-228600">
+              <a:lnSpc>
+                <a:spcPct val="100000"/>
+              </a:lnSpc>
+              <a:buFont typeface="맑은 고딕" panose="020B0503020000020004" pitchFamily="50" charset="-127"/>
+              <a:buChar char="­"/>
+              <a:defRPr sz="1100">
+                <a:solidFill>
+                  <a:schemeClr val="tx1">
+                    <a:lumMod val="85000"/>
+                    <a:lumOff val="15000"/>
+                  </a:schemeClr>
+                </a:solidFill>
+              </a:defRPr>
+            </a:lvl2pPr>
+          </a:lstStyle>
+          <a:p>
+            <a:pPr lvl="0"/>
+            <a:r>
+              <a:rPr lang="en-US" altLang="ko-KR" dirty="0"/>
+              <a:t>000</a:t>
+            </a:r>
+          </a:p>
+        </p:txBody>
+      </p:sp>
+      <p:sp>
+        <p:nvSpPr>
+          <p:cNvPr id="95" name="텍스트 개체 틀 2">
+            <a:extLst>
+              <a:ext uri="{FF2B5EF4-FFF2-40B4-BE49-F238E27FC236}">
+                <a16:creationId xmlns:a16="http://schemas.microsoft.com/office/drawing/2014/main" xmlns="" id="{BEE0A621-CF2E-4DFD-AF9C-331BFBF31C37}"/>
+              </a:ext>
+            </a:extLst>
+          </p:cNvPr>
+          <p:cNvSpPr>
+            <a:spLocks noGrp="1"/>
+          </p:cNvSpPr>
+          <p:nvPr>
+            <p:ph type="body" sz="quarter" idx="85" hasCustomPrompt="1"/>
+          </p:nvPr>
+        </p:nvSpPr>
+        <p:spPr>
+          <a:xfrm>
+            <a:off x="8470420" y="3461167"/>
+            <a:ext cx="1098000" cy="252000"/>
+          </a:xfrm>
+        </p:spPr>
+        <p:txBody>
+          <a:bodyPr>
+            <a:normAutofit/>
+          </a:bodyPr>
+          <a:lstStyle>
+            <a:lvl1pPr marL="0" indent="0" algn="ctr">
+              <a:lnSpc>
+                <a:spcPct val="100000"/>
+              </a:lnSpc>
+              <a:buNone/>
+              <a:defRPr sz="1300" baseline="0">
+                <a:solidFill>
+                  <a:schemeClr val="tx1">
+                    <a:lumMod val="85000"/>
+                    <a:lumOff val="15000"/>
+                  </a:schemeClr>
+                </a:solidFill>
+                <a:latin typeface="+mn-ea"/>
+                <a:ea typeface="+mn-ea"/>
+              </a:defRPr>
+            </a:lvl1pPr>
+            <a:lvl2pPr marL="685800" indent="-228600">
+              <a:lnSpc>
+                <a:spcPct val="100000"/>
+              </a:lnSpc>
+              <a:buFont typeface="맑은 고딕" panose="020B0503020000020004" pitchFamily="50" charset="-127"/>
+              <a:buChar char="­"/>
+              <a:defRPr sz="1100">
+                <a:solidFill>
+                  <a:schemeClr val="tx1">
+                    <a:lumMod val="85000"/>
+                    <a:lumOff val="15000"/>
+                  </a:schemeClr>
+                </a:solidFill>
+              </a:defRPr>
+            </a:lvl2pPr>
+          </a:lstStyle>
+          <a:p>
+            <a:pPr lvl="0"/>
+            <a:r>
+              <a:rPr lang="en-US" altLang="ko-KR" dirty="0"/>
+              <a:t>000</a:t>
+            </a:r>
           </a:p>
         </p:txBody>
       </p:sp>
@@ -16819,28 +17667,28 @@
                 <a:gridCol w="1095795">
                   <a:extLst>
                     <a:ext uri="{9D8B030D-6E8A-4147-A177-3AD203B41FA5}">
-                      <a16:colId xmlns="" xmlns:a16="http://schemas.microsoft.com/office/drawing/2014/main" val="20000"/>
+                      <a16:colId xmlns:a16="http://schemas.microsoft.com/office/drawing/2014/main" xmlns="" val="20000"/>
                     </a:ext>
                   </a:extLst>
                 </a:gridCol>
                 <a:gridCol w="1088527">
                   <a:extLst>
                     <a:ext uri="{9D8B030D-6E8A-4147-A177-3AD203B41FA5}">
-                      <a16:colId xmlns="" xmlns:a16="http://schemas.microsoft.com/office/drawing/2014/main" val="20001"/>
+                      <a16:colId xmlns:a16="http://schemas.microsoft.com/office/drawing/2014/main" xmlns="" val="20001"/>
                     </a:ext>
                   </a:extLst>
                 </a:gridCol>
                 <a:gridCol w="3464423">
                   <a:extLst>
                     <a:ext uri="{9D8B030D-6E8A-4147-A177-3AD203B41FA5}">
-                      <a16:colId xmlns="" xmlns:a16="http://schemas.microsoft.com/office/drawing/2014/main" val="20002"/>
+                      <a16:colId xmlns:a16="http://schemas.microsoft.com/office/drawing/2014/main" xmlns="" val="20002"/>
                     </a:ext>
                   </a:extLst>
                 </a:gridCol>
                 <a:gridCol w="3419474">
                   <a:extLst>
                     <a:ext uri="{9D8B030D-6E8A-4147-A177-3AD203B41FA5}">
-                      <a16:colId xmlns="" xmlns:a16="http://schemas.microsoft.com/office/drawing/2014/main" val="20003"/>
+                      <a16:colId xmlns:a16="http://schemas.microsoft.com/office/drawing/2014/main" xmlns="" val="20003"/>
                     </a:ext>
                   </a:extLst>
                 </a:gridCol>
@@ -17100,7 +17948,7 @@
                 </a:tc>
                 <a:extLst>
                   <a:ext uri="{0D108BD9-81ED-4DB2-BD59-A6C34878D82A}">
-                    <a16:rowId xmlns="" xmlns:a16="http://schemas.microsoft.com/office/drawing/2014/main" val="10000"/>
+                    <a16:rowId xmlns:a16="http://schemas.microsoft.com/office/drawing/2014/main" xmlns="" val="10000"/>
                   </a:ext>
                 </a:extLst>
               </a:tr>
@@ -17359,7 +18207,7 @@
                 </a:tc>
                 <a:extLst>
                   <a:ext uri="{0D108BD9-81ED-4DB2-BD59-A6C34878D82A}">
-                    <a16:rowId xmlns="" xmlns:a16="http://schemas.microsoft.com/office/drawing/2014/main" val="10001"/>
+                    <a16:rowId xmlns:a16="http://schemas.microsoft.com/office/drawing/2014/main" xmlns="" val="10001"/>
                   </a:ext>
                 </a:extLst>
               </a:tr>
@@ -17586,7 +18434,7 @@
                 </a:tc>
                 <a:extLst>
                   <a:ext uri="{0D108BD9-81ED-4DB2-BD59-A6C34878D82A}">
-                    <a16:rowId xmlns="" xmlns:a16="http://schemas.microsoft.com/office/drawing/2014/main" val="10002"/>
+                    <a16:rowId xmlns:a16="http://schemas.microsoft.com/office/drawing/2014/main" xmlns="" val="10002"/>
                   </a:ext>
                 </a:extLst>
               </a:tr>
@@ -17845,7 +18693,7 @@
                 </a:tc>
                 <a:extLst>
                   <a:ext uri="{0D108BD9-81ED-4DB2-BD59-A6C34878D82A}">
-                    <a16:rowId xmlns="" xmlns:a16="http://schemas.microsoft.com/office/drawing/2014/main" val="10003"/>
+                    <a16:rowId xmlns:a16="http://schemas.microsoft.com/office/drawing/2014/main" xmlns="" val="10003"/>
                   </a:ext>
                 </a:extLst>
               </a:tr>
@@ -18088,7 +18936,7 @@
                 </a:tc>
                 <a:extLst>
                   <a:ext uri="{0D108BD9-81ED-4DB2-BD59-A6C34878D82A}">
-                    <a16:rowId xmlns="" xmlns:a16="http://schemas.microsoft.com/office/drawing/2014/main" val="10004"/>
+                    <a16:rowId xmlns:a16="http://schemas.microsoft.com/office/drawing/2014/main" xmlns="" val="10004"/>
                   </a:ext>
                 </a:extLst>
               </a:tr>
@@ -18347,7 +19195,7 @@
                 </a:tc>
                 <a:extLst>
                   <a:ext uri="{0D108BD9-81ED-4DB2-BD59-A6C34878D82A}">
-                    <a16:rowId xmlns="" xmlns:a16="http://schemas.microsoft.com/office/drawing/2014/main" val="10005"/>
+                    <a16:rowId xmlns:a16="http://schemas.microsoft.com/office/drawing/2014/main" xmlns="" val="10005"/>
                   </a:ext>
                 </a:extLst>
               </a:tr>
@@ -24929,21 +25777,21 @@
                 <a:gridCol w="634245">
                   <a:extLst>
                     <a:ext uri="{9D8B030D-6E8A-4147-A177-3AD203B41FA5}">
-                      <a16:colId xmlns="" xmlns:a16="http://schemas.microsoft.com/office/drawing/2014/main" val="20000"/>
+                      <a16:colId xmlns:a16="http://schemas.microsoft.com/office/drawing/2014/main" xmlns="" val="20000"/>
                     </a:ext>
                   </a:extLst>
                 </a:gridCol>
                 <a:gridCol w="3664323">
                   <a:extLst>
                     <a:ext uri="{9D8B030D-6E8A-4147-A177-3AD203B41FA5}">
-                      <a16:colId xmlns="" xmlns:a16="http://schemas.microsoft.com/office/drawing/2014/main" val="20001"/>
+                      <a16:colId xmlns:a16="http://schemas.microsoft.com/office/drawing/2014/main" xmlns="" val="20001"/>
                     </a:ext>
                   </a:extLst>
                 </a:gridCol>
                 <a:gridCol w="3664323">
                   <a:extLst>
                     <a:ext uri="{9D8B030D-6E8A-4147-A177-3AD203B41FA5}">
-                      <a16:colId xmlns="" xmlns:a16="http://schemas.microsoft.com/office/drawing/2014/main" val="20002"/>
+                      <a16:colId xmlns:a16="http://schemas.microsoft.com/office/drawing/2014/main" xmlns="" val="20002"/>
                     </a:ext>
                   </a:extLst>
                 </a:gridCol>
@@ -25219,7 +26067,7 @@
                 </a:tc>
                 <a:extLst>
                   <a:ext uri="{0D108BD9-81ED-4DB2-BD59-A6C34878D82A}">
-                    <a16:rowId xmlns="" xmlns:a16="http://schemas.microsoft.com/office/drawing/2014/main" val="10000"/>
+                    <a16:rowId xmlns:a16="http://schemas.microsoft.com/office/drawing/2014/main" xmlns="" val="10000"/>
                   </a:ext>
                 </a:extLst>
               </a:tr>
@@ -25507,7 +26355,7 @@
                 </a:tc>
                 <a:extLst>
                   <a:ext uri="{0D108BD9-81ED-4DB2-BD59-A6C34878D82A}">
-                    <a16:rowId xmlns="" xmlns:a16="http://schemas.microsoft.com/office/drawing/2014/main" val="10001"/>
+                    <a16:rowId xmlns:a16="http://schemas.microsoft.com/office/drawing/2014/main" xmlns="" val="10001"/>
                   </a:ext>
                 </a:extLst>
               </a:tr>
@@ -25775,7 +26623,7 @@
                 </a:tc>
                 <a:extLst>
                   <a:ext uri="{0D108BD9-81ED-4DB2-BD59-A6C34878D82A}">
-                    <a16:rowId xmlns="" xmlns:a16="http://schemas.microsoft.com/office/drawing/2014/main" val="10002"/>
+                    <a16:rowId xmlns:a16="http://schemas.microsoft.com/office/drawing/2014/main" xmlns="" val="10002"/>
                   </a:ext>
                 </a:extLst>
               </a:tr>
@@ -26428,7 +27276,7 @@
                 </a:tc>
                 <a:extLst>
                   <a:ext uri="{0D108BD9-81ED-4DB2-BD59-A6C34878D82A}">
-                    <a16:rowId xmlns="" xmlns:a16="http://schemas.microsoft.com/office/drawing/2014/main" val="10003"/>
+                    <a16:rowId xmlns:a16="http://schemas.microsoft.com/office/drawing/2014/main" xmlns="" val="10003"/>
                   </a:ext>
                 </a:extLst>
               </a:tr>
@@ -28322,28 +29170,28 @@
                 <a:gridCol w="652202">
                   <a:extLst>
                     <a:ext uri="{9D8B030D-6E8A-4147-A177-3AD203B41FA5}">
-                      <a16:colId xmlns="" xmlns:a16="http://schemas.microsoft.com/office/drawing/2014/main" val="20000"/>
+                      <a16:colId xmlns:a16="http://schemas.microsoft.com/office/drawing/2014/main" xmlns="" val="20000"/>
                     </a:ext>
                   </a:extLst>
                 </a:gridCol>
                 <a:gridCol w="2462462">
                   <a:extLst>
                     <a:ext uri="{9D8B030D-6E8A-4147-A177-3AD203B41FA5}">
-                      <a16:colId xmlns="" xmlns:a16="http://schemas.microsoft.com/office/drawing/2014/main" val="20001"/>
+                      <a16:colId xmlns:a16="http://schemas.microsoft.com/office/drawing/2014/main" xmlns="" val="20001"/>
                     </a:ext>
                   </a:extLst>
                 </a:gridCol>
                 <a:gridCol w="2462462">
                   <a:extLst>
                     <a:ext uri="{9D8B030D-6E8A-4147-A177-3AD203B41FA5}">
-                      <a16:colId xmlns="" xmlns:a16="http://schemas.microsoft.com/office/drawing/2014/main" val="20002"/>
+                      <a16:colId xmlns:a16="http://schemas.microsoft.com/office/drawing/2014/main" xmlns="" val="20002"/>
                     </a:ext>
                   </a:extLst>
                 </a:gridCol>
                 <a:gridCol w="2462462">
                   <a:extLst>
                     <a:ext uri="{9D8B030D-6E8A-4147-A177-3AD203B41FA5}">
-                      <a16:colId xmlns="" xmlns:a16="http://schemas.microsoft.com/office/drawing/2014/main" val="20003"/>
+                      <a16:colId xmlns:a16="http://schemas.microsoft.com/office/drawing/2014/main" xmlns="" val="20003"/>
                     </a:ext>
                   </a:extLst>
                 </a:gridCol>
@@ -28643,7 +29491,7 @@
                 </a:tc>
                 <a:extLst>
                   <a:ext uri="{0D108BD9-81ED-4DB2-BD59-A6C34878D82A}">
-                    <a16:rowId xmlns="" xmlns:a16="http://schemas.microsoft.com/office/drawing/2014/main" val="10000"/>
+                    <a16:rowId xmlns:a16="http://schemas.microsoft.com/office/drawing/2014/main" xmlns="" val="10000"/>
                   </a:ext>
                 </a:extLst>
               </a:tr>
@@ -28960,7 +29808,7 @@
                 </a:tc>
                 <a:extLst>
                   <a:ext uri="{0D108BD9-81ED-4DB2-BD59-A6C34878D82A}">
-                    <a16:rowId xmlns="" xmlns:a16="http://schemas.microsoft.com/office/drawing/2014/main" val="10001"/>
+                    <a16:rowId xmlns:a16="http://schemas.microsoft.com/office/drawing/2014/main" xmlns="" val="10001"/>
                   </a:ext>
                 </a:extLst>
               </a:tr>
@@ -29690,7 +30538,7 @@
                 </a:tc>
                 <a:extLst>
                   <a:ext uri="{0D108BD9-81ED-4DB2-BD59-A6C34878D82A}">
-                    <a16:rowId xmlns="" xmlns:a16="http://schemas.microsoft.com/office/drawing/2014/main" val="10002"/>
+                    <a16:rowId xmlns:a16="http://schemas.microsoft.com/office/drawing/2014/main" xmlns="" val="10002"/>
                   </a:ext>
                 </a:extLst>
               </a:tr>
@@ -29861,7 +30709,7 @@
           <a:p>
             <a:fld id="{18B5A078-8A63-4FF0-8AA7-7B1C167E8A82}" type="datetimeFigureOut">
               <a:rPr lang="ko-KR" altLang="en-US" smtClean="0"/>
-              <a:t>2021-07-29</a:t>
+              <a:t>2021-08-02</a:t>
             </a:fld>
             <a:endParaRPr lang="ko-KR" altLang="en-US" dirty="0"/>
           </a:p>

--- a/Sales_More_ppt2.2.pptx
+++ b/Sales_More_ppt2.2.pptx
@@ -11,13 +11,13 @@
   <p:notesSz cx="6858000" cy="9144000"/>
   <p:embeddedFontLst>
     <p:embeddedFont>
-      <p:font typeface="맑은 고딕" panose="020B0503020000020004" pitchFamily="50" charset="-127"/>
+      <p:font typeface="Wingdings 3" panose="05040102010807070707" pitchFamily="18" charset="2"/>
       <p:regular r:id="rId3"/>
-      <p:bold r:id="rId4"/>
     </p:embeddedFont>
     <p:embeddedFont>
-      <p:font typeface="Wingdings 3" panose="05040102010807070707" pitchFamily="18" charset="2"/>
-      <p:regular r:id="rId5"/>
+      <p:font typeface="맑은 고딕" panose="020B0503020000020004" pitchFamily="50" charset="-127"/>
+      <p:regular r:id="rId4"/>
+      <p:bold r:id="rId5"/>
     </p:embeddedFont>
   </p:embeddedFontLst>
   <p:defaultTextStyle>
@@ -230,7 +230,7 @@
           <a:p>
             <a:fld id="{A2C46B5B-C7B4-4093-A670-142433023433}" type="datetimeFigureOut">
               <a:rPr lang="ko-KR" altLang="en-US" smtClean="0"/>
-              <a:t>2021-08-02</a:t>
+              <a:t>2021-08-17</a:t>
             </a:fld>
             <a:endParaRPr lang="ko-KR" altLang="en-US"/>
           </a:p>
@@ -997,7 +997,7 @@
           <p:cNvPr id="14" name="텍스트 개체 틀 2">
             <a:extLst>
               <a:ext uri="{FF2B5EF4-FFF2-40B4-BE49-F238E27FC236}">
-                <a16:creationId xmlns:a16="http://schemas.microsoft.com/office/drawing/2014/main" xmlns="" id="{D9F618CC-D8E6-4C54-B0ED-AEC47F586215}"/>
+                <a16:creationId xmlns="" xmlns:a16="http://schemas.microsoft.com/office/drawing/2014/main" id="{D9F618CC-D8E6-4C54-B0ED-AEC47F586215}"/>
               </a:ext>
             </a:extLst>
           </p:cNvPr>
@@ -1398,14 +1398,14 @@
                 <a:gridCol w="1997689">
                   <a:extLst>
                     <a:ext uri="{9D8B030D-6E8A-4147-A177-3AD203B41FA5}">
-                      <a16:colId xmlns:a16="http://schemas.microsoft.com/office/drawing/2014/main" xmlns="" val="20000"/>
+                      <a16:colId xmlns="" xmlns:a16="http://schemas.microsoft.com/office/drawing/2014/main" val="20000"/>
                     </a:ext>
                   </a:extLst>
                 </a:gridCol>
                 <a:gridCol w="1997689">
                   <a:extLst>
                     <a:ext uri="{9D8B030D-6E8A-4147-A177-3AD203B41FA5}">
-                      <a16:colId xmlns:a16="http://schemas.microsoft.com/office/drawing/2014/main" xmlns="" val="20001"/>
+                      <a16:colId xmlns="" xmlns:a16="http://schemas.microsoft.com/office/drawing/2014/main" val="20001"/>
                     </a:ext>
                   </a:extLst>
                 </a:gridCol>
@@ -1671,7 +1671,7 @@
                 </a:tc>
                 <a:extLst>
                   <a:ext uri="{0D108BD9-81ED-4DB2-BD59-A6C34878D82A}">
-                    <a16:rowId xmlns:a16="http://schemas.microsoft.com/office/drawing/2014/main" xmlns="" val="10000"/>
+                    <a16:rowId xmlns="" xmlns:a16="http://schemas.microsoft.com/office/drawing/2014/main" val="10000"/>
                   </a:ext>
                 </a:extLst>
               </a:tr>
@@ -1879,7 +1879,7 @@
                 </a:tc>
                 <a:extLst>
                   <a:ext uri="{0D108BD9-81ED-4DB2-BD59-A6C34878D82A}">
-                    <a16:rowId xmlns:a16="http://schemas.microsoft.com/office/drawing/2014/main" xmlns="" val="10001"/>
+                    <a16:rowId xmlns="" xmlns:a16="http://schemas.microsoft.com/office/drawing/2014/main" val="10001"/>
                   </a:ext>
                 </a:extLst>
               </a:tr>
@@ -2257,7 +2257,7 @@
         <p:spPr>
           <a:xfrm>
             <a:off x="1306284" y="4946918"/>
-            <a:ext cx="4175993" cy="969691"/>
+            <a:ext cx="4759200" cy="969691"/>
           </a:xfrm>
           <a:prstGeom prst="rect">
             <a:avLst/>
@@ -2314,7 +2314,7 @@
         <p:spPr>
           <a:xfrm>
             <a:off x="1306277" y="4651597"/>
-            <a:ext cx="4176000" cy="249051"/>
+            <a:ext cx="4788000" cy="249051"/>
           </a:xfrm>
           <a:prstGeom prst="rect">
             <a:avLst/>
@@ -2371,8 +2371,8 @@
         </p:nvSpPr>
         <p:spPr>
           <a:xfrm>
-            <a:off x="5552441" y="4646987"/>
-            <a:ext cx="4176000" cy="249051"/>
+            <a:off x="6180510" y="4646987"/>
+            <a:ext cx="3564000" cy="249051"/>
           </a:xfrm>
           <a:prstGeom prst="rect">
             <a:avLst/>
@@ -2556,14 +2556,14 @@
                 <a:gridCol w="1013745">
                   <a:extLst>
                     <a:ext uri="{9D8B030D-6E8A-4147-A177-3AD203B41FA5}">
-                      <a16:colId xmlns:a16="http://schemas.microsoft.com/office/drawing/2014/main" xmlns="" val="20000"/>
+                      <a16:colId xmlns="" xmlns:a16="http://schemas.microsoft.com/office/drawing/2014/main" val="20000"/>
                     </a:ext>
                   </a:extLst>
                 </a:gridCol>
                 <a:gridCol w="8486992">
                   <a:extLst>
                     <a:ext uri="{9D8B030D-6E8A-4147-A177-3AD203B41FA5}">
-                      <a16:colId xmlns:a16="http://schemas.microsoft.com/office/drawing/2014/main" xmlns="" val="20001"/>
+                      <a16:colId xmlns="" xmlns:a16="http://schemas.microsoft.com/office/drawing/2014/main" val="20001"/>
                     </a:ext>
                   </a:extLst>
                 </a:gridCol>
@@ -2689,7 +2689,7 @@
                 </a:tc>
                 <a:extLst>
                   <a:ext uri="{0D108BD9-81ED-4DB2-BD59-A6C34878D82A}">
-                    <a16:rowId xmlns:a16="http://schemas.microsoft.com/office/drawing/2014/main" xmlns="" val="10000"/>
+                    <a16:rowId xmlns="" xmlns:a16="http://schemas.microsoft.com/office/drawing/2014/main" val="10000"/>
                   </a:ext>
                 </a:extLst>
               </a:tr>
@@ -3194,8 +3194,8 @@
         </p:nvSpPr>
         <p:spPr>
           <a:xfrm>
-            <a:off x="1323477" y="4972796"/>
-            <a:ext cx="4158800" cy="936000"/>
+            <a:off x="1313316" y="4946917"/>
+            <a:ext cx="4760219" cy="968400"/>
           </a:xfrm>
         </p:spPr>
         <p:txBody>
@@ -3210,7 +3210,7 @@
               <a:spcBef>
                 <a:spcPts val="300"/>
               </a:spcBef>
-              <a:defRPr sz="1100">
+              <a:defRPr sz="1200">
                 <a:solidFill>
                   <a:schemeClr val="tx1">
                     <a:lumMod val="85000"/>
@@ -3228,7 +3228,7 @@
               </a:spcBef>
               <a:buFont typeface="맑은 고딕" panose="020B0503020000020004" pitchFamily="50" charset="-127"/>
               <a:buChar char="­"/>
-              <a:defRPr sz="1100">
+              <a:defRPr sz="1200">
                 <a:solidFill>
                   <a:schemeClr val="tx1">
                     <a:lumMod val="85000"/>
@@ -3262,8 +3262,8 @@
         </p:nvSpPr>
         <p:spPr>
           <a:xfrm>
-            <a:off x="5552442" y="4946917"/>
-            <a:ext cx="4184422" cy="969691"/>
+            <a:off x="6180510" y="4946917"/>
+            <a:ext cx="3556354" cy="969691"/>
           </a:xfrm>
           <a:prstGeom prst="rect">
             <a:avLst/>
@@ -3323,8 +3323,8 @@
         </p:nvSpPr>
         <p:spPr>
           <a:xfrm>
-            <a:off x="5583138" y="4963762"/>
-            <a:ext cx="4158800" cy="936000"/>
+            <a:off x="6180510" y="4963762"/>
+            <a:ext cx="3561428" cy="936000"/>
           </a:xfrm>
         </p:spPr>
         <p:txBody>
@@ -3339,7 +3339,7 @@
               <a:spcBef>
                 <a:spcPts val="300"/>
               </a:spcBef>
-              <a:defRPr sz="1100">
+              <a:defRPr sz="1200">
                 <a:solidFill>
                   <a:schemeClr val="tx1">
                     <a:lumMod val="85000"/>
@@ -3357,7 +3357,7 @@
               </a:spcBef>
               <a:buFont typeface="맑은 고딕" panose="020B0503020000020004" pitchFamily="50" charset="-127"/>
               <a:buChar char="­"/>
-              <a:defRPr sz="1100">
+              <a:defRPr sz="1200">
                 <a:solidFill>
                   <a:schemeClr val="tx1">
                     <a:lumMod val="85000"/>
@@ -3411,7 +3411,7 @@
               <a:spcBef>
                 <a:spcPts val="300"/>
               </a:spcBef>
-              <a:defRPr sz="1100">
+              <a:defRPr sz="1200">
                 <a:solidFill>
                   <a:schemeClr val="tx1">
                     <a:lumMod val="85000"/>
@@ -3429,7 +3429,7 @@
               </a:spcBef>
               <a:buFont typeface="맑은 고딕" panose="020B0503020000020004" pitchFamily="50" charset="-127"/>
               <a:buChar char="­"/>
-              <a:defRPr sz="1100">
+              <a:defRPr sz="1200">
                 <a:solidFill>
                   <a:schemeClr val="tx1">
                     <a:lumMod val="85000"/>
@@ -3799,14 +3799,14 @@
                 <a:gridCol w="1061721">
                   <a:extLst>
                     <a:ext uri="{9D8B030D-6E8A-4147-A177-3AD203B41FA5}">
-                      <a16:colId xmlns:a16="http://schemas.microsoft.com/office/drawing/2014/main" xmlns="" val="20000"/>
+                      <a16:colId xmlns="" xmlns:a16="http://schemas.microsoft.com/office/drawing/2014/main" val="20000"/>
                     </a:ext>
                   </a:extLst>
                 </a:gridCol>
                 <a:gridCol w="1061721">
                   <a:extLst>
                     <a:ext uri="{9D8B030D-6E8A-4147-A177-3AD203B41FA5}">
-                      <a16:colId xmlns:a16="http://schemas.microsoft.com/office/drawing/2014/main" xmlns="" val="20001"/>
+                      <a16:colId xmlns="" xmlns:a16="http://schemas.microsoft.com/office/drawing/2014/main" val="20001"/>
                     </a:ext>
                   </a:extLst>
                 </a:gridCol>
@@ -4072,7 +4072,7 @@
                 </a:tc>
                 <a:extLst>
                   <a:ext uri="{0D108BD9-81ED-4DB2-BD59-A6C34878D82A}">
-                    <a16:rowId xmlns:a16="http://schemas.microsoft.com/office/drawing/2014/main" xmlns="" val="10000"/>
+                    <a16:rowId xmlns="" xmlns:a16="http://schemas.microsoft.com/office/drawing/2014/main" val="10000"/>
                   </a:ext>
                 </a:extLst>
               </a:tr>
@@ -4280,7 +4280,7 @@
                 </a:tc>
                 <a:extLst>
                   <a:ext uri="{0D108BD9-81ED-4DB2-BD59-A6C34878D82A}">
-                    <a16:rowId xmlns:a16="http://schemas.microsoft.com/office/drawing/2014/main" xmlns="" val="10001"/>
+                    <a16:rowId xmlns="" xmlns:a16="http://schemas.microsoft.com/office/drawing/2014/main" val="10001"/>
                   </a:ext>
                 </a:extLst>
               </a:tr>
@@ -4456,7 +4456,7 @@
           <p:cNvPr id="6" name="표 6">
             <a:extLst>
               <a:ext uri="{FF2B5EF4-FFF2-40B4-BE49-F238E27FC236}">
-                <a16:creationId xmlns:a16="http://schemas.microsoft.com/office/drawing/2014/main" xmlns="" id="{FABD37FA-5048-4585-BC20-8611CCD03331}"/>
+                <a16:creationId xmlns="" xmlns:a16="http://schemas.microsoft.com/office/drawing/2014/main" id="{FABD37FA-5048-4585-BC20-8611CCD03331}"/>
               </a:ext>
             </a:extLst>
           </p:cNvPr>
@@ -4485,14 +4485,14 @@
                 <a:gridCol w="1059088">
                   <a:extLst>
                     <a:ext uri="{9D8B030D-6E8A-4147-A177-3AD203B41FA5}">
-                      <a16:colId xmlns:a16="http://schemas.microsoft.com/office/drawing/2014/main" xmlns="" val="3453536458"/>
+                      <a16:colId xmlns="" xmlns:a16="http://schemas.microsoft.com/office/drawing/2014/main" val="3453536458"/>
                     </a:ext>
                   </a:extLst>
                 </a:gridCol>
                 <a:gridCol w="1059088">
                   <a:extLst>
                     <a:ext uri="{9D8B030D-6E8A-4147-A177-3AD203B41FA5}">
-                      <a16:colId xmlns:a16="http://schemas.microsoft.com/office/drawing/2014/main" xmlns="" val="3795268207"/>
+                      <a16:colId xmlns="" xmlns:a16="http://schemas.microsoft.com/office/drawing/2014/main" val="3795268207"/>
                     </a:ext>
                   </a:extLst>
                 </a:gridCol>
@@ -4590,7 +4590,7 @@
                 </a:tc>
                 <a:extLst>
                   <a:ext uri="{0D108BD9-81ED-4DB2-BD59-A6C34878D82A}">
-                    <a16:rowId xmlns:a16="http://schemas.microsoft.com/office/drawing/2014/main" xmlns="" val="3283157434"/>
+                    <a16:rowId xmlns="" xmlns:a16="http://schemas.microsoft.com/office/drawing/2014/main" val="3283157434"/>
                   </a:ext>
                 </a:extLst>
               </a:tr>
@@ -4687,7 +4687,7 @@
                 </a:tc>
                 <a:extLst>
                   <a:ext uri="{0D108BD9-81ED-4DB2-BD59-A6C34878D82A}">
-                    <a16:rowId xmlns:a16="http://schemas.microsoft.com/office/drawing/2014/main" xmlns="" val="2011600100"/>
+                    <a16:rowId xmlns="" xmlns:a16="http://schemas.microsoft.com/office/drawing/2014/main" val="2011600100"/>
                   </a:ext>
                 </a:extLst>
               </a:tr>
@@ -4784,7 +4784,7 @@
                 </a:tc>
                 <a:extLst>
                   <a:ext uri="{0D108BD9-81ED-4DB2-BD59-A6C34878D82A}">
-                    <a16:rowId xmlns:a16="http://schemas.microsoft.com/office/drawing/2014/main" xmlns="" val="4144869136"/>
+                    <a16:rowId xmlns="" xmlns:a16="http://schemas.microsoft.com/office/drawing/2014/main" val="4144869136"/>
                   </a:ext>
                 </a:extLst>
               </a:tr>
@@ -4881,7 +4881,7 @@
                 </a:tc>
                 <a:extLst>
                   <a:ext uri="{0D108BD9-81ED-4DB2-BD59-A6C34878D82A}">
-                    <a16:rowId xmlns:a16="http://schemas.microsoft.com/office/drawing/2014/main" xmlns="" val="2368941102"/>
+                    <a16:rowId xmlns="" xmlns:a16="http://schemas.microsoft.com/office/drawing/2014/main" val="2368941102"/>
                   </a:ext>
                 </a:extLst>
               </a:tr>
@@ -5872,35 +5872,35 @@
                 <a:gridCol w="880644">
                   <a:extLst>
                     <a:ext uri="{9D8B030D-6E8A-4147-A177-3AD203B41FA5}">
-                      <a16:colId xmlns:a16="http://schemas.microsoft.com/office/drawing/2014/main" xmlns="" val="20000"/>
+                      <a16:colId xmlns="" xmlns:a16="http://schemas.microsoft.com/office/drawing/2014/main" val="20000"/>
                     </a:ext>
                   </a:extLst>
                 </a:gridCol>
                 <a:gridCol w="880644">
                   <a:extLst>
                     <a:ext uri="{9D8B030D-6E8A-4147-A177-3AD203B41FA5}">
-                      <a16:colId xmlns:a16="http://schemas.microsoft.com/office/drawing/2014/main" xmlns="" val="2960935981"/>
+                      <a16:colId xmlns="" xmlns:a16="http://schemas.microsoft.com/office/drawing/2014/main" val="2960935981"/>
                     </a:ext>
                   </a:extLst>
                 </a:gridCol>
                 <a:gridCol w="880644">
                   <a:extLst>
                     <a:ext uri="{9D8B030D-6E8A-4147-A177-3AD203B41FA5}">
-                      <a16:colId xmlns:a16="http://schemas.microsoft.com/office/drawing/2014/main" xmlns="" val="20001"/>
+                      <a16:colId xmlns="" xmlns:a16="http://schemas.microsoft.com/office/drawing/2014/main" val="20001"/>
                     </a:ext>
                   </a:extLst>
                 </a:gridCol>
                 <a:gridCol w="880644">
                   <a:extLst>
                     <a:ext uri="{9D8B030D-6E8A-4147-A177-3AD203B41FA5}">
-                      <a16:colId xmlns:a16="http://schemas.microsoft.com/office/drawing/2014/main" xmlns="" val="20002"/>
+                      <a16:colId xmlns="" xmlns:a16="http://schemas.microsoft.com/office/drawing/2014/main" val="20002"/>
                     </a:ext>
                   </a:extLst>
                 </a:gridCol>
                 <a:gridCol w="880644">
                   <a:extLst>
                     <a:ext uri="{9D8B030D-6E8A-4147-A177-3AD203B41FA5}">
-                      <a16:colId xmlns:a16="http://schemas.microsoft.com/office/drawing/2014/main" xmlns="" val="20003"/>
+                      <a16:colId xmlns="" xmlns:a16="http://schemas.microsoft.com/office/drawing/2014/main" val="20003"/>
                     </a:ext>
                   </a:extLst>
                 </a:gridCol>
@@ -6251,7 +6251,7 @@
                 </a:tc>
                 <a:extLst>
                   <a:ext uri="{0D108BD9-81ED-4DB2-BD59-A6C34878D82A}">
-                    <a16:rowId xmlns:a16="http://schemas.microsoft.com/office/drawing/2014/main" xmlns="" val="10000"/>
+                    <a16:rowId xmlns="" xmlns:a16="http://schemas.microsoft.com/office/drawing/2014/main" val="10000"/>
                   </a:ext>
                 </a:extLst>
               </a:tr>
@@ -6539,7 +6539,7 @@
                 </a:tc>
                 <a:extLst>
                   <a:ext uri="{0D108BD9-81ED-4DB2-BD59-A6C34878D82A}">
-                    <a16:rowId xmlns:a16="http://schemas.microsoft.com/office/drawing/2014/main" xmlns="" val="10001"/>
+                    <a16:rowId xmlns="" xmlns:a16="http://schemas.microsoft.com/office/drawing/2014/main" val="10001"/>
                   </a:ext>
                 </a:extLst>
               </a:tr>
@@ -7093,7 +7093,7 @@
             <p:cNvPr id="103" name="그룹 102">
               <a:extLst>
                 <a:ext uri="{FF2B5EF4-FFF2-40B4-BE49-F238E27FC236}">
-                  <a16:creationId xmlns:a16="http://schemas.microsoft.com/office/drawing/2014/main" xmlns="" id="{F764A971-7E15-4AC0-B56B-D0AEB9381FCD}"/>
+                  <a16:creationId xmlns="" xmlns:a16="http://schemas.microsoft.com/office/drawing/2014/main" id="{F764A971-7E15-4AC0-B56B-D0AEB9381FCD}"/>
                 </a:ext>
               </a:extLst>
             </p:cNvPr>
@@ -7118,7 +7118,7 @@
               <p:cNvPr id="109" name="Freeform 39">
                 <a:extLst>
                   <a:ext uri="{FF2B5EF4-FFF2-40B4-BE49-F238E27FC236}">
-                    <a16:creationId xmlns:a16="http://schemas.microsoft.com/office/drawing/2014/main" xmlns="" id="{C642C60A-EDCD-4418-AF22-CE9228EC1300}"/>
+                    <a16:creationId xmlns="" xmlns:a16="http://schemas.microsoft.com/office/drawing/2014/main" id="{C642C60A-EDCD-4418-AF22-CE9228EC1300}"/>
                   </a:ext>
                 </a:extLst>
               </p:cNvPr>
@@ -8848,7 +8848,7 @@
               <p:cNvPr id="110" name="Freeform 40">
                 <a:extLst>
                   <a:ext uri="{FF2B5EF4-FFF2-40B4-BE49-F238E27FC236}">
-                    <a16:creationId xmlns:a16="http://schemas.microsoft.com/office/drawing/2014/main" xmlns="" id="{31D280BA-97C0-4816-A2C9-713BBD103CC6}"/>
+                    <a16:creationId xmlns="" xmlns:a16="http://schemas.microsoft.com/office/drawing/2014/main" id="{31D280BA-97C0-4816-A2C9-713BBD103CC6}"/>
                   </a:ext>
                 </a:extLst>
               </p:cNvPr>
@@ -9445,7 +9445,7 @@
             <p:cNvPr id="104" name="Freeform 41">
               <a:extLst>
                 <a:ext uri="{FF2B5EF4-FFF2-40B4-BE49-F238E27FC236}">
-                  <a16:creationId xmlns:a16="http://schemas.microsoft.com/office/drawing/2014/main" xmlns="" id="{C24B5697-9EAC-429F-9AE3-9ED30FC4F770}"/>
+                  <a16:creationId xmlns="" xmlns:a16="http://schemas.microsoft.com/office/drawing/2014/main" id="{C24B5697-9EAC-429F-9AE3-9ED30FC4F770}"/>
                 </a:ext>
               </a:extLst>
             </p:cNvPr>
@@ -11374,7 +11374,7 @@
             <p:cNvPr id="106" name="TextBox 105">
               <a:extLst>
                 <a:ext uri="{FF2B5EF4-FFF2-40B4-BE49-F238E27FC236}">
-                  <a16:creationId xmlns:a16="http://schemas.microsoft.com/office/drawing/2014/main" xmlns="" id="{749C370C-59ED-482F-95CC-01B9A670EECB}"/>
+                  <a16:creationId xmlns="" xmlns:a16="http://schemas.microsoft.com/office/drawing/2014/main" id="{749C370C-59ED-482F-95CC-01B9A670EECB}"/>
                 </a:ext>
               </a:extLst>
             </p:cNvPr>
@@ -11417,7 +11417,7 @@
             <p:cNvPr id="107" name="TextBox 106">
               <a:extLst>
                 <a:ext uri="{FF2B5EF4-FFF2-40B4-BE49-F238E27FC236}">
-                  <a16:creationId xmlns:a16="http://schemas.microsoft.com/office/drawing/2014/main" xmlns="" id="{749C370C-59ED-482F-95CC-01B9A670EECB}"/>
+                  <a16:creationId xmlns="" xmlns:a16="http://schemas.microsoft.com/office/drawing/2014/main" id="{749C370C-59ED-482F-95CC-01B9A670EECB}"/>
                 </a:ext>
               </a:extLst>
             </p:cNvPr>
@@ -12048,7 +12048,7 @@
                 <a:gridCol w="1998983">
                   <a:extLst>
                     <a:ext uri="{9D8B030D-6E8A-4147-A177-3AD203B41FA5}">
-                      <a16:colId xmlns:a16="http://schemas.microsoft.com/office/drawing/2014/main" xmlns="" val="20000"/>
+                      <a16:colId xmlns="" xmlns:a16="http://schemas.microsoft.com/office/drawing/2014/main" val="20000"/>
                     </a:ext>
                   </a:extLst>
                 </a:gridCol>
@@ -12123,7 +12123,7 @@
                 </a:tc>
                 <a:extLst>
                   <a:ext uri="{0D108BD9-81ED-4DB2-BD59-A6C34878D82A}">
-                    <a16:rowId xmlns:a16="http://schemas.microsoft.com/office/drawing/2014/main" xmlns="" val="10000"/>
+                    <a16:rowId xmlns="" xmlns:a16="http://schemas.microsoft.com/office/drawing/2014/main" val="10000"/>
                   </a:ext>
                 </a:extLst>
               </a:tr>
@@ -12159,14 +12159,14 @@
                 <a:gridCol w="807555">
                   <a:extLst>
                     <a:ext uri="{9D8B030D-6E8A-4147-A177-3AD203B41FA5}">
-                      <a16:colId xmlns:a16="http://schemas.microsoft.com/office/drawing/2014/main" xmlns="" val="20000"/>
+                      <a16:colId xmlns="" xmlns:a16="http://schemas.microsoft.com/office/drawing/2014/main" val="20000"/>
                     </a:ext>
                   </a:extLst>
                 </a:gridCol>
                 <a:gridCol w="1192044">
                   <a:extLst>
                     <a:ext uri="{9D8B030D-6E8A-4147-A177-3AD203B41FA5}">
-                      <a16:colId xmlns:a16="http://schemas.microsoft.com/office/drawing/2014/main" xmlns="" val="20001"/>
+                      <a16:colId xmlns="" xmlns:a16="http://schemas.microsoft.com/office/drawing/2014/main" val="20001"/>
                     </a:ext>
                   </a:extLst>
                 </a:gridCol>
@@ -12314,7 +12314,7 @@
                 </a:tc>
                 <a:extLst>
                   <a:ext uri="{0D108BD9-81ED-4DB2-BD59-A6C34878D82A}">
-                    <a16:rowId xmlns:a16="http://schemas.microsoft.com/office/drawing/2014/main" xmlns="" val="10001"/>
+                    <a16:rowId xmlns="" xmlns:a16="http://schemas.microsoft.com/office/drawing/2014/main" val="10001"/>
                   </a:ext>
                 </a:extLst>
               </a:tr>
@@ -12730,7 +12730,7 @@
                 <a:gridCol w="1999598">
                   <a:extLst>
                     <a:ext uri="{9D8B030D-6E8A-4147-A177-3AD203B41FA5}">
-                      <a16:colId xmlns:a16="http://schemas.microsoft.com/office/drawing/2014/main" xmlns="" val="20000"/>
+                      <a16:colId xmlns="" xmlns:a16="http://schemas.microsoft.com/office/drawing/2014/main" val="20000"/>
                     </a:ext>
                   </a:extLst>
                 </a:gridCol>
@@ -12805,7 +12805,7 @@
                 </a:tc>
                 <a:extLst>
                   <a:ext uri="{0D108BD9-81ED-4DB2-BD59-A6C34878D82A}">
-                    <a16:rowId xmlns:a16="http://schemas.microsoft.com/office/drawing/2014/main" xmlns="" val="10000"/>
+                    <a16:rowId xmlns="" xmlns:a16="http://schemas.microsoft.com/office/drawing/2014/main" val="10000"/>
                   </a:ext>
                 </a:extLst>
               </a:tr>
@@ -12903,49 +12903,49 @@
                 <a:gridCol w="292263">
                   <a:extLst>
                     <a:ext uri="{9D8B030D-6E8A-4147-A177-3AD203B41FA5}">
-                      <a16:colId xmlns:a16="http://schemas.microsoft.com/office/drawing/2014/main" xmlns="" val="20000"/>
+                      <a16:colId xmlns="" xmlns:a16="http://schemas.microsoft.com/office/drawing/2014/main" val="20000"/>
                     </a:ext>
                   </a:extLst>
                 </a:gridCol>
                 <a:gridCol w="292263">
                   <a:extLst>
                     <a:ext uri="{9D8B030D-6E8A-4147-A177-3AD203B41FA5}">
-                      <a16:colId xmlns:a16="http://schemas.microsoft.com/office/drawing/2014/main" xmlns="" val="20001"/>
+                      <a16:colId xmlns="" xmlns:a16="http://schemas.microsoft.com/office/drawing/2014/main" val="20001"/>
                     </a:ext>
                   </a:extLst>
                 </a:gridCol>
                 <a:gridCol w="292263">
                   <a:extLst>
                     <a:ext uri="{9D8B030D-6E8A-4147-A177-3AD203B41FA5}">
-                      <a16:colId xmlns:a16="http://schemas.microsoft.com/office/drawing/2014/main" xmlns="" val="20002"/>
+                      <a16:colId xmlns="" xmlns:a16="http://schemas.microsoft.com/office/drawing/2014/main" val="20002"/>
                     </a:ext>
                   </a:extLst>
                 </a:gridCol>
                 <a:gridCol w="292263">
                   <a:extLst>
                     <a:ext uri="{9D8B030D-6E8A-4147-A177-3AD203B41FA5}">
-                      <a16:colId xmlns:a16="http://schemas.microsoft.com/office/drawing/2014/main" xmlns="" val="20003"/>
+                      <a16:colId xmlns="" xmlns:a16="http://schemas.microsoft.com/office/drawing/2014/main" val="20003"/>
                     </a:ext>
                   </a:extLst>
                 </a:gridCol>
                 <a:gridCol w="292263">
                   <a:extLst>
                     <a:ext uri="{9D8B030D-6E8A-4147-A177-3AD203B41FA5}">
-                      <a16:colId xmlns:a16="http://schemas.microsoft.com/office/drawing/2014/main" xmlns="" val="20004"/>
+                      <a16:colId xmlns="" xmlns:a16="http://schemas.microsoft.com/office/drawing/2014/main" val="20004"/>
                     </a:ext>
                   </a:extLst>
                 </a:gridCol>
                 <a:gridCol w="292263">
                   <a:extLst>
                     <a:ext uri="{9D8B030D-6E8A-4147-A177-3AD203B41FA5}">
-                      <a16:colId xmlns:a16="http://schemas.microsoft.com/office/drawing/2014/main" xmlns="" val="20005"/>
+                      <a16:colId xmlns="" xmlns:a16="http://schemas.microsoft.com/office/drawing/2014/main" val="20005"/>
                     </a:ext>
                   </a:extLst>
                 </a:gridCol>
                 <a:gridCol w="292263">
                   <a:extLst>
                     <a:ext uri="{9D8B030D-6E8A-4147-A177-3AD203B41FA5}">
-                      <a16:colId xmlns:a16="http://schemas.microsoft.com/office/drawing/2014/main" xmlns="" val="3064443110"/>
+                      <a16:colId xmlns="" xmlns:a16="http://schemas.microsoft.com/office/drawing/2014/main" val="3064443110"/>
                     </a:ext>
                   </a:extLst>
                 </a:gridCol>
@@ -13443,7 +13443,7 @@
                 </a:tc>
                 <a:extLst>
                   <a:ext uri="{0D108BD9-81ED-4DB2-BD59-A6C34878D82A}">
-                    <a16:rowId xmlns:a16="http://schemas.microsoft.com/office/drawing/2014/main" xmlns="" val="10000"/>
+                    <a16:rowId xmlns="" xmlns:a16="http://schemas.microsoft.com/office/drawing/2014/main" val="10000"/>
                   </a:ext>
                 </a:extLst>
               </a:tr>
@@ -13835,7 +13835,7 @@
                 </a:tc>
                 <a:extLst>
                   <a:ext uri="{0D108BD9-81ED-4DB2-BD59-A6C34878D82A}">
-                    <a16:rowId xmlns:a16="http://schemas.microsoft.com/office/drawing/2014/main" xmlns="" val="10001"/>
+                    <a16:rowId xmlns="" xmlns:a16="http://schemas.microsoft.com/office/drawing/2014/main" val="10001"/>
                   </a:ext>
                 </a:extLst>
               </a:tr>
@@ -14725,7 +14725,7 @@
           <p:cNvPr id="116" name="텍스트 개체 틀 2">
             <a:extLst>
               <a:ext uri="{FF2B5EF4-FFF2-40B4-BE49-F238E27FC236}">
-                <a16:creationId xmlns:a16="http://schemas.microsoft.com/office/drawing/2014/main" xmlns="" id="{39356596-B182-4A91-A651-701193D59ADC}"/>
+                <a16:creationId xmlns="" xmlns:a16="http://schemas.microsoft.com/office/drawing/2014/main" id="{39356596-B182-4A91-A651-701193D59ADC}"/>
               </a:ext>
             </a:extLst>
           </p:cNvPr>
@@ -14793,7 +14793,7 @@
           <p:cNvPr id="117" name="표 116">
             <a:extLst>
               <a:ext uri="{FF2B5EF4-FFF2-40B4-BE49-F238E27FC236}">
-                <a16:creationId xmlns:a16="http://schemas.microsoft.com/office/drawing/2014/main" xmlns="" id="{2528AC38-D433-446B-9ECE-D440DD6DD60A}"/>
+                <a16:creationId xmlns="" xmlns:a16="http://schemas.microsoft.com/office/drawing/2014/main" id="{2528AC38-D433-446B-9ECE-D440DD6DD60A}"/>
               </a:ext>
             </a:extLst>
           </p:cNvPr>
@@ -14822,28 +14822,28 @@
                 <a:gridCol w="1097286">
                   <a:extLst>
                     <a:ext uri="{9D8B030D-6E8A-4147-A177-3AD203B41FA5}">
-                      <a16:colId xmlns:a16="http://schemas.microsoft.com/office/drawing/2014/main" xmlns="" val="20000"/>
+                      <a16:colId xmlns="" xmlns:a16="http://schemas.microsoft.com/office/drawing/2014/main" val="20000"/>
                     </a:ext>
                   </a:extLst>
                 </a:gridCol>
                 <a:gridCol w="1097286">
                   <a:extLst>
                     <a:ext uri="{9D8B030D-6E8A-4147-A177-3AD203B41FA5}">
-                      <a16:colId xmlns:a16="http://schemas.microsoft.com/office/drawing/2014/main" xmlns="" val="2960935981"/>
+                      <a16:colId xmlns="" xmlns:a16="http://schemas.microsoft.com/office/drawing/2014/main" val="2960935981"/>
                     </a:ext>
                   </a:extLst>
                 </a:gridCol>
                 <a:gridCol w="1097286">
                   <a:extLst>
                     <a:ext uri="{9D8B030D-6E8A-4147-A177-3AD203B41FA5}">
-                      <a16:colId xmlns:a16="http://schemas.microsoft.com/office/drawing/2014/main" xmlns="" val="20001"/>
+                      <a16:colId xmlns="" xmlns:a16="http://schemas.microsoft.com/office/drawing/2014/main" val="20001"/>
                     </a:ext>
                   </a:extLst>
                 </a:gridCol>
                 <a:gridCol w="1097286">
                   <a:extLst>
                     <a:ext uri="{9D8B030D-6E8A-4147-A177-3AD203B41FA5}">
-                      <a16:colId xmlns:a16="http://schemas.microsoft.com/office/drawing/2014/main" xmlns="" val="20002"/>
+                      <a16:colId xmlns="" xmlns:a16="http://schemas.microsoft.com/office/drawing/2014/main" val="20002"/>
                     </a:ext>
                   </a:extLst>
                 </a:gridCol>
@@ -15131,7 +15131,7 @@
                 </a:tc>
                 <a:extLst>
                   <a:ext uri="{0D108BD9-81ED-4DB2-BD59-A6C34878D82A}">
-                    <a16:rowId xmlns:a16="http://schemas.microsoft.com/office/drawing/2014/main" xmlns="" val="10000"/>
+                    <a16:rowId xmlns="" xmlns:a16="http://schemas.microsoft.com/office/drawing/2014/main" val="10000"/>
                   </a:ext>
                 </a:extLst>
               </a:tr>
@@ -15356,7 +15356,7 @@
                 </a:tc>
                 <a:extLst>
                   <a:ext uri="{0D108BD9-81ED-4DB2-BD59-A6C34878D82A}">
-                    <a16:rowId xmlns:a16="http://schemas.microsoft.com/office/drawing/2014/main" xmlns="" val="10001"/>
+                    <a16:rowId xmlns="" xmlns:a16="http://schemas.microsoft.com/office/drawing/2014/main" val="10001"/>
                   </a:ext>
                 </a:extLst>
               </a:tr>
@@ -15809,7 +15809,7 @@
           <p:cNvPr id="118" name="텍스트 개체 틀 2">
             <a:extLst>
               <a:ext uri="{FF2B5EF4-FFF2-40B4-BE49-F238E27FC236}">
-                <a16:creationId xmlns:a16="http://schemas.microsoft.com/office/drawing/2014/main" xmlns="" id="{BEE0A621-CF2E-4DFD-AF9C-331BFBF31C37}"/>
+                <a16:creationId xmlns="" xmlns:a16="http://schemas.microsoft.com/office/drawing/2014/main" id="{BEE0A621-CF2E-4DFD-AF9C-331BFBF31C37}"/>
               </a:ext>
             </a:extLst>
           </p:cNvPr>
@@ -15877,7 +15877,7 @@
           <p:cNvPr id="119" name="텍스트 개체 틀 2">
             <a:extLst>
               <a:ext uri="{FF2B5EF4-FFF2-40B4-BE49-F238E27FC236}">
-                <a16:creationId xmlns:a16="http://schemas.microsoft.com/office/drawing/2014/main" xmlns="" id="{CCF3F163-C6DD-4D14-81EA-84C4A229296B}"/>
+                <a16:creationId xmlns="" xmlns:a16="http://schemas.microsoft.com/office/drawing/2014/main" id="{CCF3F163-C6DD-4D14-81EA-84C4A229296B}"/>
               </a:ext>
             </a:extLst>
           </p:cNvPr>
@@ -15945,7 +15945,7 @@
           <p:cNvPr id="120" name="텍스트 개체 틀 2">
             <a:extLst>
               <a:ext uri="{FF2B5EF4-FFF2-40B4-BE49-F238E27FC236}">
-                <a16:creationId xmlns:a16="http://schemas.microsoft.com/office/drawing/2014/main" xmlns="" id="{63137AD7-36A2-4F43-B02C-18BB555AA6C6}"/>
+                <a16:creationId xmlns="" xmlns:a16="http://schemas.microsoft.com/office/drawing/2014/main" id="{63137AD7-36A2-4F43-B02C-18BB555AA6C6}"/>
               </a:ext>
             </a:extLst>
           </p:cNvPr>
@@ -16013,7 +16013,7 @@
           <p:cNvPr id="121" name="텍스트 개체 틀 2">
             <a:extLst>
               <a:ext uri="{FF2B5EF4-FFF2-40B4-BE49-F238E27FC236}">
-                <a16:creationId xmlns:a16="http://schemas.microsoft.com/office/drawing/2014/main" xmlns="" id="{BF6739D5-8903-46CE-9F68-36C4FB798FCE}"/>
+                <a16:creationId xmlns="" xmlns:a16="http://schemas.microsoft.com/office/drawing/2014/main" id="{BF6739D5-8903-46CE-9F68-36C4FB798FCE}"/>
               </a:ext>
             </a:extLst>
           </p:cNvPr>
@@ -16081,7 +16081,7 @@
           <p:cNvPr id="122" name="텍스트 개체 틀 2">
             <a:extLst>
               <a:ext uri="{FF2B5EF4-FFF2-40B4-BE49-F238E27FC236}">
-                <a16:creationId xmlns:a16="http://schemas.microsoft.com/office/drawing/2014/main" xmlns="" id="{F82419C1-B86B-454F-9660-9AFB504B7C49}"/>
+                <a16:creationId xmlns="" xmlns:a16="http://schemas.microsoft.com/office/drawing/2014/main" id="{F82419C1-B86B-454F-9660-9AFB504B7C49}"/>
               </a:ext>
             </a:extLst>
           </p:cNvPr>
@@ -16149,7 +16149,7 @@
           <p:cNvPr id="123" name="텍스트 개체 틀 2">
             <a:extLst>
               <a:ext uri="{FF2B5EF4-FFF2-40B4-BE49-F238E27FC236}">
-                <a16:creationId xmlns:a16="http://schemas.microsoft.com/office/drawing/2014/main" xmlns="" id="{40B4DE51-D337-491E-9F95-2948613711D2}"/>
+                <a16:creationId xmlns="" xmlns:a16="http://schemas.microsoft.com/office/drawing/2014/main" id="{40B4DE51-D337-491E-9F95-2948613711D2}"/>
               </a:ext>
             </a:extLst>
           </p:cNvPr>
@@ -16217,7 +16217,7 @@
           <p:cNvPr id="124" name="텍스트 개체 틀 2">
             <a:extLst>
               <a:ext uri="{FF2B5EF4-FFF2-40B4-BE49-F238E27FC236}">
-                <a16:creationId xmlns:a16="http://schemas.microsoft.com/office/drawing/2014/main" xmlns="" id="{41C28B4A-70A1-496D-ABEA-73803A110D10}"/>
+                <a16:creationId xmlns="" xmlns:a16="http://schemas.microsoft.com/office/drawing/2014/main" id="{41C28B4A-70A1-496D-ABEA-73803A110D10}"/>
               </a:ext>
             </a:extLst>
           </p:cNvPr>
@@ -16285,7 +16285,7 @@
           <p:cNvPr id="125" name="텍스트 개체 틀 2">
             <a:extLst>
               <a:ext uri="{FF2B5EF4-FFF2-40B4-BE49-F238E27FC236}">
-                <a16:creationId xmlns:a16="http://schemas.microsoft.com/office/drawing/2014/main" xmlns="" id="{6AD8BD0A-5D58-460E-8BF5-50E93FDC18E4}"/>
+                <a16:creationId xmlns="" xmlns:a16="http://schemas.microsoft.com/office/drawing/2014/main" id="{6AD8BD0A-5D58-460E-8BF5-50E93FDC18E4}"/>
               </a:ext>
             </a:extLst>
           </p:cNvPr>
@@ -16353,7 +16353,7 @@
           <p:cNvPr id="134" name="텍스트 개체 틀 2">
             <a:extLst>
               <a:ext uri="{FF2B5EF4-FFF2-40B4-BE49-F238E27FC236}">
-                <a16:creationId xmlns:a16="http://schemas.microsoft.com/office/drawing/2014/main" xmlns="" id="{38527D15-F4A4-463D-8D4E-D09F906CCE0A}"/>
+                <a16:creationId xmlns="" xmlns:a16="http://schemas.microsoft.com/office/drawing/2014/main" id="{38527D15-F4A4-463D-8D4E-D09F906CCE0A}"/>
               </a:ext>
             </a:extLst>
           </p:cNvPr>
@@ -16421,7 +16421,7 @@
           <p:cNvPr id="140" name="텍스트 개체 틀 2">
             <a:extLst>
               <a:ext uri="{FF2B5EF4-FFF2-40B4-BE49-F238E27FC236}">
-                <a16:creationId xmlns:a16="http://schemas.microsoft.com/office/drawing/2014/main" xmlns="" id="{5C7B6C29-E283-436D-AFEA-80C207DB615F}"/>
+                <a16:creationId xmlns="" xmlns:a16="http://schemas.microsoft.com/office/drawing/2014/main" id="{5C7B6C29-E283-436D-AFEA-80C207DB615F}"/>
               </a:ext>
             </a:extLst>
           </p:cNvPr>
@@ -16489,7 +16489,7 @@
           <p:cNvPr id="206" name="TextBox 205">
             <a:extLst>
               <a:ext uri="{FF2B5EF4-FFF2-40B4-BE49-F238E27FC236}">
-                <a16:creationId xmlns:a16="http://schemas.microsoft.com/office/drawing/2014/main" xmlns="" id="{A6A5BCC0-E4CB-4597-96C3-C861C547865C}"/>
+                <a16:creationId xmlns="" xmlns:a16="http://schemas.microsoft.com/office/drawing/2014/main" id="{A6A5BCC0-E4CB-4597-96C3-C861C547865C}"/>
               </a:ext>
             </a:extLst>
           </p:cNvPr>
@@ -16531,7 +16531,7 @@
           <p:cNvPr id="208" name="TextBox 207">
             <a:extLst>
               <a:ext uri="{FF2B5EF4-FFF2-40B4-BE49-F238E27FC236}">
-                <a16:creationId xmlns:a16="http://schemas.microsoft.com/office/drawing/2014/main" xmlns="" id="{D8FA3B77-5413-4183-89C1-C9B92C4210ED}"/>
+                <a16:creationId xmlns="" xmlns:a16="http://schemas.microsoft.com/office/drawing/2014/main" id="{D8FA3B77-5413-4183-89C1-C9B92C4210ED}"/>
               </a:ext>
             </a:extLst>
           </p:cNvPr>
@@ -16573,7 +16573,7 @@
           <p:cNvPr id="210" name="TextBox 209">
             <a:extLst>
               <a:ext uri="{FF2B5EF4-FFF2-40B4-BE49-F238E27FC236}">
-                <a16:creationId xmlns:a16="http://schemas.microsoft.com/office/drawing/2014/main" xmlns="" id="{56ABD502-0C36-4EFF-A923-8A6AA5565C47}"/>
+                <a16:creationId xmlns="" xmlns:a16="http://schemas.microsoft.com/office/drawing/2014/main" id="{56ABD502-0C36-4EFF-A923-8A6AA5565C47}"/>
               </a:ext>
             </a:extLst>
           </p:cNvPr>
@@ -16615,7 +16615,7 @@
           <p:cNvPr id="212" name="TextBox 211">
             <a:extLst>
               <a:ext uri="{FF2B5EF4-FFF2-40B4-BE49-F238E27FC236}">
-                <a16:creationId xmlns:a16="http://schemas.microsoft.com/office/drawing/2014/main" xmlns="" id="{FD3C6A2B-C055-431F-9A46-8C321EF4FD56}"/>
+                <a16:creationId xmlns="" xmlns:a16="http://schemas.microsoft.com/office/drawing/2014/main" id="{FD3C6A2B-C055-431F-9A46-8C321EF4FD56}"/>
               </a:ext>
             </a:extLst>
           </p:cNvPr>
@@ -16660,7 +16660,7 @@
           <p:cNvPr id="9" name="직사각형 8">
             <a:extLst>
               <a:ext uri="{FF2B5EF4-FFF2-40B4-BE49-F238E27FC236}">
-                <a16:creationId xmlns:a16="http://schemas.microsoft.com/office/drawing/2014/main" xmlns="" id="{A200AC85-3E95-4C11-8B9D-285B78F0FDB2}"/>
+                <a16:creationId xmlns="" xmlns:a16="http://schemas.microsoft.com/office/drawing/2014/main" id="{A200AC85-3E95-4C11-8B9D-285B78F0FDB2}"/>
               </a:ext>
             </a:extLst>
           </p:cNvPr>
@@ -16714,7 +16714,7 @@
           <p:cNvPr id="221" name="직사각형 220">
             <a:extLst>
               <a:ext uri="{FF2B5EF4-FFF2-40B4-BE49-F238E27FC236}">
-                <a16:creationId xmlns:a16="http://schemas.microsoft.com/office/drawing/2014/main" xmlns="" id="{CD8FD382-C129-4EBE-8704-70A6A42909A9}"/>
+                <a16:creationId xmlns="" xmlns:a16="http://schemas.microsoft.com/office/drawing/2014/main" id="{CD8FD382-C129-4EBE-8704-70A6A42909A9}"/>
               </a:ext>
             </a:extLst>
           </p:cNvPr>
@@ -16768,7 +16768,7 @@
           <p:cNvPr id="222" name="직사각형 221">
             <a:extLst>
               <a:ext uri="{FF2B5EF4-FFF2-40B4-BE49-F238E27FC236}">
-                <a16:creationId xmlns:a16="http://schemas.microsoft.com/office/drawing/2014/main" xmlns="" id="{C274FD8D-FF01-4228-A9D4-8419ED2A6F23}"/>
+                <a16:creationId xmlns="" xmlns:a16="http://schemas.microsoft.com/office/drawing/2014/main" id="{C274FD8D-FF01-4228-A9D4-8419ED2A6F23}"/>
               </a:ext>
             </a:extLst>
           </p:cNvPr>
@@ -16822,7 +16822,7 @@
           <p:cNvPr id="223" name="직사각형 222">
             <a:extLst>
               <a:ext uri="{FF2B5EF4-FFF2-40B4-BE49-F238E27FC236}">
-                <a16:creationId xmlns:a16="http://schemas.microsoft.com/office/drawing/2014/main" xmlns="" id="{A2A4BE82-4EE5-49CF-8A3A-9CC94E056583}"/>
+                <a16:creationId xmlns="" xmlns:a16="http://schemas.microsoft.com/office/drawing/2014/main" id="{A2A4BE82-4EE5-49CF-8A3A-9CC94E056583}"/>
               </a:ext>
             </a:extLst>
           </p:cNvPr>
@@ -16876,7 +16876,7 @@
           <p:cNvPr id="244" name="직사각형 243">
             <a:extLst>
               <a:ext uri="{FF2B5EF4-FFF2-40B4-BE49-F238E27FC236}">
-                <a16:creationId xmlns:a16="http://schemas.microsoft.com/office/drawing/2014/main" xmlns="" id="{238D2C57-D184-4A22-93E7-21730AD56375}"/>
+                <a16:creationId xmlns="" xmlns:a16="http://schemas.microsoft.com/office/drawing/2014/main" id="{238D2C57-D184-4A22-93E7-21730AD56375}"/>
               </a:ext>
             </a:extLst>
           </p:cNvPr>
@@ -17001,7 +17001,7 @@
           <p:cNvPr id="88" name="텍스트 개체 틀 2">
             <a:extLst>
               <a:ext uri="{FF2B5EF4-FFF2-40B4-BE49-F238E27FC236}">
-                <a16:creationId xmlns:a16="http://schemas.microsoft.com/office/drawing/2014/main" xmlns="" id="{BEE0A621-CF2E-4DFD-AF9C-331BFBF31C37}"/>
+                <a16:creationId xmlns="" xmlns:a16="http://schemas.microsoft.com/office/drawing/2014/main" id="{BEE0A621-CF2E-4DFD-AF9C-331BFBF31C37}"/>
               </a:ext>
             </a:extLst>
           </p:cNvPr>
@@ -17069,7 +17069,7 @@
           <p:cNvPr id="89" name="텍스트 개체 틀 2">
             <a:extLst>
               <a:ext uri="{FF2B5EF4-FFF2-40B4-BE49-F238E27FC236}">
-                <a16:creationId xmlns:a16="http://schemas.microsoft.com/office/drawing/2014/main" xmlns="" id="{BEE0A621-CF2E-4DFD-AF9C-331BFBF31C37}"/>
+                <a16:creationId xmlns="" xmlns:a16="http://schemas.microsoft.com/office/drawing/2014/main" id="{BEE0A621-CF2E-4DFD-AF9C-331BFBF31C37}"/>
               </a:ext>
             </a:extLst>
           </p:cNvPr>
@@ -17137,7 +17137,7 @@
           <p:cNvPr id="90" name="텍스트 개체 틀 2">
             <a:extLst>
               <a:ext uri="{FF2B5EF4-FFF2-40B4-BE49-F238E27FC236}">
-                <a16:creationId xmlns:a16="http://schemas.microsoft.com/office/drawing/2014/main" xmlns="" id="{BEE0A621-CF2E-4DFD-AF9C-331BFBF31C37}"/>
+                <a16:creationId xmlns="" xmlns:a16="http://schemas.microsoft.com/office/drawing/2014/main" id="{BEE0A621-CF2E-4DFD-AF9C-331BFBF31C37}"/>
               </a:ext>
             </a:extLst>
           </p:cNvPr>
@@ -17205,7 +17205,7 @@
           <p:cNvPr id="91" name="텍스트 개체 틀 2">
             <a:extLst>
               <a:ext uri="{FF2B5EF4-FFF2-40B4-BE49-F238E27FC236}">
-                <a16:creationId xmlns:a16="http://schemas.microsoft.com/office/drawing/2014/main" xmlns="" id="{BEE0A621-CF2E-4DFD-AF9C-331BFBF31C37}"/>
+                <a16:creationId xmlns="" xmlns:a16="http://schemas.microsoft.com/office/drawing/2014/main" id="{BEE0A621-CF2E-4DFD-AF9C-331BFBF31C37}"/>
               </a:ext>
             </a:extLst>
           </p:cNvPr>
@@ -17273,7 +17273,7 @@
           <p:cNvPr id="92" name="텍스트 개체 틀 2">
             <a:extLst>
               <a:ext uri="{FF2B5EF4-FFF2-40B4-BE49-F238E27FC236}">
-                <a16:creationId xmlns:a16="http://schemas.microsoft.com/office/drawing/2014/main" xmlns="" id="{BEE0A621-CF2E-4DFD-AF9C-331BFBF31C37}"/>
+                <a16:creationId xmlns="" xmlns:a16="http://schemas.microsoft.com/office/drawing/2014/main" id="{BEE0A621-CF2E-4DFD-AF9C-331BFBF31C37}"/>
               </a:ext>
             </a:extLst>
           </p:cNvPr>
@@ -17341,7 +17341,7 @@
           <p:cNvPr id="93" name="텍스트 개체 틀 2">
             <a:extLst>
               <a:ext uri="{FF2B5EF4-FFF2-40B4-BE49-F238E27FC236}">
-                <a16:creationId xmlns:a16="http://schemas.microsoft.com/office/drawing/2014/main" xmlns="" id="{BEE0A621-CF2E-4DFD-AF9C-331BFBF31C37}"/>
+                <a16:creationId xmlns="" xmlns:a16="http://schemas.microsoft.com/office/drawing/2014/main" id="{BEE0A621-CF2E-4DFD-AF9C-331BFBF31C37}"/>
               </a:ext>
             </a:extLst>
           </p:cNvPr>
@@ -17409,7 +17409,7 @@
           <p:cNvPr id="94" name="텍스트 개체 틀 2">
             <a:extLst>
               <a:ext uri="{FF2B5EF4-FFF2-40B4-BE49-F238E27FC236}">
-                <a16:creationId xmlns:a16="http://schemas.microsoft.com/office/drawing/2014/main" xmlns="" id="{BEE0A621-CF2E-4DFD-AF9C-331BFBF31C37}"/>
+                <a16:creationId xmlns="" xmlns:a16="http://schemas.microsoft.com/office/drawing/2014/main" id="{BEE0A621-CF2E-4DFD-AF9C-331BFBF31C37}"/>
               </a:ext>
             </a:extLst>
           </p:cNvPr>
@@ -17477,7 +17477,7 @@
           <p:cNvPr id="95" name="텍스트 개체 틀 2">
             <a:extLst>
               <a:ext uri="{FF2B5EF4-FFF2-40B4-BE49-F238E27FC236}">
-                <a16:creationId xmlns:a16="http://schemas.microsoft.com/office/drawing/2014/main" xmlns="" id="{BEE0A621-CF2E-4DFD-AF9C-331BFBF31C37}"/>
+                <a16:creationId xmlns="" xmlns:a16="http://schemas.microsoft.com/office/drawing/2014/main" id="{BEE0A621-CF2E-4DFD-AF9C-331BFBF31C37}"/>
               </a:ext>
             </a:extLst>
           </p:cNvPr>
@@ -17667,28 +17667,28 @@
                 <a:gridCol w="1095795">
                   <a:extLst>
                     <a:ext uri="{9D8B030D-6E8A-4147-A177-3AD203B41FA5}">
-                      <a16:colId xmlns:a16="http://schemas.microsoft.com/office/drawing/2014/main" xmlns="" val="20000"/>
+                      <a16:colId xmlns="" xmlns:a16="http://schemas.microsoft.com/office/drawing/2014/main" val="20000"/>
                     </a:ext>
                   </a:extLst>
                 </a:gridCol>
                 <a:gridCol w="1088527">
                   <a:extLst>
                     <a:ext uri="{9D8B030D-6E8A-4147-A177-3AD203B41FA5}">
-                      <a16:colId xmlns:a16="http://schemas.microsoft.com/office/drawing/2014/main" xmlns="" val="20001"/>
+                      <a16:colId xmlns="" xmlns:a16="http://schemas.microsoft.com/office/drawing/2014/main" val="20001"/>
                     </a:ext>
                   </a:extLst>
                 </a:gridCol>
                 <a:gridCol w="3464423">
                   <a:extLst>
                     <a:ext uri="{9D8B030D-6E8A-4147-A177-3AD203B41FA5}">
-                      <a16:colId xmlns:a16="http://schemas.microsoft.com/office/drawing/2014/main" xmlns="" val="20002"/>
+                      <a16:colId xmlns="" xmlns:a16="http://schemas.microsoft.com/office/drawing/2014/main" val="20002"/>
                     </a:ext>
                   </a:extLst>
                 </a:gridCol>
                 <a:gridCol w="3419474">
                   <a:extLst>
                     <a:ext uri="{9D8B030D-6E8A-4147-A177-3AD203B41FA5}">
-                      <a16:colId xmlns:a16="http://schemas.microsoft.com/office/drawing/2014/main" xmlns="" val="20003"/>
+                      <a16:colId xmlns="" xmlns:a16="http://schemas.microsoft.com/office/drawing/2014/main" val="20003"/>
                     </a:ext>
                   </a:extLst>
                 </a:gridCol>
@@ -17948,7 +17948,7 @@
                 </a:tc>
                 <a:extLst>
                   <a:ext uri="{0D108BD9-81ED-4DB2-BD59-A6C34878D82A}">
-                    <a16:rowId xmlns:a16="http://schemas.microsoft.com/office/drawing/2014/main" xmlns="" val="10000"/>
+                    <a16:rowId xmlns="" xmlns:a16="http://schemas.microsoft.com/office/drawing/2014/main" val="10000"/>
                   </a:ext>
                 </a:extLst>
               </a:tr>
@@ -18207,7 +18207,7 @@
                 </a:tc>
                 <a:extLst>
                   <a:ext uri="{0D108BD9-81ED-4DB2-BD59-A6C34878D82A}">
-                    <a16:rowId xmlns:a16="http://schemas.microsoft.com/office/drawing/2014/main" xmlns="" val="10001"/>
+                    <a16:rowId xmlns="" xmlns:a16="http://schemas.microsoft.com/office/drawing/2014/main" val="10001"/>
                   </a:ext>
                 </a:extLst>
               </a:tr>
@@ -18434,7 +18434,7 @@
                 </a:tc>
                 <a:extLst>
                   <a:ext uri="{0D108BD9-81ED-4DB2-BD59-A6C34878D82A}">
-                    <a16:rowId xmlns:a16="http://schemas.microsoft.com/office/drawing/2014/main" xmlns="" val="10002"/>
+                    <a16:rowId xmlns="" xmlns:a16="http://schemas.microsoft.com/office/drawing/2014/main" val="10002"/>
                   </a:ext>
                 </a:extLst>
               </a:tr>
@@ -18693,7 +18693,7 @@
                 </a:tc>
                 <a:extLst>
                   <a:ext uri="{0D108BD9-81ED-4DB2-BD59-A6C34878D82A}">
-                    <a16:rowId xmlns:a16="http://schemas.microsoft.com/office/drawing/2014/main" xmlns="" val="10003"/>
+                    <a16:rowId xmlns="" xmlns:a16="http://schemas.microsoft.com/office/drawing/2014/main" val="10003"/>
                   </a:ext>
                 </a:extLst>
               </a:tr>
@@ -18936,7 +18936,7 @@
                 </a:tc>
                 <a:extLst>
                   <a:ext uri="{0D108BD9-81ED-4DB2-BD59-A6C34878D82A}">
-                    <a16:rowId xmlns:a16="http://schemas.microsoft.com/office/drawing/2014/main" xmlns="" val="10004"/>
+                    <a16:rowId xmlns="" xmlns:a16="http://schemas.microsoft.com/office/drawing/2014/main" val="10004"/>
                   </a:ext>
                 </a:extLst>
               </a:tr>
@@ -19195,7 +19195,7 @@
                 </a:tc>
                 <a:extLst>
                   <a:ext uri="{0D108BD9-81ED-4DB2-BD59-A6C34878D82A}">
-                    <a16:rowId xmlns:a16="http://schemas.microsoft.com/office/drawing/2014/main" xmlns="" val="10005"/>
+                    <a16:rowId xmlns="" xmlns:a16="http://schemas.microsoft.com/office/drawing/2014/main" val="10005"/>
                   </a:ext>
                 </a:extLst>
               </a:tr>
@@ -25777,21 +25777,21 @@
                 <a:gridCol w="634245">
                   <a:extLst>
                     <a:ext uri="{9D8B030D-6E8A-4147-A177-3AD203B41FA5}">
-                      <a16:colId xmlns:a16="http://schemas.microsoft.com/office/drawing/2014/main" xmlns="" val="20000"/>
+                      <a16:colId xmlns="" xmlns:a16="http://schemas.microsoft.com/office/drawing/2014/main" val="20000"/>
                     </a:ext>
                   </a:extLst>
                 </a:gridCol>
                 <a:gridCol w="3664323">
                   <a:extLst>
                     <a:ext uri="{9D8B030D-6E8A-4147-A177-3AD203B41FA5}">
-                      <a16:colId xmlns:a16="http://schemas.microsoft.com/office/drawing/2014/main" xmlns="" val="20001"/>
+                      <a16:colId xmlns="" xmlns:a16="http://schemas.microsoft.com/office/drawing/2014/main" val="20001"/>
                     </a:ext>
                   </a:extLst>
                 </a:gridCol>
                 <a:gridCol w="3664323">
                   <a:extLst>
                     <a:ext uri="{9D8B030D-6E8A-4147-A177-3AD203B41FA5}">
-                      <a16:colId xmlns:a16="http://schemas.microsoft.com/office/drawing/2014/main" xmlns="" val="20002"/>
+                      <a16:colId xmlns="" xmlns:a16="http://schemas.microsoft.com/office/drawing/2014/main" val="20002"/>
                     </a:ext>
                   </a:extLst>
                 </a:gridCol>
@@ -26067,7 +26067,7 @@
                 </a:tc>
                 <a:extLst>
                   <a:ext uri="{0D108BD9-81ED-4DB2-BD59-A6C34878D82A}">
-                    <a16:rowId xmlns:a16="http://schemas.microsoft.com/office/drawing/2014/main" xmlns="" val="10000"/>
+                    <a16:rowId xmlns="" xmlns:a16="http://schemas.microsoft.com/office/drawing/2014/main" val="10000"/>
                   </a:ext>
                 </a:extLst>
               </a:tr>
@@ -26355,7 +26355,7 @@
                 </a:tc>
                 <a:extLst>
                   <a:ext uri="{0D108BD9-81ED-4DB2-BD59-A6C34878D82A}">
-                    <a16:rowId xmlns:a16="http://schemas.microsoft.com/office/drawing/2014/main" xmlns="" val="10001"/>
+                    <a16:rowId xmlns="" xmlns:a16="http://schemas.microsoft.com/office/drawing/2014/main" val="10001"/>
                   </a:ext>
                 </a:extLst>
               </a:tr>
@@ -26623,7 +26623,7 @@
                 </a:tc>
                 <a:extLst>
                   <a:ext uri="{0D108BD9-81ED-4DB2-BD59-A6C34878D82A}">
-                    <a16:rowId xmlns:a16="http://schemas.microsoft.com/office/drawing/2014/main" xmlns="" val="10002"/>
+                    <a16:rowId xmlns="" xmlns:a16="http://schemas.microsoft.com/office/drawing/2014/main" val="10002"/>
                   </a:ext>
                 </a:extLst>
               </a:tr>
@@ -27276,7 +27276,7 @@
                 </a:tc>
                 <a:extLst>
                   <a:ext uri="{0D108BD9-81ED-4DB2-BD59-A6C34878D82A}">
-                    <a16:rowId xmlns:a16="http://schemas.microsoft.com/office/drawing/2014/main" xmlns="" val="10003"/>
+                    <a16:rowId xmlns="" xmlns:a16="http://schemas.microsoft.com/office/drawing/2014/main" val="10003"/>
                   </a:ext>
                 </a:extLst>
               </a:tr>
@@ -29170,28 +29170,28 @@
                 <a:gridCol w="652202">
                   <a:extLst>
                     <a:ext uri="{9D8B030D-6E8A-4147-A177-3AD203B41FA5}">
-                      <a16:colId xmlns:a16="http://schemas.microsoft.com/office/drawing/2014/main" xmlns="" val="20000"/>
+                      <a16:colId xmlns="" xmlns:a16="http://schemas.microsoft.com/office/drawing/2014/main" val="20000"/>
                     </a:ext>
                   </a:extLst>
                 </a:gridCol>
                 <a:gridCol w="2462462">
                   <a:extLst>
                     <a:ext uri="{9D8B030D-6E8A-4147-A177-3AD203B41FA5}">
-                      <a16:colId xmlns:a16="http://schemas.microsoft.com/office/drawing/2014/main" xmlns="" val="20001"/>
+                      <a16:colId xmlns="" xmlns:a16="http://schemas.microsoft.com/office/drawing/2014/main" val="20001"/>
                     </a:ext>
                   </a:extLst>
                 </a:gridCol>
                 <a:gridCol w="2462462">
                   <a:extLst>
                     <a:ext uri="{9D8B030D-6E8A-4147-A177-3AD203B41FA5}">
-                      <a16:colId xmlns:a16="http://schemas.microsoft.com/office/drawing/2014/main" xmlns="" val="20002"/>
+                      <a16:colId xmlns="" xmlns:a16="http://schemas.microsoft.com/office/drawing/2014/main" val="20002"/>
                     </a:ext>
                   </a:extLst>
                 </a:gridCol>
                 <a:gridCol w="2462462">
                   <a:extLst>
                     <a:ext uri="{9D8B030D-6E8A-4147-A177-3AD203B41FA5}">
-                      <a16:colId xmlns:a16="http://schemas.microsoft.com/office/drawing/2014/main" xmlns="" val="20003"/>
+                      <a16:colId xmlns="" xmlns:a16="http://schemas.microsoft.com/office/drawing/2014/main" val="20003"/>
                     </a:ext>
                   </a:extLst>
                 </a:gridCol>
@@ -29491,7 +29491,7 @@
                 </a:tc>
                 <a:extLst>
                   <a:ext uri="{0D108BD9-81ED-4DB2-BD59-A6C34878D82A}">
-                    <a16:rowId xmlns:a16="http://schemas.microsoft.com/office/drawing/2014/main" xmlns="" val="10000"/>
+                    <a16:rowId xmlns="" xmlns:a16="http://schemas.microsoft.com/office/drawing/2014/main" val="10000"/>
                   </a:ext>
                 </a:extLst>
               </a:tr>
@@ -29808,7 +29808,7 @@
                 </a:tc>
                 <a:extLst>
                   <a:ext uri="{0D108BD9-81ED-4DB2-BD59-A6C34878D82A}">
-                    <a16:rowId xmlns:a16="http://schemas.microsoft.com/office/drawing/2014/main" xmlns="" val="10001"/>
+                    <a16:rowId xmlns="" xmlns:a16="http://schemas.microsoft.com/office/drawing/2014/main" val="10001"/>
                   </a:ext>
                 </a:extLst>
               </a:tr>
@@ -30538,7 +30538,7 @@
                 </a:tc>
                 <a:extLst>
                   <a:ext uri="{0D108BD9-81ED-4DB2-BD59-A6C34878D82A}">
-                    <a16:rowId xmlns:a16="http://schemas.microsoft.com/office/drawing/2014/main" xmlns="" val="10002"/>
+                    <a16:rowId xmlns="" xmlns:a16="http://schemas.microsoft.com/office/drawing/2014/main" val="10002"/>
                   </a:ext>
                 </a:extLst>
               </a:tr>
@@ -30709,7 +30709,7 @@
           <a:p>
             <a:fld id="{18B5A078-8A63-4FF0-8AA7-7B1C167E8A82}" type="datetimeFigureOut">
               <a:rPr lang="ko-KR" altLang="en-US" smtClean="0"/>
-              <a:t>2021-08-02</a:t>
+              <a:t>2021-08-17</a:t>
             </a:fld>
             <a:endParaRPr lang="ko-KR" altLang="en-US" dirty="0"/>
           </a:p>

--- a/Sales_More_ppt2.2.pptx
+++ b/Sales_More_ppt2.2.pptx
@@ -997,7 +997,7 @@
           <p:cNvPr id="14" name="텍스트 개체 틀 2">
             <a:extLst>
               <a:ext uri="{FF2B5EF4-FFF2-40B4-BE49-F238E27FC236}">
-                <a16:creationId xmlns="" xmlns:a16="http://schemas.microsoft.com/office/drawing/2014/main" id="{D9F618CC-D8E6-4C54-B0ED-AEC47F586215}"/>
+                <a16:creationId xmlns:a16="http://schemas.microsoft.com/office/drawing/2014/main" xmlns="" id="{D9F618CC-D8E6-4C54-B0ED-AEC47F586215}"/>
               </a:ext>
             </a:extLst>
           </p:cNvPr>
@@ -1398,14 +1398,14 @@
                 <a:gridCol w="1997689">
                   <a:extLst>
                     <a:ext uri="{9D8B030D-6E8A-4147-A177-3AD203B41FA5}">
-                      <a16:colId xmlns="" xmlns:a16="http://schemas.microsoft.com/office/drawing/2014/main" val="20000"/>
+                      <a16:colId xmlns:a16="http://schemas.microsoft.com/office/drawing/2014/main" xmlns="" val="20000"/>
                     </a:ext>
                   </a:extLst>
                 </a:gridCol>
                 <a:gridCol w="1997689">
                   <a:extLst>
                     <a:ext uri="{9D8B030D-6E8A-4147-A177-3AD203B41FA5}">
-                      <a16:colId xmlns="" xmlns:a16="http://schemas.microsoft.com/office/drawing/2014/main" val="20001"/>
+                      <a16:colId xmlns:a16="http://schemas.microsoft.com/office/drawing/2014/main" xmlns="" val="20001"/>
                     </a:ext>
                   </a:extLst>
                 </a:gridCol>
@@ -1671,7 +1671,7 @@
                 </a:tc>
                 <a:extLst>
                   <a:ext uri="{0D108BD9-81ED-4DB2-BD59-A6C34878D82A}">
-                    <a16:rowId xmlns="" xmlns:a16="http://schemas.microsoft.com/office/drawing/2014/main" val="10000"/>
+                    <a16:rowId xmlns:a16="http://schemas.microsoft.com/office/drawing/2014/main" xmlns="" val="10000"/>
                   </a:ext>
                 </a:extLst>
               </a:tr>
@@ -1879,7 +1879,7 @@
                 </a:tc>
                 <a:extLst>
                   <a:ext uri="{0D108BD9-81ED-4DB2-BD59-A6C34878D82A}">
-                    <a16:rowId xmlns="" xmlns:a16="http://schemas.microsoft.com/office/drawing/2014/main" val="10001"/>
+                    <a16:rowId xmlns:a16="http://schemas.microsoft.com/office/drawing/2014/main" xmlns="" val="10001"/>
                   </a:ext>
                 </a:extLst>
               </a:tr>
@@ -2556,14 +2556,14 @@
                 <a:gridCol w="1013745">
                   <a:extLst>
                     <a:ext uri="{9D8B030D-6E8A-4147-A177-3AD203B41FA5}">
-                      <a16:colId xmlns="" xmlns:a16="http://schemas.microsoft.com/office/drawing/2014/main" val="20000"/>
+                      <a16:colId xmlns:a16="http://schemas.microsoft.com/office/drawing/2014/main" xmlns="" val="20000"/>
                     </a:ext>
                   </a:extLst>
                 </a:gridCol>
                 <a:gridCol w="8486992">
                   <a:extLst>
                     <a:ext uri="{9D8B030D-6E8A-4147-A177-3AD203B41FA5}">
-                      <a16:colId xmlns="" xmlns:a16="http://schemas.microsoft.com/office/drawing/2014/main" val="20001"/>
+                      <a16:colId xmlns:a16="http://schemas.microsoft.com/office/drawing/2014/main" xmlns="" val="20001"/>
                     </a:ext>
                   </a:extLst>
                 </a:gridCol>
@@ -2689,7 +2689,7 @@
                 </a:tc>
                 <a:extLst>
                   <a:ext uri="{0D108BD9-81ED-4DB2-BD59-A6C34878D82A}">
-                    <a16:rowId xmlns="" xmlns:a16="http://schemas.microsoft.com/office/drawing/2014/main" val="10000"/>
+                    <a16:rowId xmlns:a16="http://schemas.microsoft.com/office/drawing/2014/main" xmlns="" val="10000"/>
                   </a:ext>
                 </a:extLst>
               </a:tr>
@@ -3799,14 +3799,14 @@
                 <a:gridCol w="1061721">
                   <a:extLst>
                     <a:ext uri="{9D8B030D-6E8A-4147-A177-3AD203B41FA5}">
-                      <a16:colId xmlns="" xmlns:a16="http://schemas.microsoft.com/office/drawing/2014/main" val="20000"/>
+                      <a16:colId xmlns:a16="http://schemas.microsoft.com/office/drawing/2014/main" xmlns="" val="20000"/>
                     </a:ext>
                   </a:extLst>
                 </a:gridCol>
                 <a:gridCol w="1061721">
                   <a:extLst>
                     <a:ext uri="{9D8B030D-6E8A-4147-A177-3AD203B41FA5}">
-                      <a16:colId xmlns="" xmlns:a16="http://schemas.microsoft.com/office/drawing/2014/main" val="20001"/>
+                      <a16:colId xmlns:a16="http://schemas.microsoft.com/office/drawing/2014/main" xmlns="" val="20001"/>
                     </a:ext>
                   </a:extLst>
                 </a:gridCol>
@@ -4072,7 +4072,7 @@
                 </a:tc>
                 <a:extLst>
                   <a:ext uri="{0D108BD9-81ED-4DB2-BD59-A6C34878D82A}">
-                    <a16:rowId xmlns="" xmlns:a16="http://schemas.microsoft.com/office/drawing/2014/main" val="10000"/>
+                    <a16:rowId xmlns:a16="http://schemas.microsoft.com/office/drawing/2014/main" xmlns="" val="10000"/>
                   </a:ext>
                 </a:extLst>
               </a:tr>
@@ -4280,7 +4280,7 @@
                 </a:tc>
                 <a:extLst>
                   <a:ext uri="{0D108BD9-81ED-4DB2-BD59-A6C34878D82A}">
-                    <a16:rowId xmlns="" xmlns:a16="http://schemas.microsoft.com/office/drawing/2014/main" val="10001"/>
+                    <a16:rowId xmlns:a16="http://schemas.microsoft.com/office/drawing/2014/main" xmlns="" val="10001"/>
                   </a:ext>
                 </a:extLst>
               </a:tr>
@@ -4456,7 +4456,7 @@
           <p:cNvPr id="6" name="표 6">
             <a:extLst>
               <a:ext uri="{FF2B5EF4-FFF2-40B4-BE49-F238E27FC236}">
-                <a16:creationId xmlns="" xmlns:a16="http://schemas.microsoft.com/office/drawing/2014/main" id="{FABD37FA-5048-4585-BC20-8611CCD03331}"/>
+                <a16:creationId xmlns:a16="http://schemas.microsoft.com/office/drawing/2014/main" xmlns="" id="{FABD37FA-5048-4585-BC20-8611CCD03331}"/>
               </a:ext>
             </a:extLst>
           </p:cNvPr>
@@ -4485,14 +4485,14 @@
                 <a:gridCol w="1059088">
                   <a:extLst>
                     <a:ext uri="{9D8B030D-6E8A-4147-A177-3AD203B41FA5}">
-                      <a16:colId xmlns="" xmlns:a16="http://schemas.microsoft.com/office/drawing/2014/main" val="3453536458"/>
+                      <a16:colId xmlns:a16="http://schemas.microsoft.com/office/drawing/2014/main" xmlns="" val="3453536458"/>
                     </a:ext>
                   </a:extLst>
                 </a:gridCol>
                 <a:gridCol w="1059088">
                   <a:extLst>
                     <a:ext uri="{9D8B030D-6E8A-4147-A177-3AD203B41FA5}">
-                      <a16:colId xmlns="" xmlns:a16="http://schemas.microsoft.com/office/drawing/2014/main" val="3795268207"/>
+                      <a16:colId xmlns:a16="http://schemas.microsoft.com/office/drawing/2014/main" xmlns="" val="3795268207"/>
                     </a:ext>
                   </a:extLst>
                 </a:gridCol>
@@ -4590,7 +4590,7 @@
                 </a:tc>
                 <a:extLst>
                   <a:ext uri="{0D108BD9-81ED-4DB2-BD59-A6C34878D82A}">
-                    <a16:rowId xmlns="" xmlns:a16="http://schemas.microsoft.com/office/drawing/2014/main" val="3283157434"/>
+                    <a16:rowId xmlns:a16="http://schemas.microsoft.com/office/drawing/2014/main" xmlns="" val="3283157434"/>
                   </a:ext>
                 </a:extLst>
               </a:tr>
@@ -4687,7 +4687,7 @@
                 </a:tc>
                 <a:extLst>
                   <a:ext uri="{0D108BD9-81ED-4DB2-BD59-A6C34878D82A}">
-                    <a16:rowId xmlns="" xmlns:a16="http://schemas.microsoft.com/office/drawing/2014/main" val="2011600100"/>
+                    <a16:rowId xmlns:a16="http://schemas.microsoft.com/office/drawing/2014/main" xmlns="" val="2011600100"/>
                   </a:ext>
                 </a:extLst>
               </a:tr>
@@ -4784,7 +4784,7 @@
                 </a:tc>
                 <a:extLst>
                   <a:ext uri="{0D108BD9-81ED-4DB2-BD59-A6C34878D82A}">
-                    <a16:rowId xmlns="" xmlns:a16="http://schemas.microsoft.com/office/drawing/2014/main" val="4144869136"/>
+                    <a16:rowId xmlns:a16="http://schemas.microsoft.com/office/drawing/2014/main" xmlns="" val="4144869136"/>
                   </a:ext>
                 </a:extLst>
               </a:tr>
@@ -4881,7 +4881,7 @@
                 </a:tc>
                 <a:extLst>
                   <a:ext uri="{0D108BD9-81ED-4DB2-BD59-A6C34878D82A}">
-                    <a16:rowId xmlns="" xmlns:a16="http://schemas.microsoft.com/office/drawing/2014/main" val="2368941102"/>
+                    <a16:rowId xmlns:a16="http://schemas.microsoft.com/office/drawing/2014/main" xmlns="" val="2368941102"/>
                   </a:ext>
                 </a:extLst>
               </a:tr>
@@ -5853,7 +5853,7 @@
           <p:nvPr userDrawn="1">
             <p:extLst>
               <p:ext uri="{D42A27DB-BD31-4B8C-83A1-F6EECF244321}">
-                <p14:modId xmlns:p14="http://schemas.microsoft.com/office/powerpoint/2010/main" val="1268468250"/>
+                <p14:modId xmlns:p14="http://schemas.microsoft.com/office/powerpoint/2010/main" val="2466762346"/>
               </p:ext>
             </p:extLst>
           </p:nvPr>
@@ -5872,35 +5872,35 @@
                 <a:gridCol w="880644">
                   <a:extLst>
                     <a:ext uri="{9D8B030D-6E8A-4147-A177-3AD203B41FA5}">
-                      <a16:colId xmlns="" xmlns:a16="http://schemas.microsoft.com/office/drawing/2014/main" val="20000"/>
+                      <a16:colId xmlns:a16="http://schemas.microsoft.com/office/drawing/2014/main" xmlns="" val="20000"/>
                     </a:ext>
                   </a:extLst>
                 </a:gridCol>
                 <a:gridCol w="880644">
                   <a:extLst>
                     <a:ext uri="{9D8B030D-6E8A-4147-A177-3AD203B41FA5}">
-                      <a16:colId xmlns="" xmlns:a16="http://schemas.microsoft.com/office/drawing/2014/main" val="2960935981"/>
+                      <a16:colId xmlns:a16="http://schemas.microsoft.com/office/drawing/2014/main" xmlns="" val="2960935981"/>
                     </a:ext>
                   </a:extLst>
                 </a:gridCol>
                 <a:gridCol w="880644">
                   <a:extLst>
                     <a:ext uri="{9D8B030D-6E8A-4147-A177-3AD203B41FA5}">
-                      <a16:colId xmlns="" xmlns:a16="http://schemas.microsoft.com/office/drawing/2014/main" val="20001"/>
+                      <a16:colId xmlns:a16="http://schemas.microsoft.com/office/drawing/2014/main" xmlns="" val="20001"/>
                     </a:ext>
                   </a:extLst>
                 </a:gridCol>
                 <a:gridCol w="880644">
                   <a:extLst>
                     <a:ext uri="{9D8B030D-6E8A-4147-A177-3AD203B41FA5}">
-                      <a16:colId xmlns="" xmlns:a16="http://schemas.microsoft.com/office/drawing/2014/main" val="20002"/>
+                      <a16:colId xmlns:a16="http://schemas.microsoft.com/office/drawing/2014/main" xmlns="" val="20002"/>
                     </a:ext>
                   </a:extLst>
                 </a:gridCol>
                 <a:gridCol w="880644">
                   <a:extLst>
                     <a:ext uri="{9D8B030D-6E8A-4147-A177-3AD203B41FA5}">
-                      <a16:colId xmlns="" xmlns:a16="http://schemas.microsoft.com/office/drawing/2014/main" val="20003"/>
+                      <a16:colId xmlns:a16="http://schemas.microsoft.com/office/drawing/2014/main" xmlns="" val="20003"/>
                     </a:ext>
                   </a:extLst>
                 </a:gridCol>
@@ -6060,7 +6060,7 @@
                           <a:latin typeface="+mn-ea"/>
                           <a:ea typeface="+mn-ea"/>
                         </a:rPr>
-                        <a:t>80~89%</a:t>
+                        <a:t>90~99%</a:t>
                       </a:r>
                       <a:endParaRPr lang="ko-KR" altLang="en-US" sz="1200" b="0" dirty="0">
                         <a:solidFill>
@@ -6130,7 +6130,7 @@
                           <a:latin typeface="+mn-ea"/>
                           <a:ea typeface="+mn-ea"/>
                         </a:rPr>
-                        <a:t>90%~</a:t>
+                        <a:t>100%~</a:t>
                       </a:r>
                       <a:endParaRPr lang="ko-KR" altLang="en-US" sz="1200" b="0" dirty="0">
                         <a:solidFill>
@@ -6251,7 +6251,7 @@
                 </a:tc>
                 <a:extLst>
                   <a:ext uri="{0D108BD9-81ED-4DB2-BD59-A6C34878D82A}">
-                    <a16:rowId xmlns="" xmlns:a16="http://schemas.microsoft.com/office/drawing/2014/main" val="10000"/>
+                    <a16:rowId xmlns:a16="http://schemas.microsoft.com/office/drawing/2014/main" xmlns="" val="10000"/>
                   </a:ext>
                 </a:extLst>
               </a:tr>
@@ -6539,7 +6539,7 @@
                 </a:tc>
                 <a:extLst>
                   <a:ext uri="{0D108BD9-81ED-4DB2-BD59-A6C34878D82A}">
-                    <a16:rowId xmlns="" xmlns:a16="http://schemas.microsoft.com/office/drawing/2014/main" val="10001"/>
+                    <a16:rowId xmlns:a16="http://schemas.microsoft.com/office/drawing/2014/main" xmlns="" val="10001"/>
                   </a:ext>
                 </a:extLst>
               </a:tr>
@@ -7093,7 +7093,7 @@
             <p:cNvPr id="103" name="그룹 102">
               <a:extLst>
                 <a:ext uri="{FF2B5EF4-FFF2-40B4-BE49-F238E27FC236}">
-                  <a16:creationId xmlns="" xmlns:a16="http://schemas.microsoft.com/office/drawing/2014/main" id="{F764A971-7E15-4AC0-B56B-D0AEB9381FCD}"/>
+                  <a16:creationId xmlns:a16="http://schemas.microsoft.com/office/drawing/2014/main" xmlns="" id="{F764A971-7E15-4AC0-B56B-D0AEB9381FCD}"/>
                 </a:ext>
               </a:extLst>
             </p:cNvPr>
@@ -7118,7 +7118,7 @@
               <p:cNvPr id="109" name="Freeform 39">
                 <a:extLst>
                   <a:ext uri="{FF2B5EF4-FFF2-40B4-BE49-F238E27FC236}">
-                    <a16:creationId xmlns="" xmlns:a16="http://schemas.microsoft.com/office/drawing/2014/main" id="{C642C60A-EDCD-4418-AF22-CE9228EC1300}"/>
+                    <a16:creationId xmlns:a16="http://schemas.microsoft.com/office/drawing/2014/main" xmlns="" id="{C642C60A-EDCD-4418-AF22-CE9228EC1300}"/>
                   </a:ext>
                 </a:extLst>
               </p:cNvPr>
@@ -8848,7 +8848,7 @@
               <p:cNvPr id="110" name="Freeform 40">
                 <a:extLst>
                   <a:ext uri="{FF2B5EF4-FFF2-40B4-BE49-F238E27FC236}">
-                    <a16:creationId xmlns="" xmlns:a16="http://schemas.microsoft.com/office/drawing/2014/main" id="{31D280BA-97C0-4816-A2C9-713BBD103CC6}"/>
+                    <a16:creationId xmlns:a16="http://schemas.microsoft.com/office/drawing/2014/main" xmlns="" id="{31D280BA-97C0-4816-A2C9-713BBD103CC6}"/>
                   </a:ext>
                 </a:extLst>
               </p:cNvPr>
@@ -9445,7 +9445,7 @@
             <p:cNvPr id="104" name="Freeform 41">
               <a:extLst>
                 <a:ext uri="{FF2B5EF4-FFF2-40B4-BE49-F238E27FC236}">
-                  <a16:creationId xmlns="" xmlns:a16="http://schemas.microsoft.com/office/drawing/2014/main" id="{C24B5697-9EAC-429F-9AE3-9ED30FC4F770}"/>
+                  <a16:creationId xmlns:a16="http://schemas.microsoft.com/office/drawing/2014/main" xmlns="" id="{C24B5697-9EAC-429F-9AE3-9ED30FC4F770}"/>
                 </a:ext>
               </a:extLst>
             </p:cNvPr>
@@ -11374,7 +11374,7 @@
             <p:cNvPr id="106" name="TextBox 105">
               <a:extLst>
                 <a:ext uri="{FF2B5EF4-FFF2-40B4-BE49-F238E27FC236}">
-                  <a16:creationId xmlns="" xmlns:a16="http://schemas.microsoft.com/office/drawing/2014/main" id="{749C370C-59ED-482F-95CC-01B9A670EECB}"/>
+                  <a16:creationId xmlns:a16="http://schemas.microsoft.com/office/drawing/2014/main" xmlns="" id="{749C370C-59ED-482F-95CC-01B9A670EECB}"/>
                 </a:ext>
               </a:extLst>
             </p:cNvPr>
@@ -11417,7 +11417,7 @@
             <p:cNvPr id="107" name="TextBox 106">
               <a:extLst>
                 <a:ext uri="{FF2B5EF4-FFF2-40B4-BE49-F238E27FC236}">
-                  <a16:creationId xmlns="" xmlns:a16="http://schemas.microsoft.com/office/drawing/2014/main" id="{749C370C-59ED-482F-95CC-01B9A670EECB}"/>
+                  <a16:creationId xmlns:a16="http://schemas.microsoft.com/office/drawing/2014/main" xmlns="" id="{749C370C-59ED-482F-95CC-01B9A670EECB}"/>
                 </a:ext>
               </a:extLst>
             </p:cNvPr>
@@ -12048,7 +12048,7 @@
                 <a:gridCol w="1998983">
                   <a:extLst>
                     <a:ext uri="{9D8B030D-6E8A-4147-A177-3AD203B41FA5}">
-                      <a16:colId xmlns="" xmlns:a16="http://schemas.microsoft.com/office/drawing/2014/main" val="20000"/>
+                      <a16:colId xmlns:a16="http://schemas.microsoft.com/office/drawing/2014/main" xmlns="" val="20000"/>
                     </a:ext>
                   </a:extLst>
                 </a:gridCol>
@@ -12123,7 +12123,7 @@
                 </a:tc>
                 <a:extLst>
                   <a:ext uri="{0D108BD9-81ED-4DB2-BD59-A6C34878D82A}">
-                    <a16:rowId xmlns="" xmlns:a16="http://schemas.microsoft.com/office/drawing/2014/main" val="10000"/>
+                    <a16:rowId xmlns:a16="http://schemas.microsoft.com/office/drawing/2014/main" xmlns="" val="10000"/>
                   </a:ext>
                 </a:extLst>
               </a:tr>
@@ -12159,14 +12159,14 @@
                 <a:gridCol w="807555">
                   <a:extLst>
                     <a:ext uri="{9D8B030D-6E8A-4147-A177-3AD203B41FA5}">
-                      <a16:colId xmlns="" xmlns:a16="http://schemas.microsoft.com/office/drawing/2014/main" val="20000"/>
+                      <a16:colId xmlns:a16="http://schemas.microsoft.com/office/drawing/2014/main" xmlns="" val="20000"/>
                     </a:ext>
                   </a:extLst>
                 </a:gridCol>
                 <a:gridCol w="1192044">
                   <a:extLst>
                     <a:ext uri="{9D8B030D-6E8A-4147-A177-3AD203B41FA5}">
-                      <a16:colId xmlns="" xmlns:a16="http://schemas.microsoft.com/office/drawing/2014/main" val="20001"/>
+                      <a16:colId xmlns:a16="http://schemas.microsoft.com/office/drawing/2014/main" xmlns="" val="20001"/>
                     </a:ext>
                   </a:extLst>
                 </a:gridCol>
@@ -12314,7 +12314,7 @@
                 </a:tc>
                 <a:extLst>
                   <a:ext uri="{0D108BD9-81ED-4DB2-BD59-A6C34878D82A}">
-                    <a16:rowId xmlns="" xmlns:a16="http://schemas.microsoft.com/office/drawing/2014/main" val="10001"/>
+                    <a16:rowId xmlns:a16="http://schemas.microsoft.com/office/drawing/2014/main" xmlns="" val="10001"/>
                   </a:ext>
                 </a:extLst>
               </a:tr>
@@ -12730,7 +12730,7 @@
                 <a:gridCol w="1999598">
                   <a:extLst>
                     <a:ext uri="{9D8B030D-6E8A-4147-A177-3AD203B41FA5}">
-                      <a16:colId xmlns="" xmlns:a16="http://schemas.microsoft.com/office/drawing/2014/main" val="20000"/>
+                      <a16:colId xmlns:a16="http://schemas.microsoft.com/office/drawing/2014/main" xmlns="" val="20000"/>
                     </a:ext>
                   </a:extLst>
                 </a:gridCol>
@@ -12805,7 +12805,7 @@
                 </a:tc>
                 <a:extLst>
                   <a:ext uri="{0D108BD9-81ED-4DB2-BD59-A6C34878D82A}">
-                    <a16:rowId xmlns="" xmlns:a16="http://schemas.microsoft.com/office/drawing/2014/main" val="10000"/>
+                    <a16:rowId xmlns:a16="http://schemas.microsoft.com/office/drawing/2014/main" xmlns="" val="10000"/>
                   </a:ext>
                 </a:extLst>
               </a:tr>
@@ -12903,49 +12903,49 @@
                 <a:gridCol w="292263">
                   <a:extLst>
                     <a:ext uri="{9D8B030D-6E8A-4147-A177-3AD203B41FA5}">
-                      <a16:colId xmlns="" xmlns:a16="http://schemas.microsoft.com/office/drawing/2014/main" val="20000"/>
+                      <a16:colId xmlns:a16="http://schemas.microsoft.com/office/drawing/2014/main" xmlns="" val="20000"/>
                     </a:ext>
                   </a:extLst>
                 </a:gridCol>
                 <a:gridCol w="292263">
                   <a:extLst>
                     <a:ext uri="{9D8B030D-6E8A-4147-A177-3AD203B41FA5}">
-                      <a16:colId xmlns="" xmlns:a16="http://schemas.microsoft.com/office/drawing/2014/main" val="20001"/>
+                      <a16:colId xmlns:a16="http://schemas.microsoft.com/office/drawing/2014/main" xmlns="" val="20001"/>
                     </a:ext>
                   </a:extLst>
                 </a:gridCol>
                 <a:gridCol w="292263">
                   <a:extLst>
                     <a:ext uri="{9D8B030D-6E8A-4147-A177-3AD203B41FA5}">
-                      <a16:colId xmlns="" xmlns:a16="http://schemas.microsoft.com/office/drawing/2014/main" val="20002"/>
+                      <a16:colId xmlns:a16="http://schemas.microsoft.com/office/drawing/2014/main" xmlns="" val="20002"/>
                     </a:ext>
                   </a:extLst>
                 </a:gridCol>
                 <a:gridCol w="292263">
                   <a:extLst>
                     <a:ext uri="{9D8B030D-6E8A-4147-A177-3AD203B41FA5}">
-                      <a16:colId xmlns="" xmlns:a16="http://schemas.microsoft.com/office/drawing/2014/main" val="20003"/>
+                      <a16:colId xmlns:a16="http://schemas.microsoft.com/office/drawing/2014/main" xmlns="" val="20003"/>
                     </a:ext>
                   </a:extLst>
                 </a:gridCol>
                 <a:gridCol w="292263">
                   <a:extLst>
                     <a:ext uri="{9D8B030D-6E8A-4147-A177-3AD203B41FA5}">
-                      <a16:colId xmlns="" xmlns:a16="http://schemas.microsoft.com/office/drawing/2014/main" val="20004"/>
+                      <a16:colId xmlns:a16="http://schemas.microsoft.com/office/drawing/2014/main" xmlns="" val="20004"/>
                     </a:ext>
                   </a:extLst>
                 </a:gridCol>
                 <a:gridCol w="292263">
                   <a:extLst>
                     <a:ext uri="{9D8B030D-6E8A-4147-A177-3AD203B41FA5}">
-                      <a16:colId xmlns="" xmlns:a16="http://schemas.microsoft.com/office/drawing/2014/main" val="20005"/>
+                      <a16:colId xmlns:a16="http://schemas.microsoft.com/office/drawing/2014/main" xmlns="" val="20005"/>
                     </a:ext>
                   </a:extLst>
                 </a:gridCol>
                 <a:gridCol w="292263">
                   <a:extLst>
                     <a:ext uri="{9D8B030D-6E8A-4147-A177-3AD203B41FA5}">
-                      <a16:colId xmlns="" xmlns:a16="http://schemas.microsoft.com/office/drawing/2014/main" val="3064443110"/>
+                      <a16:colId xmlns:a16="http://schemas.microsoft.com/office/drawing/2014/main" xmlns="" val="3064443110"/>
                     </a:ext>
                   </a:extLst>
                 </a:gridCol>
@@ -13443,7 +13443,7 @@
                 </a:tc>
                 <a:extLst>
                   <a:ext uri="{0D108BD9-81ED-4DB2-BD59-A6C34878D82A}">
-                    <a16:rowId xmlns="" xmlns:a16="http://schemas.microsoft.com/office/drawing/2014/main" val="10000"/>
+                    <a16:rowId xmlns:a16="http://schemas.microsoft.com/office/drawing/2014/main" xmlns="" val="10000"/>
                   </a:ext>
                 </a:extLst>
               </a:tr>
@@ -13835,7 +13835,7 @@
                 </a:tc>
                 <a:extLst>
                   <a:ext uri="{0D108BD9-81ED-4DB2-BD59-A6C34878D82A}">
-                    <a16:rowId xmlns="" xmlns:a16="http://schemas.microsoft.com/office/drawing/2014/main" val="10001"/>
+                    <a16:rowId xmlns:a16="http://schemas.microsoft.com/office/drawing/2014/main" xmlns="" val="10001"/>
                   </a:ext>
                 </a:extLst>
               </a:tr>
@@ -14725,7 +14725,7 @@
           <p:cNvPr id="116" name="텍스트 개체 틀 2">
             <a:extLst>
               <a:ext uri="{FF2B5EF4-FFF2-40B4-BE49-F238E27FC236}">
-                <a16:creationId xmlns="" xmlns:a16="http://schemas.microsoft.com/office/drawing/2014/main" id="{39356596-B182-4A91-A651-701193D59ADC}"/>
+                <a16:creationId xmlns:a16="http://schemas.microsoft.com/office/drawing/2014/main" xmlns="" id="{39356596-B182-4A91-A651-701193D59ADC}"/>
               </a:ext>
             </a:extLst>
           </p:cNvPr>
@@ -14793,7 +14793,7 @@
           <p:cNvPr id="117" name="표 116">
             <a:extLst>
               <a:ext uri="{FF2B5EF4-FFF2-40B4-BE49-F238E27FC236}">
-                <a16:creationId xmlns="" xmlns:a16="http://schemas.microsoft.com/office/drawing/2014/main" id="{2528AC38-D433-446B-9ECE-D440DD6DD60A}"/>
+                <a16:creationId xmlns:a16="http://schemas.microsoft.com/office/drawing/2014/main" xmlns="" id="{2528AC38-D433-446B-9ECE-D440DD6DD60A}"/>
               </a:ext>
             </a:extLst>
           </p:cNvPr>
@@ -14822,28 +14822,28 @@
                 <a:gridCol w="1097286">
                   <a:extLst>
                     <a:ext uri="{9D8B030D-6E8A-4147-A177-3AD203B41FA5}">
-                      <a16:colId xmlns="" xmlns:a16="http://schemas.microsoft.com/office/drawing/2014/main" val="20000"/>
+                      <a16:colId xmlns:a16="http://schemas.microsoft.com/office/drawing/2014/main" xmlns="" val="20000"/>
                     </a:ext>
                   </a:extLst>
                 </a:gridCol>
                 <a:gridCol w="1097286">
                   <a:extLst>
                     <a:ext uri="{9D8B030D-6E8A-4147-A177-3AD203B41FA5}">
-                      <a16:colId xmlns="" xmlns:a16="http://schemas.microsoft.com/office/drawing/2014/main" val="2960935981"/>
+                      <a16:colId xmlns:a16="http://schemas.microsoft.com/office/drawing/2014/main" xmlns="" val="2960935981"/>
                     </a:ext>
                   </a:extLst>
                 </a:gridCol>
                 <a:gridCol w="1097286">
                   <a:extLst>
                     <a:ext uri="{9D8B030D-6E8A-4147-A177-3AD203B41FA5}">
-                      <a16:colId xmlns="" xmlns:a16="http://schemas.microsoft.com/office/drawing/2014/main" val="20001"/>
+                      <a16:colId xmlns:a16="http://schemas.microsoft.com/office/drawing/2014/main" xmlns="" val="20001"/>
                     </a:ext>
                   </a:extLst>
                 </a:gridCol>
                 <a:gridCol w="1097286">
                   <a:extLst>
                     <a:ext uri="{9D8B030D-6E8A-4147-A177-3AD203B41FA5}">
-                      <a16:colId xmlns="" xmlns:a16="http://schemas.microsoft.com/office/drawing/2014/main" val="20002"/>
+                      <a16:colId xmlns:a16="http://schemas.microsoft.com/office/drawing/2014/main" xmlns="" val="20002"/>
                     </a:ext>
                   </a:extLst>
                 </a:gridCol>
@@ -15131,7 +15131,7 @@
                 </a:tc>
                 <a:extLst>
                   <a:ext uri="{0D108BD9-81ED-4DB2-BD59-A6C34878D82A}">
-                    <a16:rowId xmlns="" xmlns:a16="http://schemas.microsoft.com/office/drawing/2014/main" val="10000"/>
+                    <a16:rowId xmlns:a16="http://schemas.microsoft.com/office/drawing/2014/main" xmlns="" val="10000"/>
                   </a:ext>
                 </a:extLst>
               </a:tr>
@@ -15356,7 +15356,7 @@
                 </a:tc>
                 <a:extLst>
                   <a:ext uri="{0D108BD9-81ED-4DB2-BD59-A6C34878D82A}">
-                    <a16:rowId xmlns="" xmlns:a16="http://schemas.microsoft.com/office/drawing/2014/main" val="10001"/>
+                    <a16:rowId xmlns:a16="http://schemas.microsoft.com/office/drawing/2014/main" xmlns="" val="10001"/>
                   </a:ext>
                 </a:extLst>
               </a:tr>
@@ -15809,7 +15809,7 @@
           <p:cNvPr id="118" name="텍스트 개체 틀 2">
             <a:extLst>
               <a:ext uri="{FF2B5EF4-FFF2-40B4-BE49-F238E27FC236}">
-                <a16:creationId xmlns="" xmlns:a16="http://schemas.microsoft.com/office/drawing/2014/main" id="{BEE0A621-CF2E-4DFD-AF9C-331BFBF31C37}"/>
+                <a16:creationId xmlns:a16="http://schemas.microsoft.com/office/drawing/2014/main" xmlns="" id="{BEE0A621-CF2E-4DFD-AF9C-331BFBF31C37}"/>
               </a:ext>
             </a:extLst>
           </p:cNvPr>
@@ -15877,7 +15877,7 @@
           <p:cNvPr id="119" name="텍스트 개체 틀 2">
             <a:extLst>
               <a:ext uri="{FF2B5EF4-FFF2-40B4-BE49-F238E27FC236}">
-                <a16:creationId xmlns="" xmlns:a16="http://schemas.microsoft.com/office/drawing/2014/main" id="{CCF3F163-C6DD-4D14-81EA-84C4A229296B}"/>
+                <a16:creationId xmlns:a16="http://schemas.microsoft.com/office/drawing/2014/main" xmlns="" id="{CCF3F163-C6DD-4D14-81EA-84C4A229296B}"/>
               </a:ext>
             </a:extLst>
           </p:cNvPr>
@@ -15945,7 +15945,7 @@
           <p:cNvPr id="120" name="텍스트 개체 틀 2">
             <a:extLst>
               <a:ext uri="{FF2B5EF4-FFF2-40B4-BE49-F238E27FC236}">
-                <a16:creationId xmlns="" xmlns:a16="http://schemas.microsoft.com/office/drawing/2014/main" id="{63137AD7-36A2-4F43-B02C-18BB555AA6C6}"/>
+                <a16:creationId xmlns:a16="http://schemas.microsoft.com/office/drawing/2014/main" xmlns="" id="{63137AD7-36A2-4F43-B02C-18BB555AA6C6}"/>
               </a:ext>
             </a:extLst>
           </p:cNvPr>
@@ -16013,7 +16013,7 @@
           <p:cNvPr id="121" name="텍스트 개체 틀 2">
             <a:extLst>
               <a:ext uri="{FF2B5EF4-FFF2-40B4-BE49-F238E27FC236}">
-                <a16:creationId xmlns="" xmlns:a16="http://schemas.microsoft.com/office/drawing/2014/main" id="{BF6739D5-8903-46CE-9F68-36C4FB798FCE}"/>
+                <a16:creationId xmlns:a16="http://schemas.microsoft.com/office/drawing/2014/main" xmlns="" id="{BF6739D5-8903-46CE-9F68-36C4FB798FCE}"/>
               </a:ext>
             </a:extLst>
           </p:cNvPr>
@@ -16081,7 +16081,7 @@
           <p:cNvPr id="122" name="텍스트 개체 틀 2">
             <a:extLst>
               <a:ext uri="{FF2B5EF4-FFF2-40B4-BE49-F238E27FC236}">
-                <a16:creationId xmlns="" xmlns:a16="http://schemas.microsoft.com/office/drawing/2014/main" id="{F82419C1-B86B-454F-9660-9AFB504B7C49}"/>
+                <a16:creationId xmlns:a16="http://schemas.microsoft.com/office/drawing/2014/main" xmlns="" id="{F82419C1-B86B-454F-9660-9AFB504B7C49}"/>
               </a:ext>
             </a:extLst>
           </p:cNvPr>
@@ -16149,7 +16149,7 @@
           <p:cNvPr id="123" name="텍스트 개체 틀 2">
             <a:extLst>
               <a:ext uri="{FF2B5EF4-FFF2-40B4-BE49-F238E27FC236}">
-                <a16:creationId xmlns="" xmlns:a16="http://schemas.microsoft.com/office/drawing/2014/main" id="{40B4DE51-D337-491E-9F95-2948613711D2}"/>
+                <a16:creationId xmlns:a16="http://schemas.microsoft.com/office/drawing/2014/main" xmlns="" id="{40B4DE51-D337-491E-9F95-2948613711D2}"/>
               </a:ext>
             </a:extLst>
           </p:cNvPr>
@@ -16217,7 +16217,7 @@
           <p:cNvPr id="124" name="텍스트 개체 틀 2">
             <a:extLst>
               <a:ext uri="{FF2B5EF4-FFF2-40B4-BE49-F238E27FC236}">
-                <a16:creationId xmlns="" xmlns:a16="http://schemas.microsoft.com/office/drawing/2014/main" id="{41C28B4A-70A1-496D-ABEA-73803A110D10}"/>
+                <a16:creationId xmlns:a16="http://schemas.microsoft.com/office/drawing/2014/main" xmlns="" id="{41C28B4A-70A1-496D-ABEA-73803A110D10}"/>
               </a:ext>
             </a:extLst>
           </p:cNvPr>
@@ -16285,7 +16285,7 @@
           <p:cNvPr id="125" name="텍스트 개체 틀 2">
             <a:extLst>
               <a:ext uri="{FF2B5EF4-FFF2-40B4-BE49-F238E27FC236}">
-                <a16:creationId xmlns="" xmlns:a16="http://schemas.microsoft.com/office/drawing/2014/main" id="{6AD8BD0A-5D58-460E-8BF5-50E93FDC18E4}"/>
+                <a16:creationId xmlns:a16="http://schemas.microsoft.com/office/drawing/2014/main" xmlns="" id="{6AD8BD0A-5D58-460E-8BF5-50E93FDC18E4}"/>
               </a:ext>
             </a:extLst>
           </p:cNvPr>
@@ -16353,7 +16353,7 @@
           <p:cNvPr id="134" name="텍스트 개체 틀 2">
             <a:extLst>
               <a:ext uri="{FF2B5EF4-FFF2-40B4-BE49-F238E27FC236}">
-                <a16:creationId xmlns="" xmlns:a16="http://schemas.microsoft.com/office/drawing/2014/main" id="{38527D15-F4A4-463D-8D4E-D09F906CCE0A}"/>
+                <a16:creationId xmlns:a16="http://schemas.microsoft.com/office/drawing/2014/main" xmlns="" id="{38527D15-F4A4-463D-8D4E-D09F906CCE0A}"/>
               </a:ext>
             </a:extLst>
           </p:cNvPr>
@@ -16421,7 +16421,7 @@
           <p:cNvPr id="140" name="텍스트 개체 틀 2">
             <a:extLst>
               <a:ext uri="{FF2B5EF4-FFF2-40B4-BE49-F238E27FC236}">
-                <a16:creationId xmlns="" xmlns:a16="http://schemas.microsoft.com/office/drawing/2014/main" id="{5C7B6C29-E283-436D-AFEA-80C207DB615F}"/>
+                <a16:creationId xmlns:a16="http://schemas.microsoft.com/office/drawing/2014/main" xmlns="" id="{5C7B6C29-E283-436D-AFEA-80C207DB615F}"/>
               </a:ext>
             </a:extLst>
           </p:cNvPr>
@@ -16489,7 +16489,7 @@
           <p:cNvPr id="206" name="TextBox 205">
             <a:extLst>
               <a:ext uri="{FF2B5EF4-FFF2-40B4-BE49-F238E27FC236}">
-                <a16:creationId xmlns="" xmlns:a16="http://schemas.microsoft.com/office/drawing/2014/main" id="{A6A5BCC0-E4CB-4597-96C3-C861C547865C}"/>
+                <a16:creationId xmlns:a16="http://schemas.microsoft.com/office/drawing/2014/main" xmlns="" id="{A6A5BCC0-E4CB-4597-96C3-C861C547865C}"/>
               </a:ext>
             </a:extLst>
           </p:cNvPr>
@@ -16531,7 +16531,7 @@
           <p:cNvPr id="208" name="TextBox 207">
             <a:extLst>
               <a:ext uri="{FF2B5EF4-FFF2-40B4-BE49-F238E27FC236}">
-                <a16:creationId xmlns="" xmlns:a16="http://schemas.microsoft.com/office/drawing/2014/main" id="{D8FA3B77-5413-4183-89C1-C9B92C4210ED}"/>
+                <a16:creationId xmlns:a16="http://schemas.microsoft.com/office/drawing/2014/main" xmlns="" id="{D8FA3B77-5413-4183-89C1-C9B92C4210ED}"/>
               </a:ext>
             </a:extLst>
           </p:cNvPr>
@@ -16573,7 +16573,7 @@
           <p:cNvPr id="210" name="TextBox 209">
             <a:extLst>
               <a:ext uri="{FF2B5EF4-FFF2-40B4-BE49-F238E27FC236}">
-                <a16:creationId xmlns="" xmlns:a16="http://schemas.microsoft.com/office/drawing/2014/main" id="{56ABD502-0C36-4EFF-A923-8A6AA5565C47}"/>
+                <a16:creationId xmlns:a16="http://schemas.microsoft.com/office/drawing/2014/main" xmlns="" id="{56ABD502-0C36-4EFF-A923-8A6AA5565C47}"/>
               </a:ext>
             </a:extLst>
           </p:cNvPr>
@@ -16615,7 +16615,7 @@
           <p:cNvPr id="212" name="TextBox 211">
             <a:extLst>
               <a:ext uri="{FF2B5EF4-FFF2-40B4-BE49-F238E27FC236}">
-                <a16:creationId xmlns="" xmlns:a16="http://schemas.microsoft.com/office/drawing/2014/main" id="{FD3C6A2B-C055-431F-9A46-8C321EF4FD56}"/>
+                <a16:creationId xmlns:a16="http://schemas.microsoft.com/office/drawing/2014/main" xmlns="" id="{FD3C6A2B-C055-431F-9A46-8C321EF4FD56}"/>
               </a:ext>
             </a:extLst>
           </p:cNvPr>
@@ -16660,7 +16660,7 @@
           <p:cNvPr id="9" name="직사각형 8">
             <a:extLst>
               <a:ext uri="{FF2B5EF4-FFF2-40B4-BE49-F238E27FC236}">
-                <a16:creationId xmlns="" xmlns:a16="http://schemas.microsoft.com/office/drawing/2014/main" id="{A200AC85-3E95-4C11-8B9D-285B78F0FDB2}"/>
+                <a16:creationId xmlns:a16="http://schemas.microsoft.com/office/drawing/2014/main" xmlns="" id="{A200AC85-3E95-4C11-8B9D-285B78F0FDB2}"/>
               </a:ext>
             </a:extLst>
           </p:cNvPr>
@@ -16714,7 +16714,7 @@
           <p:cNvPr id="221" name="직사각형 220">
             <a:extLst>
               <a:ext uri="{FF2B5EF4-FFF2-40B4-BE49-F238E27FC236}">
-                <a16:creationId xmlns="" xmlns:a16="http://schemas.microsoft.com/office/drawing/2014/main" id="{CD8FD382-C129-4EBE-8704-70A6A42909A9}"/>
+                <a16:creationId xmlns:a16="http://schemas.microsoft.com/office/drawing/2014/main" xmlns="" id="{CD8FD382-C129-4EBE-8704-70A6A42909A9}"/>
               </a:ext>
             </a:extLst>
           </p:cNvPr>
@@ -16768,7 +16768,7 @@
           <p:cNvPr id="222" name="직사각형 221">
             <a:extLst>
               <a:ext uri="{FF2B5EF4-FFF2-40B4-BE49-F238E27FC236}">
-                <a16:creationId xmlns="" xmlns:a16="http://schemas.microsoft.com/office/drawing/2014/main" id="{C274FD8D-FF01-4228-A9D4-8419ED2A6F23}"/>
+                <a16:creationId xmlns:a16="http://schemas.microsoft.com/office/drawing/2014/main" xmlns="" id="{C274FD8D-FF01-4228-A9D4-8419ED2A6F23}"/>
               </a:ext>
             </a:extLst>
           </p:cNvPr>
@@ -16822,7 +16822,7 @@
           <p:cNvPr id="223" name="직사각형 222">
             <a:extLst>
               <a:ext uri="{FF2B5EF4-FFF2-40B4-BE49-F238E27FC236}">
-                <a16:creationId xmlns="" xmlns:a16="http://schemas.microsoft.com/office/drawing/2014/main" id="{A2A4BE82-4EE5-49CF-8A3A-9CC94E056583}"/>
+                <a16:creationId xmlns:a16="http://schemas.microsoft.com/office/drawing/2014/main" xmlns="" id="{A2A4BE82-4EE5-49CF-8A3A-9CC94E056583}"/>
               </a:ext>
             </a:extLst>
           </p:cNvPr>
@@ -16876,7 +16876,7 @@
           <p:cNvPr id="244" name="직사각형 243">
             <a:extLst>
               <a:ext uri="{FF2B5EF4-FFF2-40B4-BE49-F238E27FC236}">
-                <a16:creationId xmlns="" xmlns:a16="http://schemas.microsoft.com/office/drawing/2014/main" id="{238D2C57-D184-4A22-93E7-21730AD56375}"/>
+                <a16:creationId xmlns:a16="http://schemas.microsoft.com/office/drawing/2014/main" xmlns="" id="{238D2C57-D184-4A22-93E7-21730AD56375}"/>
               </a:ext>
             </a:extLst>
           </p:cNvPr>
@@ -17001,7 +17001,7 @@
           <p:cNvPr id="88" name="텍스트 개체 틀 2">
             <a:extLst>
               <a:ext uri="{FF2B5EF4-FFF2-40B4-BE49-F238E27FC236}">
-                <a16:creationId xmlns="" xmlns:a16="http://schemas.microsoft.com/office/drawing/2014/main" id="{BEE0A621-CF2E-4DFD-AF9C-331BFBF31C37}"/>
+                <a16:creationId xmlns:a16="http://schemas.microsoft.com/office/drawing/2014/main" xmlns="" id="{BEE0A621-CF2E-4DFD-AF9C-331BFBF31C37}"/>
               </a:ext>
             </a:extLst>
           </p:cNvPr>
@@ -17069,7 +17069,7 @@
           <p:cNvPr id="89" name="텍스트 개체 틀 2">
             <a:extLst>
               <a:ext uri="{FF2B5EF4-FFF2-40B4-BE49-F238E27FC236}">
-                <a16:creationId xmlns="" xmlns:a16="http://schemas.microsoft.com/office/drawing/2014/main" id="{BEE0A621-CF2E-4DFD-AF9C-331BFBF31C37}"/>
+                <a16:creationId xmlns:a16="http://schemas.microsoft.com/office/drawing/2014/main" xmlns="" id="{BEE0A621-CF2E-4DFD-AF9C-331BFBF31C37}"/>
               </a:ext>
             </a:extLst>
           </p:cNvPr>
@@ -17137,7 +17137,7 @@
           <p:cNvPr id="90" name="텍스트 개체 틀 2">
             <a:extLst>
               <a:ext uri="{FF2B5EF4-FFF2-40B4-BE49-F238E27FC236}">
-                <a16:creationId xmlns="" xmlns:a16="http://schemas.microsoft.com/office/drawing/2014/main" id="{BEE0A621-CF2E-4DFD-AF9C-331BFBF31C37}"/>
+                <a16:creationId xmlns:a16="http://schemas.microsoft.com/office/drawing/2014/main" xmlns="" id="{BEE0A621-CF2E-4DFD-AF9C-331BFBF31C37}"/>
               </a:ext>
             </a:extLst>
           </p:cNvPr>
@@ -17205,7 +17205,7 @@
           <p:cNvPr id="91" name="텍스트 개체 틀 2">
             <a:extLst>
               <a:ext uri="{FF2B5EF4-FFF2-40B4-BE49-F238E27FC236}">
-                <a16:creationId xmlns="" xmlns:a16="http://schemas.microsoft.com/office/drawing/2014/main" id="{BEE0A621-CF2E-4DFD-AF9C-331BFBF31C37}"/>
+                <a16:creationId xmlns:a16="http://schemas.microsoft.com/office/drawing/2014/main" xmlns="" id="{BEE0A621-CF2E-4DFD-AF9C-331BFBF31C37}"/>
               </a:ext>
             </a:extLst>
           </p:cNvPr>
@@ -17273,7 +17273,7 @@
           <p:cNvPr id="92" name="텍스트 개체 틀 2">
             <a:extLst>
               <a:ext uri="{FF2B5EF4-FFF2-40B4-BE49-F238E27FC236}">
-                <a16:creationId xmlns="" xmlns:a16="http://schemas.microsoft.com/office/drawing/2014/main" id="{BEE0A621-CF2E-4DFD-AF9C-331BFBF31C37}"/>
+                <a16:creationId xmlns:a16="http://schemas.microsoft.com/office/drawing/2014/main" xmlns="" id="{BEE0A621-CF2E-4DFD-AF9C-331BFBF31C37}"/>
               </a:ext>
             </a:extLst>
           </p:cNvPr>
@@ -17341,7 +17341,7 @@
           <p:cNvPr id="93" name="텍스트 개체 틀 2">
             <a:extLst>
               <a:ext uri="{FF2B5EF4-FFF2-40B4-BE49-F238E27FC236}">
-                <a16:creationId xmlns="" xmlns:a16="http://schemas.microsoft.com/office/drawing/2014/main" id="{BEE0A621-CF2E-4DFD-AF9C-331BFBF31C37}"/>
+                <a16:creationId xmlns:a16="http://schemas.microsoft.com/office/drawing/2014/main" xmlns="" id="{BEE0A621-CF2E-4DFD-AF9C-331BFBF31C37}"/>
               </a:ext>
             </a:extLst>
           </p:cNvPr>
@@ -17409,7 +17409,7 @@
           <p:cNvPr id="94" name="텍스트 개체 틀 2">
             <a:extLst>
               <a:ext uri="{FF2B5EF4-FFF2-40B4-BE49-F238E27FC236}">
-                <a16:creationId xmlns="" xmlns:a16="http://schemas.microsoft.com/office/drawing/2014/main" id="{BEE0A621-CF2E-4DFD-AF9C-331BFBF31C37}"/>
+                <a16:creationId xmlns:a16="http://schemas.microsoft.com/office/drawing/2014/main" xmlns="" id="{BEE0A621-CF2E-4DFD-AF9C-331BFBF31C37}"/>
               </a:ext>
             </a:extLst>
           </p:cNvPr>
@@ -17477,7 +17477,7 @@
           <p:cNvPr id="95" name="텍스트 개체 틀 2">
             <a:extLst>
               <a:ext uri="{FF2B5EF4-FFF2-40B4-BE49-F238E27FC236}">
-                <a16:creationId xmlns="" xmlns:a16="http://schemas.microsoft.com/office/drawing/2014/main" id="{BEE0A621-CF2E-4DFD-AF9C-331BFBF31C37}"/>
+                <a16:creationId xmlns:a16="http://schemas.microsoft.com/office/drawing/2014/main" xmlns="" id="{BEE0A621-CF2E-4DFD-AF9C-331BFBF31C37}"/>
               </a:ext>
             </a:extLst>
           </p:cNvPr>
@@ -17667,28 +17667,28 @@
                 <a:gridCol w="1095795">
                   <a:extLst>
                     <a:ext uri="{9D8B030D-6E8A-4147-A177-3AD203B41FA5}">
-                      <a16:colId xmlns="" xmlns:a16="http://schemas.microsoft.com/office/drawing/2014/main" val="20000"/>
+                      <a16:colId xmlns:a16="http://schemas.microsoft.com/office/drawing/2014/main" xmlns="" val="20000"/>
                     </a:ext>
                   </a:extLst>
                 </a:gridCol>
                 <a:gridCol w="1088527">
                   <a:extLst>
                     <a:ext uri="{9D8B030D-6E8A-4147-A177-3AD203B41FA5}">
-                      <a16:colId xmlns="" xmlns:a16="http://schemas.microsoft.com/office/drawing/2014/main" val="20001"/>
+                      <a16:colId xmlns:a16="http://schemas.microsoft.com/office/drawing/2014/main" xmlns="" val="20001"/>
                     </a:ext>
                   </a:extLst>
                 </a:gridCol>
                 <a:gridCol w="3464423">
                   <a:extLst>
                     <a:ext uri="{9D8B030D-6E8A-4147-A177-3AD203B41FA5}">
-                      <a16:colId xmlns="" xmlns:a16="http://schemas.microsoft.com/office/drawing/2014/main" val="20002"/>
+                      <a16:colId xmlns:a16="http://schemas.microsoft.com/office/drawing/2014/main" xmlns="" val="20002"/>
                     </a:ext>
                   </a:extLst>
                 </a:gridCol>
                 <a:gridCol w="3419474">
                   <a:extLst>
                     <a:ext uri="{9D8B030D-6E8A-4147-A177-3AD203B41FA5}">
-                      <a16:colId xmlns="" xmlns:a16="http://schemas.microsoft.com/office/drawing/2014/main" val="20003"/>
+                      <a16:colId xmlns:a16="http://schemas.microsoft.com/office/drawing/2014/main" xmlns="" val="20003"/>
                     </a:ext>
                   </a:extLst>
                 </a:gridCol>
@@ -17948,7 +17948,7 @@
                 </a:tc>
                 <a:extLst>
                   <a:ext uri="{0D108BD9-81ED-4DB2-BD59-A6C34878D82A}">
-                    <a16:rowId xmlns="" xmlns:a16="http://schemas.microsoft.com/office/drawing/2014/main" val="10000"/>
+                    <a16:rowId xmlns:a16="http://schemas.microsoft.com/office/drawing/2014/main" xmlns="" val="10000"/>
                   </a:ext>
                 </a:extLst>
               </a:tr>
@@ -18207,7 +18207,7 @@
                 </a:tc>
                 <a:extLst>
                   <a:ext uri="{0D108BD9-81ED-4DB2-BD59-A6C34878D82A}">
-                    <a16:rowId xmlns="" xmlns:a16="http://schemas.microsoft.com/office/drawing/2014/main" val="10001"/>
+                    <a16:rowId xmlns:a16="http://schemas.microsoft.com/office/drawing/2014/main" xmlns="" val="10001"/>
                   </a:ext>
                 </a:extLst>
               </a:tr>
@@ -18434,7 +18434,7 @@
                 </a:tc>
                 <a:extLst>
                   <a:ext uri="{0D108BD9-81ED-4DB2-BD59-A6C34878D82A}">
-                    <a16:rowId xmlns="" xmlns:a16="http://schemas.microsoft.com/office/drawing/2014/main" val="10002"/>
+                    <a16:rowId xmlns:a16="http://schemas.microsoft.com/office/drawing/2014/main" xmlns="" val="10002"/>
                   </a:ext>
                 </a:extLst>
               </a:tr>
@@ -18693,7 +18693,7 @@
                 </a:tc>
                 <a:extLst>
                   <a:ext uri="{0D108BD9-81ED-4DB2-BD59-A6C34878D82A}">
-                    <a16:rowId xmlns="" xmlns:a16="http://schemas.microsoft.com/office/drawing/2014/main" val="10003"/>
+                    <a16:rowId xmlns:a16="http://schemas.microsoft.com/office/drawing/2014/main" xmlns="" val="10003"/>
                   </a:ext>
                 </a:extLst>
               </a:tr>
@@ -18936,7 +18936,7 @@
                 </a:tc>
                 <a:extLst>
                   <a:ext uri="{0D108BD9-81ED-4DB2-BD59-A6C34878D82A}">
-                    <a16:rowId xmlns="" xmlns:a16="http://schemas.microsoft.com/office/drawing/2014/main" val="10004"/>
+                    <a16:rowId xmlns:a16="http://schemas.microsoft.com/office/drawing/2014/main" xmlns="" val="10004"/>
                   </a:ext>
                 </a:extLst>
               </a:tr>
@@ -19195,7 +19195,7 @@
                 </a:tc>
                 <a:extLst>
                   <a:ext uri="{0D108BD9-81ED-4DB2-BD59-A6C34878D82A}">
-                    <a16:rowId xmlns="" xmlns:a16="http://schemas.microsoft.com/office/drawing/2014/main" val="10005"/>
+                    <a16:rowId xmlns:a16="http://schemas.microsoft.com/office/drawing/2014/main" xmlns="" val="10005"/>
                   </a:ext>
                 </a:extLst>
               </a:tr>
@@ -25777,21 +25777,21 @@
                 <a:gridCol w="634245">
                   <a:extLst>
                     <a:ext uri="{9D8B030D-6E8A-4147-A177-3AD203B41FA5}">
-                      <a16:colId xmlns="" xmlns:a16="http://schemas.microsoft.com/office/drawing/2014/main" val="20000"/>
+                      <a16:colId xmlns:a16="http://schemas.microsoft.com/office/drawing/2014/main" xmlns="" val="20000"/>
                     </a:ext>
                   </a:extLst>
                 </a:gridCol>
                 <a:gridCol w="3664323">
                   <a:extLst>
                     <a:ext uri="{9D8B030D-6E8A-4147-A177-3AD203B41FA5}">
-                      <a16:colId xmlns="" xmlns:a16="http://schemas.microsoft.com/office/drawing/2014/main" val="20001"/>
+                      <a16:colId xmlns:a16="http://schemas.microsoft.com/office/drawing/2014/main" xmlns="" val="20001"/>
                     </a:ext>
                   </a:extLst>
                 </a:gridCol>
                 <a:gridCol w="3664323">
                   <a:extLst>
                     <a:ext uri="{9D8B030D-6E8A-4147-A177-3AD203B41FA5}">
-                      <a16:colId xmlns="" xmlns:a16="http://schemas.microsoft.com/office/drawing/2014/main" val="20002"/>
+                      <a16:colId xmlns:a16="http://schemas.microsoft.com/office/drawing/2014/main" xmlns="" val="20002"/>
                     </a:ext>
                   </a:extLst>
                 </a:gridCol>
@@ -26067,7 +26067,7 @@
                 </a:tc>
                 <a:extLst>
                   <a:ext uri="{0D108BD9-81ED-4DB2-BD59-A6C34878D82A}">
-                    <a16:rowId xmlns="" xmlns:a16="http://schemas.microsoft.com/office/drawing/2014/main" val="10000"/>
+                    <a16:rowId xmlns:a16="http://schemas.microsoft.com/office/drawing/2014/main" xmlns="" val="10000"/>
                   </a:ext>
                 </a:extLst>
               </a:tr>
@@ -26355,7 +26355,7 @@
                 </a:tc>
                 <a:extLst>
                   <a:ext uri="{0D108BD9-81ED-4DB2-BD59-A6C34878D82A}">
-                    <a16:rowId xmlns="" xmlns:a16="http://schemas.microsoft.com/office/drawing/2014/main" val="10001"/>
+                    <a16:rowId xmlns:a16="http://schemas.microsoft.com/office/drawing/2014/main" xmlns="" val="10001"/>
                   </a:ext>
                 </a:extLst>
               </a:tr>
@@ -26623,7 +26623,7 @@
                 </a:tc>
                 <a:extLst>
                   <a:ext uri="{0D108BD9-81ED-4DB2-BD59-A6C34878D82A}">
-                    <a16:rowId xmlns="" xmlns:a16="http://schemas.microsoft.com/office/drawing/2014/main" val="10002"/>
+                    <a16:rowId xmlns:a16="http://schemas.microsoft.com/office/drawing/2014/main" xmlns="" val="10002"/>
                   </a:ext>
                 </a:extLst>
               </a:tr>
@@ -27276,7 +27276,7 @@
                 </a:tc>
                 <a:extLst>
                   <a:ext uri="{0D108BD9-81ED-4DB2-BD59-A6C34878D82A}">
-                    <a16:rowId xmlns="" xmlns:a16="http://schemas.microsoft.com/office/drawing/2014/main" val="10003"/>
+                    <a16:rowId xmlns:a16="http://schemas.microsoft.com/office/drawing/2014/main" xmlns="" val="10003"/>
                   </a:ext>
                 </a:extLst>
               </a:tr>
@@ -29170,28 +29170,28 @@
                 <a:gridCol w="652202">
                   <a:extLst>
                     <a:ext uri="{9D8B030D-6E8A-4147-A177-3AD203B41FA5}">
-                      <a16:colId xmlns="" xmlns:a16="http://schemas.microsoft.com/office/drawing/2014/main" val="20000"/>
+                      <a16:colId xmlns:a16="http://schemas.microsoft.com/office/drawing/2014/main" xmlns="" val="20000"/>
                     </a:ext>
                   </a:extLst>
                 </a:gridCol>
                 <a:gridCol w="2462462">
                   <a:extLst>
                     <a:ext uri="{9D8B030D-6E8A-4147-A177-3AD203B41FA5}">
-                      <a16:colId xmlns="" xmlns:a16="http://schemas.microsoft.com/office/drawing/2014/main" val="20001"/>
+                      <a16:colId xmlns:a16="http://schemas.microsoft.com/office/drawing/2014/main" xmlns="" val="20001"/>
                     </a:ext>
                   </a:extLst>
                 </a:gridCol>
                 <a:gridCol w="2462462">
                   <a:extLst>
                     <a:ext uri="{9D8B030D-6E8A-4147-A177-3AD203B41FA5}">
-                      <a16:colId xmlns="" xmlns:a16="http://schemas.microsoft.com/office/drawing/2014/main" val="20002"/>
+                      <a16:colId xmlns:a16="http://schemas.microsoft.com/office/drawing/2014/main" xmlns="" val="20002"/>
                     </a:ext>
                   </a:extLst>
                 </a:gridCol>
                 <a:gridCol w="2462462">
                   <a:extLst>
                     <a:ext uri="{9D8B030D-6E8A-4147-A177-3AD203B41FA5}">
-                      <a16:colId xmlns="" xmlns:a16="http://schemas.microsoft.com/office/drawing/2014/main" val="20003"/>
+                      <a16:colId xmlns:a16="http://schemas.microsoft.com/office/drawing/2014/main" xmlns="" val="20003"/>
                     </a:ext>
                   </a:extLst>
                 </a:gridCol>
@@ -29491,7 +29491,7 @@
                 </a:tc>
                 <a:extLst>
                   <a:ext uri="{0D108BD9-81ED-4DB2-BD59-A6C34878D82A}">
-                    <a16:rowId xmlns="" xmlns:a16="http://schemas.microsoft.com/office/drawing/2014/main" val="10000"/>
+                    <a16:rowId xmlns:a16="http://schemas.microsoft.com/office/drawing/2014/main" xmlns="" val="10000"/>
                   </a:ext>
                 </a:extLst>
               </a:tr>
@@ -29808,7 +29808,7 @@
                 </a:tc>
                 <a:extLst>
                   <a:ext uri="{0D108BD9-81ED-4DB2-BD59-A6C34878D82A}">
-                    <a16:rowId xmlns="" xmlns:a16="http://schemas.microsoft.com/office/drawing/2014/main" val="10001"/>
+                    <a16:rowId xmlns:a16="http://schemas.microsoft.com/office/drawing/2014/main" xmlns="" val="10001"/>
                   </a:ext>
                 </a:extLst>
               </a:tr>
@@ -30538,7 +30538,7 @@
                 </a:tc>
                 <a:extLst>
                   <a:ext uri="{0D108BD9-81ED-4DB2-BD59-A6C34878D82A}">
-                    <a16:rowId xmlns="" xmlns:a16="http://schemas.microsoft.com/office/drawing/2014/main" val="10002"/>
+                    <a16:rowId xmlns:a16="http://schemas.microsoft.com/office/drawing/2014/main" xmlns="" val="10002"/>
                   </a:ext>
                 </a:extLst>
               </a:tr>
